--- a/java/slides/ppt/09 - Java Swing Framework.pptx
+++ b/java/slides/ppt/09 - Java Swing Framework.pptx
@@ -7001,7 +7001,7 @@
           <a:blip r:embed="rId13">
             <a:extLst>
               <a:ext uri="{28A0092B-C50C-407E-A947-70E740481C1C}">
-                <a14:useLocalDpi xmlns:a14="http://schemas.microsoft.com/office/drawing/2010/main" val="0"/>
+                <a14:useLocalDpi xmlns:a14="http://schemas.microsoft.com/office/drawing/2010/main"/>
               </a:ext>
             </a:extLst>
           </a:blip>
@@ -7861,7 +7861,7 @@
           <a:blip r:embed="rId2">
             <a:extLst>
               <a:ext uri="{28A0092B-C50C-407E-A947-70E740481C1C}">
-                <a14:useLocalDpi xmlns:a14="http://schemas.microsoft.com/office/drawing/2010/main" val="0"/>
+                <a14:useLocalDpi xmlns:a14="http://schemas.microsoft.com/office/drawing/2010/main"/>
               </a:ext>
             </a:extLst>
           </a:blip>
@@ -7957,7 +7957,7 @@
           <a:blip r:embed="rId2">
             <a:extLst>
               <a:ext uri="{28A0092B-C50C-407E-A947-70E740481C1C}">
-                <a14:useLocalDpi xmlns:a14="http://schemas.microsoft.com/office/drawing/2010/main" val="0"/>
+                <a14:useLocalDpi xmlns:a14="http://schemas.microsoft.com/office/drawing/2010/main"/>
               </a:ext>
             </a:extLst>
           </a:blip>
@@ -8039,7 +8039,7 @@
           <a:blip r:embed="rId2">
             <a:extLst>
               <a:ext uri="{28A0092B-C50C-407E-A947-70E740481C1C}">
-                <a14:useLocalDpi xmlns:a14="http://schemas.microsoft.com/office/drawing/2010/main" val="0"/>
+                <a14:useLocalDpi xmlns:a14="http://schemas.microsoft.com/office/drawing/2010/main"/>
               </a:ext>
             </a:extLst>
           </a:blip>
@@ -8171,7 +8171,7 @@
           <a:blip r:embed="rId2">
             <a:extLst>
               <a:ext uri="{28A0092B-C50C-407E-A947-70E740481C1C}">
-                <a14:useLocalDpi xmlns:a14="http://schemas.microsoft.com/office/drawing/2010/main" val="0"/>
+                <a14:useLocalDpi xmlns:a14="http://schemas.microsoft.com/office/drawing/2010/main"/>
               </a:ext>
             </a:extLst>
           </a:blip>
@@ -8201,7 +8201,7 @@
           <a:blip r:embed="rId3">
             <a:extLst>
               <a:ext uri="{28A0092B-C50C-407E-A947-70E740481C1C}">
-                <a14:useLocalDpi xmlns:a14="http://schemas.microsoft.com/office/drawing/2010/main" val="0"/>
+                <a14:useLocalDpi xmlns:a14="http://schemas.microsoft.com/office/drawing/2010/main"/>
               </a:ext>
             </a:extLst>
           </a:blip>
@@ -8333,7 +8333,7 @@
           <a:blip r:embed="rId2">
             <a:extLst>
               <a:ext uri="{28A0092B-C50C-407E-A947-70E740481C1C}">
-                <a14:useLocalDpi xmlns:a14="http://schemas.microsoft.com/office/drawing/2010/main" val="0"/>
+                <a14:useLocalDpi xmlns:a14="http://schemas.microsoft.com/office/drawing/2010/main"/>
               </a:ext>
             </a:extLst>
           </a:blip>
@@ -8465,7 +8465,7 @@
           <a:blip r:embed="rId2">
             <a:extLst>
               <a:ext uri="{28A0092B-C50C-407E-A947-70E740481C1C}">
-                <a14:useLocalDpi xmlns:a14="http://schemas.microsoft.com/office/drawing/2010/main" val="0"/>
+                <a14:useLocalDpi xmlns:a14="http://schemas.microsoft.com/office/drawing/2010/main"/>
               </a:ext>
             </a:extLst>
           </a:blip>
@@ -9748,7 +9748,7 @@
           <a:blip r:embed="rId2">
             <a:extLst>
               <a:ext uri="{28A0092B-C50C-407E-A947-70E740481C1C}">
-                <a14:useLocalDpi xmlns:a14="http://schemas.microsoft.com/office/drawing/2010/main" val="0"/>
+                <a14:useLocalDpi xmlns:a14="http://schemas.microsoft.com/office/drawing/2010/main"/>
               </a:ext>
             </a:extLst>
           </a:blip>
@@ -10184,7 +10184,7 @@
           <a:blip r:embed="rId2">
             <a:extLst>
               <a:ext uri="{28A0092B-C50C-407E-A947-70E740481C1C}">
-                <a14:useLocalDpi xmlns:a14="http://schemas.microsoft.com/office/drawing/2010/main" val="0"/>
+                <a14:useLocalDpi xmlns:a14="http://schemas.microsoft.com/office/drawing/2010/main"/>
               </a:ext>
             </a:extLst>
           </a:blip>
@@ -11086,7 +11086,7 @@
           <a:blip r:embed="rId2">
             <a:extLst>
               <a:ext uri="{28A0092B-C50C-407E-A947-70E740481C1C}">
-                <a14:useLocalDpi xmlns:a14="http://schemas.microsoft.com/office/drawing/2010/main" val="0"/>
+                <a14:useLocalDpi xmlns:a14="http://schemas.microsoft.com/office/drawing/2010/main"/>
               </a:ext>
             </a:extLst>
           </a:blip>
@@ -11116,7 +11116,7 @@
           <a:blip r:embed="rId3">
             <a:extLst>
               <a:ext uri="{28A0092B-C50C-407E-A947-70E740481C1C}">
-                <a14:useLocalDpi xmlns:a14="http://schemas.microsoft.com/office/drawing/2010/main" val="0"/>
+                <a14:useLocalDpi xmlns:a14="http://schemas.microsoft.com/office/drawing/2010/main"/>
               </a:ext>
             </a:extLst>
           </a:blip>
@@ -11146,7 +11146,7 @@
           <a:blip r:embed="rId4">
             <a:extLst>
               <a:ext uri="{28A0092B-C50C-407E-A947-70E740481C1C}">
-                <a14:useLocalDpi xmlns:a14="http://schemas.microsoft.com/office/drawing/2010/main" val="0"/>
+                <a14:useLocalDpi xmlns:a14="http://schemas.microsoft.com/office/drawing/2010/main"/>
               </a:ext>
             </a:extLst>
           </a:blip>
@@ -11525,7 +11525,7 @@
           <a:blip r:embed="rId2">
             <a:extLst>
               <a:ext uri="{28A0092B-C50C-407E-A947-70E740481C1C}">
-                <a14:useLocalDpi xmlns:a14="http://schemas.microsoft.com/office/drawing/2010/main" val="0"/>
+                <a14:useLocalDpi xmlns:a14="http://schemas.microsoft.com/office/drawing/2010/main"/>
               </a:ext>
             </a:extLst>
           </a:blip>
@@ -11635,14 +11635,14 @@
           <p:nvPr/>
         </p:nvPicPr>
         <p:blipFill rotWithShape="1">
-          <a:blip r:embed="rId2">
+          <a:blip r:embed="rId2" cstate="print">
             <a:extLst>
               <a:ext uri="{28A0092B-C50C-407E-A947-70E740481C1C}">
-                <a14:useLocalDpi xmlns:a14="http://schemas.microsoft.com/office/drawing/2010/main" val="0"/>
+                <a14:useLocalDpi xmlns:a14="http://schemas.microsoft.com/office/drawing/2010/main"/>
               </a:ext>
             </a:extLst>
           </a:blip>
-          <a:srcRect r="5866"/>
+          <a:srcRect/>
           <a:stretch/>
         </p:blipFill>
         <p:spPr>
@@ -11725,7 +11725,7 @@
           <a:blip r:embed="rId2">
             <a:extLst>
               <a:ext uri="{28A0092B-C50C-407E-A947-70E740481C1C}">
-                <a14:useLocalDpi xmlns:a14="http://schemas.microsoft.com/office/drawing/2010/main" val="0"/>
+                <a14:useLocalDpi xmlns:a14="http://schemas.microsoft.com/office/drawing/2010/main"/>
               </a:ext>
             </a:extLst>
           </a:blip>
@@ -12222,7 +12222,7 @@
           <a:blip r:embed="rId2">
             <a:extLst>
               <a:ext uri="{28A0092B-C50C-407E-A947-70E740481C1C}">
-                <a14:useLocalDpi xmlns:a14="http://schemas.microsoft.com/office/drawing/2010/main" val="0"/>
+                <a14:useLocalDpi xmlns:a14="http://schemas.microsoft.com/office/drawing/2010/main"/>
               </a:ext>
             </a:extLst>
           </a:blip>
@@ -12369,7 +12369,7 @@
           <a:blip r:embed="rId2">
             <a:extLst>
               <a:ext uri="{28A0092B-C50C-407E-A947-70E740481C1C}">
-                <a14:useLocalDpi xmlns:a14="http://schemas.microsoft.com/office/drawing/2010/main" val="0"/>
+                <a14:useLocalDpi xmlns:a14="http://schemas.microsoft.com/office/drawing/2010/main"/>
               </a:ext>
             </a:extLst>
           </a:blip>
@@ -12870,7 +12870,7 @@
           <a:blip r:embed="rId2">
             <a:extLst>
               <a:ext uri="{28A0092B-C50C-407E-A947-70E740481C1C}">
-                <a14:useLocalDpi xmlns:a14="http://schemas.microsoft.com/office/drawing/2010/main" val="0"/>
+                <a14:useLocalDpi xmlns:a14="http://schemas.microsoft.com/office/drawing/2010/main"/>
               </a:ext>
             </a:extLst>
           </a:blip>
@@ -13297,7 +13297,13 @@
           </p:nvPr>
         </p:nvPicPr>
         <p:blipFill>
-          <a:blip r:embed="rId2"/>
+          <a:blip r:embed="rId2" cstate="print">
+            <a:extLst>
+              <a:ext uri="{28A0092B-C50C-407E-A947-70E740481C1C}">
+                <a14:useLocalDpi xmlns:a14="http://schemas.microsoft.com/office/drawing/2010/main"/>
+              </a:ext>
+            </a:extLst>
+          </a:blip>
           <a:srcRect t="-21258" b="-21258"/>
           <a:stretch>
             <a:fillRect/>
@@ -13765,7 +13771,7 @@
           <a:blip r:embed="rId2">
             <a:extLst>
               <a:ext uri="{28A0092B-C50C-407E-A947-70E740481C1C}">
-                <a14:useLocalDpi xmlns:a14="http://schemas.microsoft.com/office/drawing/2010/main" val="0"/>
+                <a14:useLocalDpi xmlns:a14="http://schemas.microsoft.com/office/drawing/2010/main"/>
               </a:ext>
             </a:extLst>
           </a:blip>
@@ -14319,7 +14325,7 @@
           <a:blip r:embed="rId2">
             <a:extLst>
               <a:ext uri="{28A0092B-C50C-407E-A947-70E740481C1C}">
-                <a14:useLocalDpi xmlns:a14="http://schemas.microsoft.com/office/drawing/2010/main" val="0"/>
+                <a14:useLocalDpi xmlns:a14="http://schemas.microsoft.com/office/drawing/2010/main"/>
               </a:ext>
             </a:extLst>
           </a:blip>
@@ -14349,7 +14355,7 @@
           <a:blip r:embed="rId3">
             <a:extLst>
               <a:ext uri="{28A0092B-C50C-407E-A947-70E740481C1C}">
-                <a14:useLocalDpi xmlns:a14="http://schemas.microsoft.com/office/drawing/2010/main" val="0"/>
+                <a14:useLocalDpi xmlns:a14="http://schemas.microsoft.com/office/drawing/2010/main"/>
               </a:ext>
             </a:extLst>
           </a:blip>
@@ -14863,7 +14869,7 @@
           <a:blip r:embed="rId2">
             <a:extLst>
               <a:ext uri="{28A0092B-C50C-407E-A947-70E740481C1C}">
-                <a14:useLocalDpi xmlns:a14="http://schemas.microsoft.com/office/drawing/2010/main" val="0"/>
+                <a14:useLocalDpi xmlns:a14="http://schemas.microsoft.com/office/drawing/2010/main"/>
               </a:ext>
             </a:extLst>
           </a:blip>
@@ -15055,10 +15061,10 @@
           </p:nvPr>
         </p:nvPicPr>
         <p:blipFill>
-          <a:blip r:embed="rId2">
+          <a:blip r:embed="rId2" cstate="print">
             <a:extLst>
               <a:ext uri="{28A0092B-C50C-407E-A947-70E740481C1C}">
-                <a14:useLocalDpi xmlns:a14="http://schemas.microsoft.com/office/drawing/2010/main" val="0"/>
+                <a14:useLocalDpi xmlns:a14="http://schemas.microsoft.com/office/drawing/2010/main"/>
               </a:ext>
             </a:extLst>
           </a:blip>
@@ -15347,7 +15353,7 @@
           <a:blip r:embed="rId2">
             <a:extLst>
               <a:ext uri="{28A0092B-C50C-407E-A947-70E740481C1C}">
-                <a14:useLocalDpi xmlns:a14="http://schemas.microsoft.com/office/drawing/2010/main" val="0"/>
+                <a14:useLocalDpi xmlns:a14="http://schemas.microsoft.com/office/drawing/2010/main"/>
               </a:ext>
             </a:extLst>
           </a:blip>
@@ -15428,10 +15434,10 @@
           </p:nvPr>
         </p:nvPicPr>
         <p:blipFill>
-          <a:blip r:embed="rId2">
+          <a:blip r:embed="rId2" cstate="print">
             <a:extLst>
               <a:ext uri="{28A0092B-C50C-407E-A947-70E740481C1C}">
-                <a14:useLocalDpi xmlns:a14="http://schemas.microsoft.com/office/drawing/2010/main" val="0"/>
+                <a14:useLocalDpi xmlns:a14="http://schemas.microsoft.com/office/drawing/2010/main"/>
               </a:ext>
             </a:extLst>
           </a:blip>
@@ -15542,7 +15548,7 @@
           <a:blip r:embed="rId2">
             <a:extLst>
               <a:ext uri="{28A0092B-C50C-407E-A947-70E740481C1C}">
-                <a14:useLocalDpi xmlns:a14="http://schemas.microsoft.com/office/drawing/2010/main" val="0"/>
+                <a14:useLocalDpi xmlns:a14="http://schemas.microsoft.com/office/drawing/2010/main"/>
               </a:ext>
             </a:extLst>
           </a:blip>
@@ -16732,7 +16738,7 @@
           <a:blip r:embed="rId2">
             <a:extLst>
               <a:ext uri="{28A0092B-C50C-407E-A947-70E740481C1C}">
-                <a14:useLocalDpi xmlns:a14="http://schemas.microsoft.com/office/drawing/2010/main" val="0"/>
+                <a14:useLocalDpi xmlns:a14="http://schemas.microsoft.com/office/drawing/2010/main"/>
               </a:ext>
             </a:extLst>
           </a:blip>
@@ -20148,7 +20154,7 @@
           <a:blip r:embed="rId2">
             <a:extLst>
               <a:ext uri="{28A0092B-C50C-407E-A947-70E740481C1C}">
-                <a14:useLocalDpi xmlns:a14="http://schemas.microsoft.com/office/drawing/2010/main" val="0"/>
+                <a14:useLocalDpi xmlns:a14="http://schemas.microsoft.com/office/drawing/2010/main"/>
               </a:ext>
             </a:extLst>
           </a:blip>
@@ -20230,7 +20236,7 @@
           <a:blip r:embed="rId2">
             <a:extLst>
               <a:ext uri="{28A0092B-C50C-407E-A947-70E740481C1C}">
-                <a14:useLocalDpi xmlns:a14="http://schemas.microsoft.com/office/drawing/2010/main" val="0"/>
+                <a14:useLocalDpi xmlns:a14="http://schemas.microsoft.com/office/drawing/2010/main"/>
               </a:ext>
             </a:extLst>
           </a:blip>
@@ -20492,7 +20498,7 @@
           <a:blip r:embed="rId2">
             <a:extLst>
               <a:ext uri="{28A0092B-C50C-407E-A947-70E740481C1C}">
-                <a14:useLocalDpi xmlns:a14="http://schemas.microsoft.com/office/drawing/2010/main" val="0"/>
+                <a14:useLocalDpi xmlns:a14="http://schemas.microsoft.com/office/drawing/2010/main"/>
               </a:ext>
             </a:extLst>
           </a:blip>
@@ -20522,7 +20528,7 @@
           <a:blip r:embed="rId3">
             <a:extLst>
               <a:ext uri="{28A0092B-C50C-407E-A947-70E740481C1C}">
-                <a14:useLocalDpi xmlns:a14="http://schemas.microsoft.com/office/drawing/2010/main" val="0"/>
+                <a14:useLocalDpi xmlns:a14="http://schemas.microsoft.com/office/drawing/2010/main"/>
               </a:ext>
             </a:extLst>
           </a:blip>
@@ -20552,7 +20558,7 @@
           <a:blip r:embed="rId4">
             <a:extLst>
               <a:ext uri="{28A0092B-C50C-407E-A947-70E740481C1C}">
-                <a14:useLocalDpi xmlns:a14="http://schemas.microsoft.com/office/drawing/2010/main" val="0"/>
+                <a14:useLocalDpi xmlns:a14="http://schemas.microsoft.com/office/drawing/2010/main"/>
               </a:ext>
             </a:extLst>
           </a:blip>

--- a/java/slides/ppt/09 - Java Swing Framework.pptx
+++ b/java/slides/ppt/09 - Java Swing Framework.pptx
@@ -7325,7 +7325,6 @@
           <a:bodyPr/>
           <a:lstStyle/>
           <a:p>
-            <a:pPr algn="l"/>
             <a:r>
               <a:rPr lang="en-US" dirty="0"/>
               <a:t>Java Swing</a:t>

--- a/java/slides/ppt/09 - Java Swing Framework.pptx
+++ b/java/slides/ppt/09 - Java Swing Framework.pptx
@@ -4489,7 +4489,7 @@
           <a:p>
             <a:fld id="{5591E39A-28E5-5D4D-B97C-ECEB96F19817}" type="datetimeFigureOut">
               <a:rPr lang="en-IT" smtClean="0"/>
-              <a:t>30/09/21</a:t>
+              <a:t>23/02/22</a:t>
             </a:fld>
             <a:endParaRPr lang="en-IT"/>
           </a:p>
@@ -4668,7 +4668,7 @@
             <a:fld id="{BAEB7694-8561-4BE2-948D-EDF7A201F8BB}" type="datetimeFigureOut">
               <a:rPr lang="it-IT" smtClean="0"/>
               <a:pPr/>
-              <a:t>30/09/21</a:t>
+              <a:t>23/02/22</a:t>
             </a:fld>
             <a:endParaRPr lang="it-IT"/>
           </a:p>
@@ -10856,7 +10856,13 @@
       </p:sp>
       <p:pic>
         <p:nvPicPr>
-          <p:cNvPr id="3" name="Picture 2" descr="Untitled.png"/>
+          <p:cNvPr id="5" name="Picture 4">
+            <a:extLst>
+              <a:ext uri="{FF2B5EF4-FFF2-40B4-BE49-F238E27FC236}">
+                <a16:creationId xmlns:a16="http://schemas.microsoft.com/office/drawing/2014/main" id="{25B133C4-8E63-6147-AA92-7920C398A5C1}"/>
+              </a:ext>
+            </a:extLst>
+          </p:cNvPr>
           <p:cNvPicPr>
             <a:picLocks noChangeAspect="1"/>
           </p:cNvPicPr>
@@ -10866,7 +10872,7 @@
           <a:blip r:embed="rId2">
             <a:extLst>
               <a:ext uri="{28A0092B-C50C-407E-A947-70E740481C1C}">
-                <a14:useLocalDpi xmlns:a14="http://schemas.microsoft.com/office/drawing/2010/main"/>
+                <a14:useLocalDpi xmlns:a14="http://schemas.microsoft.com/office/drawing/2010/main" val="0"/>
               </a:ext>
             </a:extLst>
           </a:blip>
@@ -10876,8 +10882,8 @@
         </p:blipFill>
         <p:spPr>
           <a:xfrm>
-            <a:off x="2377781" y="1769808"/>
-            <a:ext cx="7725626" cy="4278389"/>
+            <a:off x="2563467" y="1556792"/>
+            <a:ext cx="7065065" cy="5165724"/>
           </a:xfrm>
           <a:prstGeom prst="rect">
             <a:avLst/>

--- a/java/slides/ppt/09 - Java Swing Framework.pptx
+++ b/java/slides/ppt/09 - Java Swing Framework.pptx
@@ -10882,7 +10882,7 @@
         </p:blipFill>
         <p:spPr>
           <a:xfrm>
-            <a:off x="2563467" y="1556792"/>
+            <a:off x="2563467" y="1628800"/>
             <a:ext cx="7065065" cy="5165724"/>
           </a:xfrm>
           <a:prstGeom prst="rect">

--- a/java/slides/ppt/09 - Java Swing Framework.pptx
+++ b/java/slides/ppt/09 - Java Swing Framework.pptx
@@ -4489,7 +4489,7 @@
           <a:p>
             <a:fld id="{5591E39A-28E5-5D4D-B97C-ECEB96F19817}" type="datetimeFigureOut">
               <a:rPr lang="en-IT" smtClean="0"/>
-              <a:t>23/02/22</a:t>
+              <a:t>02/04/22</a:t>
             </a:fld>
             <a:endParaRPr lang="en-IT"/>
           </a:p>
@@ -4668,7 +4668,7 @@
             <a:fld id="{BAEB7694-8561-4BE2-948D-EDF7A201F8BB}" type="datetimeFigureOut">
               <a:rPr lang="it-IT" smtClean="0"/>
               <a:pPr/>
-              <a:t>23/02/22</a:t>
+              <a:t>02/04/22</a:t>
             </a:fld>
             <a:endParaRPr lang="it-IT"/>
           </a:p>
@@ -17038,7 +17038,7 @@
               <a:buNone/>
             </a:pPr>
             <a:r>
-              <a:rPr lang="it-IT" sz="1400" b="1" dirty="0">
+              <a:rPr lang="it-IT" sz="1000" b="1" dirty="0">
                 <a:solidFill>
                   <a:schemeClr val="accent6">
                     <a:lumMod val="75000"/>
@@ -17050,7 +17050,7 @@
               <a:t>public </a:t>
             </a:r>
             <a:r>
-              <a:rPr lang="it-IT" sz="1400" b="1" dirty="0" err="1">
+              <a:rPr lang="it-IT" sz="1000" b="1" dirty="0" err="1">
                 <a:solidFill>
                   <a:schemeClr val="accent6">
                     <a:lumMod val="75000"/>
@@ -17062,7 +17062,7 @@
               <a:t>void</a:t>
             </a:r>
             <a:r>
-              <a:rPr lang="it-IT" sz="1400" b="1" dirty="0">
+              <a:rPr lang="it-IT" sz="1000" b="1" dirty="0">
                 <a:solidFill>
                   <a:schemeClr val="accent6">
                     <a:lumMod val="75000"/>
@@ -17074,7 +17074,7 @@
               <a:t> </a:t>
             </a:r>
             <a:r>
-              <a:rPr lang="it-IT" sz="1400" b="1" dirty="0" err="1">
+              <a:rPr lang="it-IT" sz="1000" b="1" dirty="0" err="1">
                 <a:solidFill>
                   <a:schemeClr val="accent6">
                     <a:lumMod val="75000"/>
@@ -17086,7 +17086,7 @@
               <a:t>actionPerformed</a:t>
             </a:r>
             <a:r>
-              <a:rPr lang="it-IT" sz="1400" b="1" dirty="0">
+              <a:rPr lang="it-IT" sz="1000" b="1" dirty="0">
                 <a:solidFill>
                   <a:schemeClr val="accent6">
                     <a:lumMod val="75000"/>
@@ -17098,7 +17098,7 @@
               <a:t>(</a:t>
             </a:r>
             <a:r>
-              <a:rPr lang="it-IT" sz="1400" b="1" dirty="0" err="1">
+              <a:rPr lang="it-IT" sz="1000" b="1" dirty="0" err="1">
                 <a:solidFill>
                   <a:schemeClr val="accent6">
                     <a:lumMod val="75000"/>
@@ -17110,7 +17110,7 @@
               <a:t>ActionEvent</a:t>
             </a:r>
             <a:r>
-              <a:rPr lang="it-IT" sz="1400" b="1" dirty="0">
+              <a:rPr lang="it-IT" sz="1000" b="1" dirty="0">
                 <a:solidFill>
                   <a:schemeClr val="accent6">
                     <a:lumMod val="75000"/>
@@ -17127,7 +17127,7 @@
               <a:buNone/>
             </a:pPr>
             <a:r>
-              <a:rPr lang="it-IT" sz="1400" b="1" dirty="0">
+              <a:rPr lang="it-IT" sz="1000" b="1" dirty="0">
                 <a:solidFill>
                   <a:schemeClr val="accent6">
                     <a:lumMod val="75000"/>
@@ -17139,7 +17139,7 @@
               <a:t>	</a:t>
             </a:r>
             <a:r>
-              <a:rPr lang="it-IT" sz="1400" b="1" dirty="0" err="1">
+              <a:rPr lang="it-IT" sz="1000" b="1" dirty="0" err="1">
                 <a:solidFill>
                   <a:schemeClr val="accent6">
                     <a:lumMod val="75000"/>
@@ -17151,7 +17151,7 @@
               <a:t>if</a:t>
             </a:r>
             <a:r>
-              <a:rPr lang="it-IT" sz="1400" b="1" dirty="0">
+              <a:rPr lang="it-IT" sz="1000" b="1" dirty="0">
                 <a:solidFill>
                   <a:schemeClr val="accent6">
                     <a:lumMod val="75000"/>
@@ -17163,7 +17163,7 @@
               <a:t> (</a:t>
             </a:r>
             <a:r>
-              <a:rPr lang="it-IT" sz="1400" b="1" dirty="0" err="1">
+              <a:rPr lang="it-IT" sz="1000" b="1" dirty="0" err="1">
                 <a:solidFill>
                   <a:schemeClr val="accent6">
                     <a:lumMod val="75000"/>
@@ -17175,7 +17175,7 @@
               <a:t>e.getSource</a:t>
             </a:r>
             <a:r>
-              <a:rPr lang="it-IT" sz="1400" b="1" dirty="0">
+              <a:rPr lang="it-IT" sz="1000" b="1" dirty="0">
                 <a:solidFill>
                   <a:schemeClr val="accent6">
                     <a:lumMod val="75000"/>
@@ -17187,7 +17187,7 @@
               <a:t>() == </a:t>
             </a:r>
             <a:r>
-              <a:rPr lang="it-IT" sz="1400" b="1" dirty="0" err="1">
+              <a:rPr lang="it-IT" sz="1000" b="1" dirty="0" err="1">
                 <a:solidFill>
                   <a:schemeClr val="accent6">
                     <a:lumMod val="75000"/>
@@ -17199,7 +17199,7 @@
               <a:t>CFButton</a:t>
             </a:r>
             <a:r>
-              <a:rPr lang="it-IT" sz="1400" b="1" dirty="0">
+              <a:rPr lang="it-IT" sz="1000" b="1" dirty="0">
                 <a:solidFill>
                   <a:schemeClr val="accent6">
                     <a:lumMod val="75000"/>
@@ -17216,7 +17216,7 @@
               <a:buNone/>
             </a:pPr>
             <a:r>
-              <a:rPr lang="it-IT" sz="1400" b="1" dirty="0">
+              <a:rPr lang="it-IT" sz="1000" b="1" dirty="0">
                 <a:solidFill>
                   <a:schemeClr val="accent6">
                     <a:lumMod val="75000"/>
@@ -17228,7 +17228,7 @@
               <a:t>		</a:t>
             </a:r>
             <a:r>
-              <a:rPr lang="it-IT" sz="1400" b="1" dirty="0" err="1">
+              <a:rPr lang="it-IT" sz="1000" b="1" dirty="0" err="1">
                 <a:solidFill>
                   <a:schemeClr val="accent6">
                     <a:lumMod val="75000"/>
@@ -17240,7 +17240,7 @@
               <a:t>int</a:t>
             </a:r>
             <a:r>
-              <a:rPr lang="it-IT" sz="1400" b="1" dirty="0">
+              <a:rPr lang="it-IT" sz="1000" b="1" dirty="0">
                 <a:solidFill>
                   <a:schemeClr val="accent6">
                     <a:lumMod val="75000"/>
@@ -17252,7 +17252,7 @@
               <a:t> </a:t>
             </a:r>
             <a:r>
-              <a:rPr lang="it-IT" sz="1400" b="1" dirty="0" err="1">
+              <a:rPr lang="it-IT" sz="1000" b="1" dirty="0" err="1">
                 <a:solidFill>
                   <a:schemeClr val="accent6">
                     <a:lumMod val="75000"/>
@@ -17264,7 +17264,7 @@
               <a:t>tempFahr</a:t>
             </a:r>
             <a:r>
-              <a:rPr lang="it-IT" sz="1400" b="1" dirty="0">
+              <a:rPr lang="it-IT" sz="1000" b="1" dirty="0">
                 <a:solidFill>
                   <a:schemeClr val="accent6">
                     <a:lumMod val="75000"/>
@@ -17276,7 +17276,7 @@
               <a:t> = (</a:t>
             </a:r>
             <a:r>
-              <a:rPr lang="it-IT" sz="1400" b="1" dirty="0" err="1">
+              <a:rPr lang="it-IT" sz="1000" b="1" dirty="0" err="1">
                 <a:solidFill>
                   <a:schemeClr val="accent6">
                     <a:lumMod val="75000"/>
@@ -17288,7 +17288,7 @@
               <a:t>int</a:t>
             </a:r>
             <a:r>
-              <a:rPr lang="it-IT" sz="1400" b="1" dirty="0">
+              <a:rPr lang="it-IT" sz="1000" b="1" dirty="0">
                 <a:solidFill>
                   <a:schemeClr val="accent6">
                     <a:lumMod val="75000"/>
@@ -17300,7 +17300,7 @@
               <a:t>)((</a:t>
             </a:r>
             <a:r>
-              <a:rPr lang="it-IT" sz="1400" b="1" dirty="0" err="1">
+              <a:rPr lang="it-IT" sz="1000" b="1" dirty="0" err="1">
                 <a:solidFill>
                   <a:schemeClr val="accent6">
                     <a:lumMod val="75000"/>
@@ -17312,7 +17312,7 @@
               <a:t>Double.parseDouble</a:t>
             </a:r>
             <a:r>
-              <a:rPr lang="it-IT" sz="1400" b="1" dirty="0">
+              <a:rPr lang="it-IT" sz="1000" b="1" dirty="0">
                 <a:solidFill>
                   <a:schemeClr val="accent6">
                     <a:lumMod val="75000"/>
@@ -17324,7 +17324,7 @@
               <a:t>(</a:t>
             </a:r>
             <a:r>
-              <a:rPr lang="it-IT" sz="1400" b="1" dirty="0" err="1">
+              <a:rPr lang="it-IT" sz="1000" b="1" dirty="0" err="1">
                 <a:solidFill>
                   <a:schemeClr val="accent6">
                     <a:lumMod val="75000"/>
@@ -17336,7 +17336,7 @@
               <a:t>celsiusTF.getText</a:t>
             </a:r>
             <a:r>
-              <a:rPr lang="it-IT" sz="1400" b="1" dirty="0">
+              <a:rPr lang="it-IT" sz="1000" b="1" dirty="0">
                 <a:solidFill>
                   <a:schemeClr val="accent6">
                     <a:lumMod val="75000"/>
@@ -17353,7 +17353,7 @@
               <a:buNone/>
             </a:pPr>
             <a:r>
-              <a:rPr lang="it-IT" sz="1400" b="1" dirty="0">
+              <a:rPr lang="it-IT" sz="1000" b="1" dirty="0">
                 <a:solidFill>
                   <a:schemeClr val="accent6">
                     <a:lumMod val="75000"/>
@@ -17365,7 +17365,7 @@
               <a:t>		</a:t>
             </a:r>
             <a:r>
-              <a:rPr lang="it-IT" sz="1400" b="1" dirty="0" err="1">
+              <a:rPr lang="it-IT" sz="1000" b="1" dirty="0" err="1">
                 <a:solidFill>
                   <a:schemeClr val="accent6">
                     <a:lumMod val="75000"/>
@@ -17377,7 +17377,7 @@
               <a:t>fahrenheitTF.setText</a:t>
             </a:r>
             <a:r>
-              <a:rPr lang="it-IT" sz="1400" b="1" dirty="0">
+              <a:rPr lang="it-IT" sz="1000" b="1" dirty="0">
                 <a:solidFill>
                   <a:schemeClr val="accent6">
                     <a:lumMod val="75000"/>
@@ -17389,7 +17389,7 @@
               <a:t>(</a:t>
             </a:r>
             <a:r>
-              <a:rPr lang="it-IT" sz="1400" b="1" dirty="0" err="1">
+              <a:rPr lang="it-IT" sz="1000" b="1" dirty="0" err="1">
                 <a:solidFill>
                   <a:schemeClr val="accent6">
                     <a:lumMod val="75000"/>
@@ -17401,7 +17401,7 @@
               <a:t>Integer.toString</a:t>
             </a:r>
             <a:r>
-              <a:rPr lang="it-IT" sz="1400" b="1" dirty="0">
+              <a:rPr lang="it-IT" sz="1000" b="1" dirty="0">
                 <a:solidFill>
                   <a:schemeClr val="accent6">
                     <a:lumMod val="75000"/>
@@ -17413,7 +17413,7 @@
               <a:t>(</a:t>
             </a:r>
             <a:r>
-              <a:rPr lang="it-IT" sz="1400" b="1" dirty="0" err="1">
+              <a:rPr lang="it-IT" sz="1000" b="1" dirty="0" err="1">
                 <a:solidFill>
                   <a:schemeClr val="accent6">
                     <a:lumMod val="75000"/>
@@ -17425,7 +17425,7 @@
               <a:t>tempFahr</a:t>
             </a:r>
             <a:r>
-              <a:rPr lang="it-IT" sz="1400" b="1" dirty="0">
+              <a:rPr lang="it-IT" sz="1000" b="1" dirty="0">
                 <a:solidFill>
                   <a:schemeClr val="accent6">
                     <a:lumMod val="75000"/>
@@ -17442,7 +17442,7 @@
               <a:buNone/>
             </a:pPr>
             <a:r>
-              <a:rPr lang="it-IT" sz="1400" b="1" dirty="0">
+              <a:rPr lang="it-IT" sz="1000" b="1" dirty="0">
                 <a:solidFill>
                   <a:schemeClr val="accent6">
                     <a:lumMod val="75000"/>
@@ -17459,7 +17459,7 @@
               <a:buNone/>
             </a:pPr>
             <a:r>
-              <a:rPr lang="it-IT" sz="1400" b="1" dirty="0">
+              <a:rPr lang="it-IT" sz="1000" b="1" dirty="0">
                 <a:solidFill>
                   <a:schemeClr val="accent6">
                     <a:lumMod val="75000"/>
@@ -17471,7 +17471,7 @@
               <a:t>	</a:t>
             </a:r>
             <a:r>
-              <a:rPr lang="it-IT" sz="1400" b="1" dirty="0" err="1">
+              <a:rPr lang="it-IT" sz="1000" b="1" dirty="0" err="1">
                 <a:solidFill>
                   <a:schemeClr val="accent6">
                     <a:lumMod val="75000"/>
@@ -17483,7 +17483,7 @@
               <a:t>if</a:t>
             </a:r>
             <a:r>
-              <a:rPr lang="it-IT" sz="1400" b="1" dirty="0">
+              <a:rPr lang="it-IT" sz="1000" b="1" dirty="0">
                 <a:solidFill>
                   <a:schemeClr val="accent6">
                     <a:lumMod val="75000"/>
@@ -17495,7 +17495,7 @@
               <a:t> (</a:t>
             </a:r>
             <a:r>
-              <a:rPr lang="it-IT" sz="1400" b="1" dirty="0" err="1">
+              <a:rPr lang="it-IT" sz="1000" b="1" dirty="0" err="1">
                 <a:solidFill>
                   <a:schemeClr val="accent6">
                     <a:lumMod val="75000"/>
@@ -17507,7 +17507,7 @@
               <a:t>e.getSource</a:t>
             </a:r>
             <a:r>
-              <a:rPr lang="it-IT" sz="1400" b="1" dirty="0">
+              <a:rPr lang="it-IT" sz="1000" b="1" dirty="0">
                 <a:solidFill>
                   <a:schemeClr val="accent6">
                     <a:lumMod val="75000"/>
@@ -17519,7 +17519,7 @@
               <a:t>() == </a:t>
             </a:r>
             <a:r>
-              <a:rPr lang="it-IT" sz="1400" b="1" dirty="0" err="1">
+              <a:rPr lang="it-IT" sz="1000" b="1" dirty="0" err="1">
                 <a:solidFill>
                   <a:schemeClr val="accent6">
                     <a:lumMod val="75000"/>
@@ -17531,7 +17531,7 @@
               <a:t>FCButton</a:t>
             </a:r>
             <a:r>
-              <a:rPr lang="it-IT" sz="1400" b="1" dirty="0">
+              <a:rPr lang="it-IT" sz="1000" b="1" dirty="0">
                 <a:solidFill>
                   <a:schemeClr val="accent6">
                     <a:lumMod val="75000"/>
@@ -17548,7 +17548,7 @@
               <a:buNone/>
             </a:pPr>
             <a:r>
-              <a:rPr lang="it-IT" sz="1400" b="1" dirty="0">
+              <a:rPr lang="it-IT" sz="1000" b="1" dirty="0">
                 <a:solidFill>
                   <a:schemeClr val="accent6">
                     <a:lumMod val="75000"/>
@@ -17560,7 +17560,7 @@
               <a:t>		</a:t>
             </a:r>
             <a:r>
-              <a:rPr lang="it-IT" sz="1400" b="1" dirty="0" err="1">
+              <a:rPr lang="it-IT" sz="1000" b="1" dirty="0" err="1">
                 <a:solidFill>
                   <a:schemeClr val="accent6">
                     <a:lumMod val="75000"/>
@@ -17572,7 +17572,7 @@
               <a:t>int</a:t>
             </a:r>
             <a:r>
-              <a:rPr lang="it-IT" sz="1400" b="1" dirty="0">
+              <a:rPr lang="it-IT" sz="1000" b="1" dirty="0">
                 <a:solidFill>
                   <a:schemeClr val="accent6">
                     <a:lumMod val="75000"/>
@@ -17584,7 +17584,7 @@
               <a:t> </a:t>
             </a:r>
             <a:r>
-              <a:rPr lang="it-IT" sz="1400" b="1" dirty="0" err="1">
+              <a:rPr lang="it-IT" sz="1000" b="1" dirty="0" err="1">
                 <a:solidFill>
                   <a:schemeClr val="accent6">
                     <a:lumMod val="75000"/>
@@ -17596,7 +17596,7 @@
               <a:t>tempCelsius</a:t>
             </a:r>
             <a:r>
-              <a:rPr lang="it-IT" sz="1400" b="1" dirty="0">
+              <a:rPr lang="it-IT" sz="1000" b="1" dirty="0">
                 <a:solidFill>
                   <a:schemeClr val="accent6">
                     <a:lumMod val="75000"/>
@@ -17608,7 +17608,7 @@
               <a:t> = (</a:t>
             </a:r>
             <a:r>
-              <a:rPr lang="it-IT" sz="1400" b="1" dirty="0" err="1">
+              <a:rPr lang="it-IT" sz="1000" b="1" dirty="0" err="1">
                 <a:solidFill>
                   <a:schemeClr val="accent6">
                     <a:lumMod val="75000"/>
@@ -17620,7 +17620,7 @@
               <a:t>int</a:t>
             </a:r>
             <a:r>
-              <a:rPr lang="it-IT" sz="1400" b="1" dirty="0">
+              <a:rPr lang="it-IT" sz="1000" b="1" dirty="0">
                 <a:solidFill>
                   <a:schemeClr val="accent6">
                     <a:lumMod val="75000"/>
@@ -17632,7 +17632,7 @@
               <a:t>)(((</a:t>
             </a:r>
             <a:r>
-              <a:rPr lang="it-IT" sz="1400" b="1" dirty="0" err="1">
+              <a:rPr lang="it-IT" sz="1000" b="1" dirty="0" err="1">
                 <a:solidFill>
                   <a:schemeClr val="accent6">
                     <a:lumMod val="75000"/>
@@ -17644,7 +17644,7 @@
               <a:t>Double.parseDouble</a:t>
             </a:r>
             <a:r>
-              <a:rPr lang="it-IT" sz="1400" b="1" dirty="0">
+              <a:rPr lang="it-IT" sz="1000" b="1" dirty="0">
                 <a:solidFill>
                   <a:schemeClr val="accent6">
                     <a:lumMod val="75000"/>
@@ -17656,7 +17656,7 @@
               <a:t>(</a:t>
             </a:r>
             <a:r>
-              <a:rPr lang="it-IT" sz="1400" b="1" dirty="0" err="1">
+              <a:rPr lang="it-IT" sz="1000" b="1" dirty="0" err="1">
                 <a:solidFill>
                   <a:schemeClr val="accent6">
                     <a:lumMod val="75000"/>
@@ -17668,7 +17668,7 @@
               <a:t>fahrenheitTF.getText</a:t>
             </a:r>
             <a:r>
-              <a:rPr lang="it-IT" sz="1400" b="1" dirty="0">
+              <a:rPr lang="it-IT" sz="1000" b="1" dirty="0">
                 <a:solidFill>
                   <a:schemeClr val="accent6">
                     <a:lumMod val="75000"/>
@@ -17685,7 +17685,7 @@
               <a:buNone/>
             </a:pPr>
             <a:r>
-              <a:rPr lang="it-IT" sz="1400" b="1" dirty="0">
+              <a:rPr lang="it-IT" sz="1000" b="1" dirty="0">
                 <a:solidFill>
                   <a:schemeClr val="accent6">
                     <a:lumMod val="75000"/>
@@ -17697,7 +17697,7 @@
               <a:t>		</a:t>
             </a:r>
             <a:r>
-              <a:rPr lang="it-IT" sz="1400" b="1" dirty="0" err="1">
+              <a:rPr lang="it-IT" sz="1000" b="1" dirty="0" err="1">
                 <a:solidFill>
                   <a:schemeClr val="accent6">
                     <a:lumMod val="75000"/>
@@ -17709,7 +17709,7 @@
               <a:t>celsiusTF.setText</a:t>
             </a:r>
             <a:r>
-              <a:rPr lang="it-IT" sz="1400" b="1" dirty="0">
+              <a:rPr lang="it-IT" sz="1000" b="1" dirty="0">
                 <a:solidFill>
                   <a:schemeClr val="accent6">
                     <a:lumMod val="75000"/>
@@ -17721,7 +17721,7 @@
               <a:t>(</a:t>
             </a:r>
             <a:r>
-              <a:rPr lang="it-IT" sz="1400" b="1" dirty="0" err="1">
+              <a:rPr lang="it-IT" sz="1000" b="1" dirty="0" err="1">
                 <a:solidFill>
                   <a:schemeClr val="accent6">
                     <a:lumMod val="75000"/>
@@ -17733,7 +17733,7 @@
               <a:t>Integer.toString</a:t>
             </a:r>
             <a:r>
-              <a:rPr lang="it-IT" sz="1400" b="1" dirty="0">
+              <a:rPr lang="it-IT" sz="1000" b="1" dirty="0">
                 <a:solidFill>
                   <a:schemeClr val="accent6">
                     <a:lumMod val="75000"/>
@@ -17745,7 +17745,7 @@
               <a:t>(</a:t>
             </a:r>
             <a:r>
-              <a:rPr lang="it-IT" sz="1400" b="1" dirty="0" err="1">
+              <a:rPr lang="it-IT" sz="1000" b="1" dirty="0" err="1">
                 <a:solidFill>
                   <a:schemeClr val="accent6">
                     <a:lumMod val="75000"/>
@@ -17757,7 +17757,7 @@
               <a:t>tempCelsius</a:t>
             </a:r>
             <a:r>
-              <a:rPr lang="it-IT" sz="1400" b="1" dirty="0">
+              <a:rPr lang="it-IT" sz="1000" b="1" dirty="0">
                 <a:solidFill>
                   <a:schemeClr val="accent6">
                     <a:lumMod val="75000"/>
@@ -17774,7 +17774,7 @@
               <a:buNone/>
             </a:pPr>
             <a:r>
-              <a:rPr lang="it-IT" sz="1400" b="1" dirty="0">
+              <a:rPr lang="it-IT" sz="1000" b="1" dirty="0">
                 <a:solidFill>
                   <a:schemeClr val="accent6">
                     <a:lumMod val="75000"/>
@@ -17791,7 +17791,7 @@
               <a:buNone/>
             </a:pPr>
             <a:r>
-              <a:rPr lang="it-IT" sz="1400" b="1" dirty="0">
+              <a:rPr lang="it-IT" sz="1000" b="1" dirty="0">
                 <a:solidFill>
                   <a:schemeClr val="accent6">
                     <a:lumMod val="75000"/>
@@ -17807,7 +17807,7 @@
             <a:pPr marL="0" indent="0">
               <a:buNone/>
             </a:pPr>
-            <a:endParaRPr lang="it-IT" sz="1400" b="1" dirty="0">
+            <a:endParaRPr lang="it-IT" sz="1000" b="1" dirty="0">
               <a:latin typeface="Consolas" panose="020B0609020204030204" pitchFamily="49" charset="0"/>
               <a:cs typeface="Consolas" panose="020B0609020204030204" pitchFamily="49" charset="0"/>
             </a:endParaRPr>
@@ -17817,84 +17817,84 @@
               <a:buNone/>
             </a:pPr>
             <a:r>
-              <a:rPr lang="it-IT" sz="1400" b="1" dirty="0">
+              <a:rPr lang="it-IT" sz="1000" b="1" dirty="0">
                 <a:latin typeface="Consolas" panose="020B0609020204030204" pitchFamily="49" charset="0"/>
                 <a:cs typeface="Consolas" panose="020B0609020204030204" pitchFamily="49" charset="0"/>
               </a:rPr>
               <a:t>public</a:t>
             </a:r>
             <a:r>
-              <a:rPr lang="it-IT" sz="1400" dirty="0">
+              <a:rPr lang="it-IT" sz="1000" dirty="0">
                 <a:latin typeface="Consolas" panose="020B0609020204030204" pitchFamily="49" charset="0"/>
                 <a:cs typeface="Consolas" panose="020B0609020204030204" pitchFamily="49" charset="0"/>
               </a:rPr>
               <a:t> </a:t>
             </a:r>
             <a:r>
-              <a:rPr lang="it-IT" sz="1400" b="1" dirty="0" err="1">
+              <a:rPr lang="it-IT" sz="1000" b="1" dirty="0" err="1">
                 <a:latin typeface="Consolas" panose="020B0609020204030204" pitchFamily="49" charset="0"/>
                 <a:cs typeface="Consolas" panose="020B0609020204030204" pitchFamily="49" charset="0"/>
               </a:rPr>
               <a:t>static</a:t>
             </a:r>
             <a:r>
-              <a:rPr lang="it-IT" sz="1400" dirty="0">
+              <a:rPr lang="it-IT" sz="1000" dirty="0">
                 <a:latin typeface="Consolas" panose="020B0609020204030204" pitchFamily="49" charset="0"/>
                 <a:cs typeface="Consolas" panose="020B0609020204030204" pitchFamily="49" charset="0"/>
               </a:rPr>
               <a:t> </a:t>
             </a:r>
             <a:r>
-              <a:rPr lang="it-IT" sz="1400" b="1" dirty="0" err="1">
+              <a:rPr lang="it-IT" sz="1000" b="1" dirty="0" err="1">
                 <a:latin typeface="Consolas" panose="020B0609020204030204" pitchFamily="49" charset="0"/>
                 <a:cs typeface="Consolas" panose="020B0609020204030204" pitchFamily="49" charset="0"/>
               </a:rPr>
               <a:t>void</a:t>
             </a:r>
             <a:r>
-              <a:rPr lang="it-IT" sz="1400" dirty="0">
+              <a:rPr lang="it-IT" sz="1000" dirty="0">
                 <a:latin typeface="Consolas" panose="020B0609020204030204" pitchFamily="49" charset="0"/>
                 <a:cs typeface="Consolas" panose="020B0609020204030204" pitchFamily="49" charset="0"/>
               </a:rPr>
               <a:t> </a:t>
             </a:r>
             <a:r>
-              <a:rPr lang="it-IT" sz="1400" dirty="0" err="1">
+              <a:rPr lang="it-IT" sz="1000" dirty="0" err="1">
                 <a:latin typeface="Consolas" panose="020B0609020204030204" pitchFamily="49" charset="0"/>
                 <a:cs typeface="Consolas" panose="020B0609020204030204" pitchFamily="49" charset="0"/>
               </a:rPr>
               <a:t>main</a:t>
             </a:r>
             <a:r>
-              <a:rPr lang="it-IT" sz="1400" dirty="0">
+              <a:rPr lang="it-IT" sz="1000" dirty="0">
                 <a:latin typeface="Consolas" panose="020B0609020204030204" pitchFamily="49" charset="0"/>
                 <a:cs typeface="Consolas" panose="020B0609020204030204" pitchFamily="49" charset="0"/>
               </a:rPr>
               <a:t>(</a:t>
             </a:r>
             <a:r>
-              <a:rPr lang="it-IT" sz="1400" dirty="0" err="1">
+              <a:rPr lang="it-IT" sz="1000" dirty="0" err="1">
                 <a:latin typeface="Consolas" panose="020B0609020204030204" pitchFamily="49" charset="0"/>
                 <a:cs typeface="Consolas" panose="020B0609020204030204" pitchFamily="49" charset="0"/>
               </a:rPr>
               <a:t>String</a:t>
             </a:r>
             <a:r>
-              <a:rPr lang="it-IT" sz="1400" dirty="0">
+              <a:rPr lang="it-IT" sz="1000" dirty="0">
                 <a:latin typeface="Consolas" panose="020B0609020204030204" pitchFamily="49" charset="0"/>
                 <a:cs typeface="Consolas" panose="020B0609020204030204" pitchFamily="49" charset="0"/>
               </a:rPr>
               <a:t>[] </a:t>
             </a:r>
             <a:r>
-              <a:rPr lang="it-IT" sz="1400" dirty="0" err="1">
+              <a:rPr lang="it-IT" sz="1000" dirty="0" err="1">
                 <a:latin typeface="Consolas" panose="020B0609020204030204" pitchFamily="49" charset="0"/>
                 <a:cs typeface="Consolas" panose="020B0609020204030204" pitchFamily="49" charset="0"/>
               </a:rPr>
               <a:t>args</a:t>
             </a:r>
             <a:r>
-              <a:rPr lang="it-IT" sz="1400" dirty="0">
+              <a:rPr lang="it-IT" sz="1000" dirty="0">
                 <a:latin typeface="Consolas" panose="020B0609020204030204" pitchFamily="49" charset="0"/>
                 <a:cs typeface="Consolas" panose="020B0609020204030204" pitchFamily="49" charset="0"/>
               </a:rPr>
@@ -17906,28 +17906,28 @@
               <a:buNone/>
             </a:pPr>
             <a:r>
-              <a:rPr lang="it-IT" sz="1400" b="1" dirty="0">
+              <a:rPr lang="it-IT" sz="1000" b="1" dirty="0">
                 <a:latin typeface="Consolas" panose="020B0609020204030204" pitchFamily="49" charset="0"/>
                 <a:cs typeface="Consolas" panose="020B0609020204030204" pitchFamily="49" charset="0"/>
               </a:rPr>
               <a:t>	new</a:t>
             </a:r>
             <a:r>
-              <a:rPr lang="it-IT" sz="1400" dirty="0">
+              <a:rPr lang="it-IT" sz="1000" dirty="0">
                 <a:latin typeface="Consolas" panose="020B0609020204030204" pitchFamily="49" charset="0"/>
                 <a:cs typeface="Consolas" panose="020B0609020204030204" pitchFamily="49" charset="0"/>
               </a:rPr>
               <a:t> </a:t>
             </a:r>
             <a:r>
-              <a:rPr lang="it-IT" sz="1400" dirty="0" err="1">
+              <a:rPr lang="it-IT" sz="1000" dirty="0" err="1">
                 <a:latin typeface="Consolas" panose="020B0609020204030204" pitchFamily="49" charset="0"/>
                 <a:cs typeface="Consolas" panose="020B0609020204030204" pitchFamily="49" charset="0"/>
               </a:rPr>
               <a:t>CelsiusConverterFull</a:t>
             </a:r>
             <a:r>
-              <a:rPr lang="it-IT" sz="1400" dirty="0">
+              <a:rPr lang="it-IT" sz="1000" dirty="0">
                 <a:latin typeface="Consolas" panose="020B0609020204030204" pitchFamily="49" charset="0"/>
                 <a:cs typeface="Consolas" panose="020B0609020204030204" pitchFamily="49" charset="0"/>
               </a:rPr>
@@ -17939,7 +17939,7 @@
               <a:buNone/>
             </a:pPr>
             <a:r>
-              <a:rPr lang="it-IT" sz="1400" dirty="0">
+              <a:rPr lang="it-IT" sz="1000" dirty="0">
                 <a:latin typeface="Consolas" panose="020B0609020204030204" pitchFamily="49" charset="0"/>
                 <a:cs typeface="Consolas" panose="020B0609020204030204" pitchFamily="49" charset="0"/>
               </a:rPr>
@@ -17950,7 +17950,7 @@
             <a:pPr marL="0" indent="0">
               <a:buNone/>
             </a:pPr>
-            <a:endParaRPr lang="it-IT" sz="1400" b="1" dirty="0">
+            <a:endParaRPr lang="it-IT" sz="1000" b="1" dirty="0">
               <a:latin typeface="Consolas" panose="020B0609020204030204" pitchFamily="49" charset="0"/>
               <a:cs typeface="Consolas" panose="020B0609020204030204" pitchFamily="49" charset="0"/>
             </a:endParaRPr>
@@ -17959,7 +17959,7 @@
             <a:pPr marL="0" indent="0">
               <a:buNone/>
             </a:pPr>
-            <a:endParaRPr lang="it-IT" sz="1400" b="1" dirty="0">
+            <a:endParaRPr lang="it-IT" sz="1000" b="1" dirty="0">
               <a:latin typeface="Consolas" panose="020B0609020204030204" pitchFamily="49" charset="0"/>
               <a:cs typeface="Consolas" panose="020B0609020204030204" pitchFamily="49" charset="0"/>
             </a:endParaRPr>
@@ -17968,7 +17968,7 @@
             <a:pPr marL="0" indent="0">
               <a:buNone/>
             </a:pPr>
-            <a:endParaRPr lang="it-IT" sz="1400" b="1" dirty="0">
+            <a:endParaRPr lang="it-IT" sz="1000" b="1" dirty="0">
               <a:latin typeface="Consolas" panose="020B0609020204030204" pitchFamily="49" charset="0"/>
               <a:cs typeface="Consolas" panose="020B0609020204030204" pitchFamily="49" charset="0"/>
             </a:endParaRPr>
@@ -18476,7 +18476,7 @@
                 <a:latin typeface="Consolas"/>
                 <a:cs typeface="Consolas"/>
               </a:rPr>
-              <a:t>JButton</a:t>
+              <a:t>JComponent</a:t>
             </a:r>
             <a:r>
               <a:rPr lang="en-US" sz="1600" dirty="0">
@@ -18490,7 +18490,7 @@
                 <a:latin typeface="Consolas"/>
                 <a:cs typeface="Consolas"/>
               </a:rPr>
-              <a:t>btn</a:t>
+              <a:t>sourceofEvents</a:t>
             </a:r>
             <a:r>
               <a:rPr lang="en-US" sz="1600" dirty="0">
@@ -18504,14 +18504,14 @@
                 <a:latin typeface="Consolas"/>
                 <a:cs typeface="Consolas"/>
               </a:rPr>
-              <a:t>JButton</a:t>
+              <a:t>JComponent</a:t>
             </a:r>
             <a:r>
               <a:rPr lang="en-US" sz="1600" dirty="0">
                 <a:latin typeface="Consolas"/>
                 <a:cs typeface="Consolas"/>
               </a:rPr>
-              <a:t>();</a:t>
+              <a:t>(); </a:t>
             </a:r>
           </a:p>
           <a:p>
@@ -18523,28 +18523,14 @@
                 <a:latin typeface="Consolas"/>
                 <a:cs typeface="Consolas"/>
               </a:rPr>
-              <a:t>btn.addActionListener</a:t>
+              <a:t>sourceofEvents.addActionListener</a:t>
             </a:r>
             <a:r>
               <a:rPr lang="en-US" sz="1600" dirty="0">
                 <a:latin typeface="Consolas"/>
                 <a:cs typeface="Consolas"/>
               </a:rPr>
-              <a:t>(new </a:t>
-            </a:r>
-            <a:r>
-              <a:rPr lang="en-US" sz="1600" dirty="0" err="1">
-                <a:latin typeface="Consolas"/>
-                <a:cs typeface="Consolas"/>
-              </a:rPr>
-              <a:t>ActionListener</a:t>
-            </a:r>
-            <a:r>
-              <a:rPr lang="en-US" sz="1600" dirty="0">
-                <a:latin typeface="Consolas"/>
-                <a:cs typeface="Consolas"/>
-              </a:rPr>
-              <a:t>() {</a:t>
+              <a:t>(new ActionListener() {</a:t>
             </a:r>
           </a:p>
           <a:p>
@@ -19111,6 +19097,74 @@
                 <a:latin typeface="Consolas"/>
                 <a:cs typeface="Consolas"/>
               </a:rPr>
+              <a:t>JComponent</a:t>
+            </a:r>
+            <a:r>
+              <a:rPr lang="en-US" sz="1800" dirty="0">
+                <a:latin typeface="Consolas"/>
+                <a:cs typeface="Consolas"/>
+              </a:rPr>
+              <a:t> </a:t>
+            </a:r>
+            <a:r>
+              <a:rPr lang="en-US" sz="1800" dirty="0" err="1">
+                <a:latin typeface="Consolas"/>
+                <a:cs typeface="Consolas"/>
+              </a:rPr>
+              <a:t>sourceofEvents</a:t>
+            </a:r>
+            <a:r>
+              <a:rPr lang="en-US" sz="1800" dirty="0">
+                <a:latin typeface="Consolas"/>
+                <a:cs typeface="Consolas"/>
+              </a:rPr>
+              <a:t> = new </a:t>
+            </a:r>
+            <a:r>
+              <a:rPr lang="en-US" sz="1800" dirty="0" err="1">
+                <a:latin typeface="Consolas"/>
+                <a:cs typeface="Consolas"/>
+              </a:rPr>
+              <a:t>JComponent</a:t>
+            </a:r>
+            <a:r>
+              <a:rPr lang="en-US" sz="1800" dirty="0">
+                <a:latin typeface="Consolas"/>
+                <a:cs typeface="Consolas"/>
+              </a:rPr>
+              <a:t>();</a:t>
+            </a:r>
+          </a:p>
+          <a:p>
+            <a:pPr marL="0" indent="0">
+              <a:buNone/>
+            </a:pPr>
+            <a:r>
+              <a:rPr lang="en-US" sz="1800" dirty="0">
+                <a:latin typeface="Consolas"/>
+                <a:cs typeface="Consolas"/>
+              </a:rPr>
+              <a:t>	</a:t>
+            </a:r>
+            <a:r>
+              <a:rPr lang="en-US" sz="1800" dirty="0" err="1">
+                <a:latin typeface="Consolas"/>
+                <a:cs typeface="Consolas"/>
+              </a:rPr>
+              <a:t>sourceOfEvents.addListener</a:t>
+            </a:r>
+            <a:r>
+              <a:rPr lang="en-US" sz="1800" dirty="0">
+                <a:latin typeface="Consolas"/>
+                <a:cs typeface="Consolas"/>
+              </a:rPr>
+              <a:t>(new </a:t>
+            </a:r>
+            <a:r>
+              <a:rPr lang="en-US" sz="1800" dirty="0" err="1">
+                <a:latin typeface="Consolas"/>
+                <a:cs typeface="Consolas"/>
+              </a:rPr>
               <a:t>MyListener</a:t>
             </a:r>
             <a:r>
@@ -19118,101 +19172,7 @@
                 <a:latin typeface="Consolas"/>
                 <a:cs typeface="Consolas"/>
               </a:rPr>
-              <a:t> l = new </a:t>
-            </a:r>
-            <a:r>
-              <a:rPr lang="en-US" sz="1800" dirty="0" err="1">
-                <a:latin typeface="Consolas"/>
-                <a:cs typeface="Consolas"/>
-              </a:rPr>
-              <a:t>MyListener</a:t>
-            </a:r>
-            <a:r>
-              <a:rPr lang="en-US" sz="1800" dirty="0">
-                <a:latin typeface="Consolas"/>
-                <a:cs typeface="Consolas"/>
-              </a:rPr>
-              <a:t>();</a:t>
-            </a:r>
-          </a:p>
-          <a:p>
-            <a:pPr marL="0" indent="0">
-              <a:buNone/>
-            </a:pPr>
-            <a:r>
-              <a:rPr lang="en-US" sz="1800" dirty="0">
-                <a:latin typeface="Consolas"/>
-                <a:cs typeface="Consolas"/>
-              </a:rPr>
-              <a:t>	</a:t>
-            </a:r>
-            <a:r>
-              <a:rPr lang="en-US" sz="1800" dirty="0" err="1">
-                <a:latin typeface="Consolas"/>
-                <a:cs typeface="Consolas"/>
-              </a:rPr>
-              <a:t>JComponent</a:t>
-            </a:r>
-            <a:r>
-              <a:rPr lang="en-US" sz="1800" dirty="0">
-                <a:latin typeface="Consolas"/>
-                <a:cs typeface="Consolas"/>
-              </a:rPr>
-              <a:t> </a:t>
-            </a:r>
-            <a:r>
-              <a:rPr lang="en-US" sz="1800" dirty="0" err="1">
-                <a:latin typeface="Consolas"/>
-                <a:cs typeface="Consolas"/>
-              </a:rPr>
-              <a:t>sourceofEvents</a:t>
-            </a:r>
-            <a:r>
-              <a:rPr lang="en-US" sz="1800" dirty="0">
-                <a:latin typeface="Consolas"/>
-                <a:cs typeface="Consolas"/>
-              </a:rPr>
-              <a:t> = new </a:t>
-            </a:r>
-            <a:r>
-              <a:rPr lang="en-US" sz="1800" dirty="0" err="1">
-                <a:latin typeface="Consolas"/>
-                <a:cs typeface="Consolas"/>
-              </a:rPr>
-              <a:t>JComponent</a:t>
-            </a:r>
-            <a:r>
-              <a:rPr lang="en-US" sz="1800" dirty="0">
-                <a:latin typeface="Consolas"/>
-                <a:cs typeface="Consolas"/>
-              </a:rPr>
-              <a:t>();</a:t>
-            </a:r>
-          </a:p>
-          <a:p>
-            <a:pPr marL="0" indent="0">
-              <a:buNone/>
-            </a:pPr>
-            <a:r>
-              <a:rPr lang="en-US" sz="1800" dirty="0">
-                <a:latin typeface="Consolas"/>
-                <a:cs typeface="Consolas"/>
-              </a:rPr>
-              <a:t>	</a:t>
-            </a:r>
-            <a:r>
-              <a:rPr lang="en-US" sz="1800" dirty="0" err="1">
-                <a:latin typeface="Consolas"/>
-                <a:cs typeface="Consolas"/>
-              </a:rPr>
-              <a:t>sourceOfEvents.addListener</a:t>
-            </a:r>
-            <a:r>
-              <a:rPr lang="en-US" sz="1800" dirty="0">
-                <a:latin typeface="Consolas"/>
-                <a:cs typeface="Consolas"/>
-              </a:rPr>
-              <a:t>(l);</a:t>
+              <a:t>());</a:t>
             </a:r>
           </a:p>
           <a:p>
@@ -19300,25 +19260,55 @@
           <a:p>
             <a:r>
               <a:rPr lang="en-US" sz="2400" dirty="0"/>
-              <a:t>Frequently, multiple components register to the same listener. For example, a group of buttons within the same </a:t>
+              <a:t>Whenever </a:t>
+            </a:r>
+            <a:r>
+              <a:rPr lang="en-US" sz="2400" dirty="0">
+                <a:solidFill>
+                  <a:schemeClr val="accent6">
+                    <a:lumMod val="75000"/>
+                  </a:schemeClr>
+                </a:solidFill>
+              </a:rPr>
+              <a:t>multiple components register to the same listener </a:t>
+            </a:r>
+            <a:r>
+              <a:rPr lang="en-US" sz="2400" dirty="0"/>
+              <a:t>(e.g., a group of buttons send events to the same </a:t>
             </a:r>
             <a:r>
               <a:rPr lang="en-US" sz="2400" dirty="0" err="1"/>
-              <a:t>JFrame</a:t>
+              <a:t>Jframe</a:t>
             </a:r>
             <a:r>
               <a:rPr lang="en-US" sz="2400" dirty="0"/>
-              <a:t>. It is needed a mechanism for recognizing the actual source of each event.</a:t>
-            </a:r>
-          </a:p>
-          <a:p>
-            <a:r>
-              <a:rPr lang="en-US" sz="2400" dirty="0" err="1"/>
+              <a:t>), a mechanism for recognizing the actual source of each event is needed.</a:t>
+            </a:r>
+          </a:p>
+          <a:p>
+            <a:r>
+              <a:rPr lang="en-US" sz="2400" dirty="0" err="1">
+                <a:solidFill>
+                  <a:schemeClr val="accent6">
+                    <a:lumMod val="75000"/>
+                  </a:schemeClr>
+                </a:solidFill>
+              </a:rPr>
               <a:t>getSource</a:t>
             </a:r>
             <a:r>
+              <a:rPr lang="en-US" sz="2400" dirty="0">
+                <a:solidFill>
+                  <a:schemeClr val="accent6">
+                    <a:lumMod val="75000"/>
+                  </a:schemeClr>
+                </a:solidFill>
+              </a:rPr>
+              <a:t>() </a:t>
+            </a:r>
+            <a:r>
               <a:rPr lang="en-US" sz="2400" dirty="0"/>
-              <a:t>() and object references</a:t>
+              <a:t>and object references</a:t>
             </a:r>
           </a:p>
           <a:p>
@@ -19349,12 +19339,28 @@
           </a:p>
           <a:p>
             <a:r>
-              <a:rPr lang="en-US" sz="2400" dirty="0" err="1"/>
+              <a:rPr lang="en-US" sz="2400" dirty="0" err="1">
+                <a:solidFill>
+                  <a:schemeClr val="accent6">
+                    <a:lumMod val="75000"/>
+                  </a:schemeClr>
+                </a:solidFill>
+              </a:rPr>
               <a:t>getActionCommand</a:t>
             </a:r>
             <a:r>
+              <a:rPr lang="en-US" sz="2400" dirty="0">
+                <a:solidFill>
+                  <a:schemeClr val="accent6">
+                    <a:lumMod val="75000"/>
+                  </a:schemeClr>
+                </a:solidFill>
+              </a:rPr>
+              <a:t>() </a:t>
+            </a:r>
+            <a:r>
               <a:rPr lang="en-US" sz="2400" dirty="0"/>
-              <a:t>() and strings</a:t>
+              <a:t>and strings</a:t>
             </a:r>
           </a:p>
           <a:p>
@@ -19377,7 +19383,13 @@
           </a:p>
           <a:p>
             <a:r>
-              <a:rPr lang="en-US" sz="2400" dirty="0"/>
+              <a:rPr lang="en-US" sz="2400" dirty="0">
+                <a:solidFill>
+                  <a:schemeClr val="accent6">
+                    <a:lumMod val="75000"/>
+                  </a:schemeClr>
+                </a:solidFill>
+              </a:rPr>
               <a:t>Event classes</a:t>
             </a:r>
           </a:p>

--- a/java/slides/ppt/09 - Java Swing Framework.pptx
+++ b/java/slides/ppt/09 - Java Swing Framework.pptx
@@ -5,10 +5,10 @@
     <p:sldMasterId id="2147483672" r:id="rId1"/>
   </p:sldMasterIdLst>
   <p:notesMasterIdLst>
-    <p:notesMasterId r:id="rId58"/>
+    <p:notesMasterId r:id="rId56"/>
   </p:notesMasterIdLst>
   <p:handoutMasterIdLst>
-    <p:handoutMasterId r:id="rId59"/>
+    <p:handoutMasterId r:id="rId57"/>
   </p:handoutMasterIdLst>
   <p:sldIdLst>
     <p:sldId id="256" r:id="rId2"/>
@@ -33,40 +33,38 @@
     <p:sldId id="300" r:id="rId21"/>
     <p:sldId id="277" r:id="rId22"/>
     <p:sldId id="302" r:id="rId23"/>
-    <p:sldId id="281" r:id="rId24"/>
-    <p:sldId id="278" r:id="rId25"/>
-    <p:sldId id="279" r:id="rId26"/>
-    <p:sldId id="280" r:id="rId27"/>
-    <p:sldId id="282" r:id="rId28"/>
-    <p:sldId id="283" r:id="rId29"/>
-    <p:sldId id="301" r:id="rId30"/>
-    <p:sldId id="284" r:id="rId31"/>
-    <p:sldId id="285" r:id="rId32"/>
-    <p:sldId id="290" r:id="rId33"/>
-    <p:sldId id="286" r:id="rId34"/>
-    <p:sldId id="292" r:id="rId35"/>
-    <p:sldId id="289" r:id="rId36"/>
-    <p:sldId id="291" r:id="rId37"/>
-    <p:sldId id="287" r:id="rId38"/>
-    <p:sldId id="294" r:id="rId39"/>
-    <p:sldId id="288" r:id="rId40"/>
-    <p:sldId id="293" r:id="rId41"/>
-    <p:sldId id="303" r:id="rId42"/>
-    <p:sldId id="304" r:id="rId43"/>
-    <p:sldId id="305" r:id="rId44"/>
-    <p:sldId id="307" r:id="rId45"/>
-    <p:sldId id="308" r:id="rId46"/>
-    <p:sldId id="310" r:id="rId47"/>
-    <p:sldId id="311" r:id="rId48"/>
-    <p:sldId id="312" r:id="rId49"/>
-    <p:sldId id="313" r:id="rId50"/>
-    <p:sldId id="314" r:id="rId51"/>
-    <p:sldId id="315" r:id="rId52"/>
-    <p:sldId id="316" r:id="rId53"/>
-    <p:sldId id="317" r:id="rId54"/>
-    <p:sldId id="318" r:id="rId55"/>
-    <p:sldId id="319" r:id="rId56"/>
-    <p:sldId id="320" r:id="rId57"/>
+    <p:sldId id="278" r:id="rId24"/>
+    <p:sldId id="279" r:id="rId25"/>
+    <p:sldId id="280" r:id="rId26"/>
+    <p:sldId id="282" r:id="rId27"/>
+    <p:sldId id="283" r:id="rId28"/>
+    <p:sldId id="284" r:id="rId29"/>
+    <p:sldId id="285" r:id="rId30"/>
+    <p:sldId id="290" r:id="rId31"/>
+    <p:sldId id="286" r:id="rId32"/>
+    <p:sldId id="292" r:id="rId33"/>
+    <p:sldId id="289" r:id="rId34"/>
+    <p:sldId id="291" r:id="rId35"/>
+    <p:sldId id="287" r:id="rId36"/>
+    <p:sldId id="294" r:id="rId37"/>
+    <p:sldId id="288" r:id="rId38"/>
+    <p:sldId id="293" r:id="rId39"/>
+    <p:sldId id="303" r:id="rId40"/>
+    <p:sldId id="304" r:id="rId41"/>
+    <p:sldId id="305" r:id="rId42"/>
+    <p:sldId id="307" r:id="rId43"/>
+    <p:sldId id="308" r:id="rId44"/>
+    <p:sldId id="310" r:id="rId45"/>
+    <p:sldId id="311" r:id="rId46"/>
+    <p:sldId id="312" r:id="rId47"/>
+    <p:sldId id="313" r:id="rId48"/>
+    <p:sldId id="314" r:id="rId49"/>
+    <p:sldId id="315" r:id="rId50"/>
+    <p:sldId id="316" r:id="rId51"/>
+    <p:sldId id="317" r:id="rId52"/>
+    <p:sldId id="318" r:id="rId53"/>
+    <p:sldId id="319" r:id="rId54"/>
+    <p:sldId id="320" r:id="rId55"/>
   </p:sldIdLst>
   <p:sldSz cx="12192000" cy="6858000"/>
   <p:notesSz cx="6858000" cy="9144000"/>
@@ -4489,7 +4487,7 @@
           <a:p>
             <a:fld id="{5591E39A-28E5-5D4D-B97C-ECEB96F19817}" type="datetimeFigureOut">
               <a:rPr lang="en-IT" smtClean="0"/>
-              <a:t>02/04/22</a:t>
+              <a:t>06/04/22</a:t>
             </a:fld>
             <a:endParaRPr lang="en-IT"/>
           </a:p>
@@ -4668,7 +4666,7 @@
             <a:fld id="{BAEB7694-8561-4BE2-948D-EDF7A201F8BB}" type="datetimeFigureOut">
               <a:rPr lang="it-IT" smtClean="0"/>
               <a:pPr/>
-              <a:t>02/04/22</a:t>
+              <a:t>06/04/22</a:t>
             </a:fld>
             <a:endParaRPr lang="it-IT"/>
           </a:p>
@@ -9583,7 +9581,7 @@
                   <a:srgbClr val="E46C0A"/>
                 </a:solidFill>
               </a:rPr>
-              <a:t>getContentPane</a:t>
+              <a:t>setContentPane</a:t>
             </a:r>
             <a:r>
               <a:rPr lang="en-US" dirty="0">
@@ -9591,55 +9589,32 @@
                   <a:srgbClr val="E46C0A"/>
                 </a:solidFill>
               </a:rPr>
-              <a:t>()</a:t>
+              <a:t>(Container c)</a:t>
             </a:r>
           </a:p>
           <a:p>
             <a:pPr lvl="1"/>
             <a:r>
               <a:rPr lang="en-US" dirty="0"/>
-              <a:t>retrieves the primary </a:t>
+              <a:t>sets the primary </a:t>
             </a:r>
             <a:r>
               <a:rPr lang="en-US" dirty="0" err="1"/>
               <a:t>JPanel</a:t>
             </a:r>
-            <a:r>
-              <a:rPr lang="en-US" dirty="0"/>
-              <a:t> </a:t>
-            </a:r>
+            <a:endParaRPr lang="en-US" dirty="0"/>
           </a:p>
           <a:p>
             <a:r>
               <a:rPr lang="en-US" dirty="0" err="1">
                 <a:solidFill>
-                  <a:srgbClr val="E46C0A"/>
+                  <a:schemeClr val="accent6">
+                    <a:lumMod val="75000"/>
+                  </a:schemeClr>
                 </a:solidFill>
               </a:rPr>
-              <a:t>setContentPane</a:t>
-            </a:r>
-            <a:r>
-              <a:rPr lang="en-US" dirty="0">
-                <a:solidFill>
-                  <a:srgbClr val="E46C0A"/>
-                </a:solidFill>
-              </a:rPr>
-              <a:t>(Container c)</a:t>
-            </a:r>
-          </a:p>
-          <a:p>
-            <a:pPr lvl="1"/>
-            <a:r>
-              <a:rPr lang="en-US" dirty="0"/>
-              <a:t>sets the primary </a:t>
-            </a:r>
-            <a:r>
-              <a:rPr lang="en-US" dirty="0" err="1"/>
-              <a:t>JPanel</a:t>
-            </a:r>
-            <a:endParaRPr lang="en-US" dirty="0"/>
-          </a:p>
-          <a:p>
+              <a:t>setDefaultCloseOperation</a:t>
+            </a:r>
             <a:r>
               <a:rPr lang="en-US" dirty="0">
                 <a:solidFill>
@@ -9648,25 +9623,8 @@
                   </a:schemeClr>
                 </a:solidFill>
               </a:rPr>
-              <a:t>add(Component c)</a:t>
-            </a:r>
-          </a:p>
-          <a:p>
-            <a:pPr lvl="1"/>
-            <a:r>
-              <a:rPr lang="en-US" dirty="0"/>
-              <a:t>add a component to the primary </a:t>
-            </a:r>
-            <a:r>
-              <a:rPr lang="en-US" dirty="0" err="1"/>
-              <a:t>JPanel</a:t>
-            </a:r>
-            <a:r>
-              <a:rPr lang="en-US" dirty="0"/>
-              <a:t> </a:t>
-            </a:r>
-          </a:p>
-          <a:p>
+              <a:t>(</a:t>
+            </a:r>
             <a:r>
               <a:rPr lang="en-US" dirty="0" err="1">
                 <a:solidFill>
@@ -9675,7 +9633,7 @@
                   </a:schemeClr>
                 </a:solidFill>
               </a:rPr>
-              <a:t>setDefaultCloseOperation</a:t>
+              <a:t>WindowConstants</a:t>
             </a:r>
             <a:r>
               <a:rPr lang="en-US" dirty="0">
@@ -9685,8 +9643,115 @@
                   </a:schemeClr>
                 </a:solidFill>
               </a:rPr>
+              <a:t>)</a:t>
+            </a:r>
+          </a:p>
+          <a:p>
+            <a:pPr lvl="1"/>
+            <a:r>
+              <a:rPr lang="en-US" dirty="0"/>
+              <a:t>EXIT_ON_CLOSE </a:t>
+            </a:r>
+          </a:p>
+          <a:p>
+            <a:pPr lvl="1"/>
+            <a:r>
+              <a:rPr lang="en-US" dirty="0"/>
+              <a:t>DO_NOTHING_ON_CLOSE </a:t>
+            </a:r>
+          </a:p>
+          <a:p>
+            <a:pPr lvl="1"/>
+            <a:r>
+              <a:rPr lang="en-US" dirty="0"/>
+              <a:t>DISPOSE_ON_CLOSE </a:t>
+            </a:r>
+          </a:p>
+          <a:p>
+            <a:pPr lvl="1"/>
+            <a:r>
+              <a:rPr lang="en-US" dirty="0"/>
+              <a:t>HIDE_ON_CLOSE</a:t>
+            </a:r>
+          </a:p>
+          <a:p>
+            <a:r>
+              <a:rPr lang="en-US" dirty="0" err="1">
+                <a:solidFill>
+                  <a:srgbClr val="E46C0A"/>
+                </a:solidFill>
+              </a:rPr>
+              <a:t>setSize</a:t>
+            </a:r>
+            <a:r>
+              <a:rPr lang="en-US" dirty="0">
+                <a:solidFill>
+                  <a:srgbClr val="E46C0A"/>
+                </a:solidFill>
+              </a:rPr>
               <a:t>(</a:t>
             </a:r>
+            <a:r>
+              <a:rPr lang="en-US" dirty="0" err="1">
+                <a:solidFill>
+                  <a:srgbClr val="E46C0A"/>
+                </a:solidFill>
+              </a:rPr>
+              <a:t>int</a:t>
+            </a:r>
+            <a:r>
+              <a:rPr lang="en-US" dirty="0">
+                <a:solidFill>
+                  <a:srgbClr val="E46C0A"/>
+                </a:solidFill>
+              </a:rPr>
+              <a:t> base, </a:t>
+            </a:r>
+            <a:r>
+              <a:rPr lang="en-US" dirty="0" err="1">
+                <a:solidFill>
+                  <a:srgbClr val="E46C0A"/>
+                </a:solidFill>
+              </a:rPr>
+              <a:t>int</a:t>
+            </a:r>
+            <a:r>
+              <a:rPr lang="en-US" dirty="0">
+                <a:solidFill>
+                  <a:srgbClr val="E46C0A"/>
+                </a:solidFill>
+              </a:rPr>
+              <a:t> height)</a:t>
+            </a:r>
+          </a:p>
+          <a:p>
+            <a:pPr lvl="1"/>
+            <a:r>
+              <a:rPr lang="en-US" dirty="0"/>
+              <a:t>defines the dimensions of the component</a:t>
+            </a:r>
+          </a:p>
+          <a:p>
+            <a:r>
+              <a:rPr lang="en-US" dirty="0">
+                <a:solidFill>
+                  <a:schemeClr val="accent6">
+                    <a:lumMod val="75000"/>
+                  </a:schemeClr>
+                </a:solidFill>
+              </a:rPr>
+              <a:t>pack()</a:t>
+            </a:r>
+          </a:p>
+          <a:p>
+            <a:pPr lvl="1"/>
+            <a:r>
+              <a:rPr lang="en-GB" dirty="0"/>
+              <a:t>causes the Window to be sized to fit the preferred size and layouts of its subcomponents.</a:t>
+            </a:r>
+            <a:endParaRPr lang="en-US" dirty="0"/>
+          </a:p>
+          <a:p>
             <a:r>
               <a:rPr lang="en-US" dirty="0" err="1">
                 <a:solidFill>
@@ -9695,7 +9760,7 @@
                   </a:schemeClr>
                 </a:solidFill>
               </a:rPr>
-              <a:t>WindowConstants</a:t>
+              <a:t>setResizable</a:t>
             </a:r>
             <a:r>
               <a:rPr lang="en-US" dirty="0">
@@ -9705,93 +9770,36 @@
                   </a:schemeClr>
                 </a:solidFill>
               </a:rPr>
-              <a:t>)</a:t>
-            </a:r>
-          </a:p>
-          <a:p>
-            <a:pPr lvl="1"/>
-            <a:r>
-              <a:rPr lang="en-US" dirty="0"/>
-              <a:t>EXIT_ON_CLOSE </a:t>
-            </a:r>
-          </a:p>
-          <a:p>
-            <a:pPr lvl="1"/>
-            <a:r>
-              <a:rPr lang="en-US" dirty="0"/>
-              <a:t>DO_NOTHING_ON_CLOSE </a:t>
-            </a:r>
-          </a:p>
-          <a:p>
-            <a:pPr lvl="1"/>
-            <a:r>
-              <a:rPr lang="en-US" dirty="0"/>
-              <a:t>DISPOSE_ON_CLOSE </a:t>
-            </a:r>
-          </a:p>
-          <a:p>
-            <a:pPr lvl="1"/>
-            <a:r>
-              <a:rPr lang="en-US" dirty="0"/>
-              <a:t>HIDE_ON_CLOSE</a:t>
-            </a:r>
-          </a:p>
-          <a:p>
+              <a:t>(</a:t>
+            </a:r>
             <a:r>
               <a:rPr lang="en-US" dirty="0" err="1">
                 <a:solidFill>
-                  <a:srgbClr val="E46C0A"/>
+                  <a:schemeClr val="accent6">
+                    <a:lumMod val="75000"/>
+                  </a:schemeClr>
                 </a:solidFill>
               </a:rPr>
-              <a:t>setSize</a:t>
+              <a:t>boolean</a:t>
             </a:r>
             <a:r>
               <a:rPr lang="en-US" dirty="0">
                 <a:solidFill>
-                  <a:srgbClr val="E46C0A"/>
+                  <a:schemeClr val="accent6">
+                    <a:lumMod val="75000"/>
+                  </a:schemeClr>
                 </a:solidFill>
               </a:rPr>
-              <a:t>(</a:t>
-            </a:r>
-            <a:r>
-              <a:rPr lang="en-US" dirty="0" err="1">
-                <a:solidFill>
-                  <a:srgbClr val="E46C0A"/>
-                </a:solidFill>
-              </a:rPr>
-              <a:t>int</a:t>
-            </a:r>
-            <a:r>
-              <a:rPr lang="en-US" dirty="0">
-                <a:solidFill>
-                  <a:srgbClr val="E46C0A"/>
-                </a:solidFill>
-              </a:rPr>
-              <a:t> base, </a:t>
-            </a:r>
-            <a:r>
-              <a:rPr lang="en-US" dirty="0" err="1">
-                <a:solidFill>
-                  <a:srgbClr val="E46C0A"/>
-                </a:solidFill>
-              </a:rPr>
-              <a:t>int</a:t>
-            </a:r>
-            <a:r>
-              <a:rPr lang="en-US" dirty="0">
-                <a:solidFill>
-                  <a:srgbClr val="E46C0A"/>
-                </a:solidFill>
-              </a:rPr>
-              <a:t> height)</a:t>
+              <a:t> resizable)</a:t>
             </a:r>
           </a:p>
           <a:p>
             <a:pPr lvl="1"/>
             <a:r>
-              <a:rPr lang="en-US" dirty="0"/>
-              <a:t>defines the dimensions of the component</a:t>
-            </a:r>
+              <a:rPr lang="en-GB" dirty="0"/>
+              <a:t>sets whether the frame is resizable by the user.</a:t>
+            </a:r>
+            <a:endParaRPr lang="en-US" dirty="0"/>
           </a:p>
           <a:p>
             <a:r>
@@ -11563,7 +11571,7 @@
         <p:spPr/>
         <p:txBody>
           <a:bodyPr>
-            <a:normAutofit/>
+            <a:normAutofit fontScale="92500"/>
           </a:bodyPr>
           <a:lstStyle/>
           <a:p>
@@ -11608,7 +11616,6 @@
             </a:r>
           </a:p>
           <a:p>
-            <a:pPr lvl="1"/>
             <a:r>
               <a:rPr lang="en-US" dirty="0"/>
               <a:t>Dialogs are all instances of </a:t>
@@ -11627,7 +11634,63 @@
             </a:r>
             <a:r>
               <a:rPr lang="en-US" dirty="0"/>
-              <a:t>. Nevertheless, the majority is built automatically using helper classes (e.g., </a:t>
+              <a:t>. Nevertheless, the majority is built automatically using helper classes.</a:t>
+            </a:r>
+          </a:p>
+          <a:p>
+            <a:pPr lvl="1"/>
+            <a:r>
+              <a:rPr lang="en-US" dirty="0">
+                <a:solidFill>
+                  <a:schemeClr val="accent6">
+                    <a:lumMod val="75000"/>
+                  </a:schemeClr>
+                </a:solidFill>
+              </a:rPr>
+              <a:t>Specializing </a:t>
+            </a:r>
+            <a:r>
+              <a:rPr lang="en-US" dirty="0" err="1">
+                <a:solidFill>
+                  <a:schemeClr val="accent6">
+                    <a:lumMod val="75000"/>
+                  </a:schemeClr>
+                </a:solidFill>
+              </a:rPr>
+              <a:t>JDialog</a:t>
+            </a:r>
+            <a:r>
+              <a:rPr lang="en-US" dirty="0">
+                <a:solidFill>
+                  <a:schemeClr val="accent6">
+                    <a:lumMod val="75000"/>
+                  </a:schemeClr>
+                </a:solidFill>
+              </a:rPr>
+              <a:t> </a:t>
+            </a:r>
+            <a:r>
+              <a:rPr lang="en-US" dirty="0"/>
+              <a:t>(top-level container) and defining your own layouts. Same principle as specializing </a:t>
+            </a:r>
+            <a:r>
+              <a:rPr lang="en-US" dirty="0" err="1"/>
+              <a:t>JFrame</a:t>
+            </a:r>
+            <a:r>
+              <a:rPr lang="en-US" dirty="0"/>
+              <a:t>.</a:t>
+            </a:r>
+          </a:p>
+          <a:p>
+            <a:pPr lvl="1"/>
+            <a:r>
+              <a:rPr lang="en-US" dirty="0">
+                <a:solidFill>
+                  <a:srgbClr val="E46C0A"/>
+                </a:solidFill>
+              </a:rPr>
+              <a:t>Using </a:t>
             </a:r>
             <a:r>
               <a:rPr lang="en-US" dirty="0" err="1">
@@ -11639,7 +11702,15 @@
             </a:r>
             <a:r>
               <a:rPr lang="en-US" dirty="0"/>
-              <a:t>).</a:t>
+              <a:t>. </a:t>
+            </a:r>
+            <a:r>
+              <a:rPr lang="en-US" dirty="0" err="1"/>
+              <a:t>JOptionPane</a:t>
+            </a:r>
+            <a:r>
+              <a:rPr lang="en-US" dirty="0"/>
+              <a:t> provides support for laying out standard dialogs with icons, buttons, title and text.</a:t>
             </a:r>
           </a:p>
           <a:p>
@@ -11693,149 +11764,6 @@
           <a:lstStyle/>
           <a:p>
             <a:r>
-              <a:rPr lang="en-US" dirty="0"/>
-              <a:t>How to make Dialogs</a:t>
-            </a:r>
-          </a:p>
-        </p:txBody>
-      </p:sp>
-      <p:sp>
-        <p:nvSpPr>
-          <p:cNvPr id="3" name="Content Placeholder 2"/>
-          <p:cNvSpPr>
-            <a:spLocks noGrp="1"/>
-          </p:cNvSpPr>
-          <p:nvPr>
-            <p:ph idx="1"/>
-          </p:nvPr>
-        </p:nvSpPr>
-        <p:spPr/>
-        <p:txBody>
-          <a:bodyPr/>
-          <a:lstStyle/>
-          <a:p>
-            <a:r>
-              <a:rPr lang="en-US" sz="2800" dirty="0">
-                <a:solidFill>
-                  <a:schemeClr val="accent6">
-                    <a:lumMod val="75000"/>
-                  </a:schemeClr>
-                </a:solidFill>
-              </a:rPr>
-              <a:t>Specializing </a:t>
-            </a:r>
-            <a:r>
-              <a:rPr lang="en-US" sz="2800" dirty="0" err="1">
-                <a:solidFill>
-                  <a:schemeClr val="accent6">
-                    <a:lumMod val="75000"/>
-                  </a:schemeClr>
-                </a:solidFill>
-              </a:rPr>
-              <a:t>JDialog</a:t>
-            </a:r>
-            <a:r>
-              <a:rPr lang="en-US" sz="2800" dirty="0">
-                <a:solidFill>
-                  <a:schemeClr val="accent6">
-                    <a:lumMod val="75000"/>
-                  </a:schemeClr>
-                </a:solidFill>
-              </a:rPr>
-              <a:t> </a:t>
-            </a:r>
-            <a:r>
-              <a:rPr lang="en-US" sz="2800" dirty="0"/>
-              <a:t>(top-level container) and defining your own layouts. Same principle as specializing </a:t>
-            </a:r>
-            <a:r>
-              <a:rPr lang="en-US" sz="2800" dirty="0" err="1"/>
-              <a:t>JFrame</a:t>
-            </a:r>
-            <a:r>
-              <a:rPr lang="en-US" sz="2800" dirty="0"/>
-              <a:t>.</a:t>
-            </a:r>
-          </a:p>
-          <a:p>
-            <a:r>
-              <a:rPr lang="en-US" sz="2800" dirty="0">
-                <a:solidFill>
-                  <a:srgbClr val="E46C0A"/>
-                </a:solidFill>
-              </a:rPr>
-              <a:t>Using </a:t>
-            </a:r>
-            <a:r>
-              <a:rPr lang="en-US" sz="2800" dirty="0" err="1">
-                <a:solidFill>
-                  <a:srgbClr val="E46C0A"/>
-                </a:solidFill>
-              </a:rPr>
-              <a:t>JOptionPane</a:t>
-            </a:r>
-            <a:r>
-              <a:rPr lang="en-US" sz="2800" dirty="0"/>
-              <a:t>. </a:t>
-            </a:r>
-            <a:r>
-              <a:rPr lang="en-US" sz="2800" dirty="0" err="1"/>
-              <a:t>JOptionPane</a:t>
-            </a:r>
-            <a:r>
-              <a:rPr lang="en-US" sz="2800" dirty="0"/>
-              <a:t> provides support for laying out standard dialogs with icons, buttons, title and text.</a:t>
-            </a:r>
-            <a:endParaRPr lang="en-US" dirty="0"/>
-          </a:p>
-        </p:txBody>
-      </p:sp>
-    </p:spTree>
-    <p:extLst>
-      <p:ext uri="{BB962C8B-B14F-4D97-AF65-F5344CB8AC3E}">
-        <p14:creationId xmlns:p14="http://schemas.microsoft.com/office/powerpoint/2010/main" val="2119500313"/>
-      </p:ext>
-    </p:extLst>
-  </p:cSld>
-  <p:clrMapOvr>
-    <a:masterClrMapping/>
-  </p:clrMapOvr>
-</p:sld>
-</file>
-
-<file path=ppt/slides/slide24.xml><?xml version="1.0" encoding="utf-8"?>
-<p:sld xmlns:a="http://schemas.openxmlformats.org/drawingml/2006/main" xmlns:r="http://schemas.openxmlformats.org/officeDocument/2006/relationships" xmlns:p="http://schemas.openxmlformats.org/presentationml/2006/main">
-  <p:cSld>
-    <p:spTree>
-      <p:nvGrpSpPr>
-        <p:cNvPr id="1" name=""/>
-        <p:cNvGrpSpPr/>
-        <p:nvPr/>
-      </p:nvGrpSpPr>
-      <p:grpSpPr>
-        <a:xfrm>
-          <a:off x="0" y="0"/>
-          <a:ext cx="0" cy="0"/>
-          <a:chOff x="0" y="0"/>
-          <a:chExt cx="0" cy="0"/>
-        </a:xfrm>
-      </p:grpSpPr>
-      <p:sp>
-        <p:nvSpPr>
-          <p:cNvPr id="2" name="Title 1"/>
-          <p:cNvSpPr>
-            <a:spLocks noGrp="1"/>
-          </p:cNvSpPr>
-          <p:nvPr>
-            <p:ph type="title"/>
-          </p:nvPr>
-        </p:nvSpPr>
-        <p:spPr/>
-        <p:txBody>
-          <a:bodyPr/>
-          <a:lstStyle/>
-          <a:p>
-            <a:r>
               <a:rPr lang="en-US" dirty="0" err="1"/>
               <a:t>JOptionPane.showMessageDialog</a:t>
             </a:r>
@@ -11889,7 +11817,7 @@
 </p:sld>
 </file>
 
-<file path=ppt/slides/slide25.xml><?xml version="1.0" encoding="utf-8"?>
+<file path=ppt/slides/slide24.xml><?xml version="1.0" encoding="utf-8"?>
 <p:sld xmlns:a="http://schemas.openxmlformats.org/drawingml/2006/main" xmlns:r="http://schemas.openxmlformats.org/officeDocument/2006/relationships" xmlns:p="http://schemas.openxmlformats.org/presentationml/2006/main">
   <p:cSld>
     <p:spTree>
@@ -12001,7 +11929,7 @@
 </p:sld>
 </file>
 
-<file path=ppt/slides/slide26.xml><?xml version="1.0" encoding="utf-8"?>
+<file path=ppt/slides/slide25.xml><?xml version="1.0" encoding="utf-8"?>
 <p:sld xmlns:a="http://schemas.openxmlformats.org/drawingml/2006/main" xmlns:r="http://schemas.openxmlformats.org/officeDocument/2006/relationships" xmlns:p="http://schemas.openxmlformats.org/presentationml/2006/main">
   <p:cSld>
     <p:spTree>
@@ -12089,7 +12017,7 @@
 </p:sld>
 </file>
 
-<file path=ppt/slides/slide27.xml><?xml version="1.0" encoding="utf-8"?>
+<file path=ppt/slides/slide26.xml><?xml version="1.0" encoding="utf-8"?>
 <p:sld xmlns:a="http://schemas.openxmlformats.org/drawingml/2006/main" xmlns:r="http://schemas.openxmlformats.org/officeDocument/2006/relationships" xmlns:p="http://schemas.openxmlformats.org/presentationml/2006/main">
   <p:cSld>
     <p:spTree>
@@ -12174,7 +12102,7 @@
         </p:blipFill>
         <p:spPr>
           <a:xfrm>
-            <a:off x="5791200" y="2177882"/>
+            <a:off x="5791200" y="1772816"/>
             <a:ext cx="4876800" cy="4495800"/>
           </a:xfrm>
           <a:prstGeom prst="rect">
@@ -12195,7 +12123,7 @@
 </p:sld>
 </file>
 
-<file path=ppt/slides/slide28.xml><?xml version="1.0" encoding="utf-8"?>
+<file path=ppt/slides/slide27.xml><?xml version="1.0" encoding="utf-8"?>
 <p:sld xmlns:a="http://schemas.openxmlformats.org/drawingml/2006/main" xmlns:r="http://schemas.openxmlformats.org/officeDocument/2006/relationships" xmlns:p="http://schemas.openxmlformats.org/presentationml/2006/main">
   <p:cSld>
     <p:spTree>
@@ -12231,6 +12159,14 @@
               <a:rPr lang="en-US" dirty="0" err="1"/>
               <a:t>JFileChooser</a:t>
             </a:r>
+            <a:r>
+              <a:rPr lang="en-US" dirty="0"/>
+              <a:t>, </a:t>
+            </a:r>
+            <a:r>
+              <a:rPr lang="en-US" dirty="0" err="1"/>
+              <a:t>JColorChooser</a:t>
+            </a:r>
             <a:endParaRPr lang="en-US" dirty="0"/>
           </a:p>
         </p:txBody>
@@ -12252,154 +12188,176 @@
           </a:bodyPr>
           <a:lstStyle/>
           <a:p>
-            <a:r>
-              <a:rPr lang="en-US" dirty="0"/>
-              <a:t>Provides a GUI for navigating the file system</a:t>
-            </a:r>
-          </a:p>
-          <a:p>
             <a:pPr marL="0" indent="0">
               <a:buNone/>
             </a:pPr>
             <a:r>
-              <a:rPr lang="it-IT" sz="2000" dirty="0" err="1">
+              <a:rPr lang="it-IT" sz="2200" dirty="0" err="1">
                 <a:latin typeface="Consolas" panose="020B0609020204030204" pitchFamily="49" charset="0"/>
                 <a:cs typeface="Consolas" panose="020B0609020204030204" pitchFamily="49" charset="0"/>
               </a:rPr>
               <a:t>JFileChooser</a:t>
             </a:r>
             <a:r>
-              <a:rPr lang="it-IT" sz="2000" dirty="0">
+              <a:rPr lang="it-IT" sz="2200" dirty="0">
                 <a:latin typeface="Consolas" panose="020B0609020204030204" pitchFamily="49" charset="0"/>
                 <a:cs typeface="Consolas" panose="020B0609020204030204" pitchFamily="49" charset="0"/>
               </a:rPr>
-              <a:t> open = new </a:t>
-            </a:r>
-            <a:r>
-              <a:rPr lang="it-IT" sz="2000" dirty="0" err="1">
+              <a:t> </a:t>
+            </a:r>
+            <a:r>
+              <a:rPr lang="en-GB" sz="2200" dirty="0">
                 <a:latin typeface="Consolas" panose="020B0609020204030204" pitchFamily="49" charset="0"/>
                 <a:cs typeface="Consolas" panose="020B0609020204030204" pitchFamily="49" charset="0"/>
               </a:rPr>
-              <a:t>JFileChooser</a:t>
-            </a:r>
-            <a:r>
-              <a:rPr lang="it-IT" sz="2000" dirty="0">
+              <a:t>chooser</a:t>
+            </a:r>
+            <a:r>
+              <a:rPr lang="it-IT" sz="2200" dirty="0">
                 <a:latin typeface="Consolas" panose="020B0609020204030204" pitchFamily="49" charset="0"/>
                 <a:cs typeface="Consolas" panose="020B0609020204030204" pitchFamily="49" charset="0"/>
               </a:rPr>
-              <a:t>(); </a:t>
-            </a:r>
-          </a:p>
-          <a:p>
-            <a:pPr marL="0" indent="0">
-              <a:buNone/>
-            </a:pPr>
-            <a:r>
-              <a:rPr lang="it-IT" sz="2000" dirty="0" err="1">
+              <a:t> = new </a:t>
+            </a:r>
+            <a:r>
+              <a:rPr lang="it-IT" sz="2200" dirty="0" err="1">
                 <a:latin typeface="Consolas" panose="020B0609020204030204" pitchFamily="49" charset="0"/>
                 <a:cs typeface="Consolas" panose="020B0609020204030204" pitchFamily="49" charset="0"/>
               </a:rPr>
-              <a:t>int</a:t>
-            </a:r>
-            <a:r>
-              <a:rPr lang="it-IT" sz="2000" dirty="0">
+              <a:t>JFileChooser</a:t>
+            </a:r>
+            <a:r>
+              <a:rPr lang="it-IT" sz="2200" dirty="0">
                 <a:latin typeface="Consolas" panose="020B0609020204030204" pitchFamily="49" charset="0"/>
                 <a:cs typeface="Consolas" panose="020B0609020204030204" pitchFamily="49" charset="0"/>
               </a:rPr>
-              <a:t> option = </a:t>
-            </a:r>
-            <a:r>
-              <a:rPr lang="it-IT" sz="2000" dirty="0" err="1">
+              <a:t>(); </a:t>
+            </a:r>
+          </a:p>
+          <a:p>
+            <a:pPr marL="0" indent="0">
+              <a:buNone/>
+            </a:pPr>
+            <a:r>
+              <a:rPr lang="it-IT" sz="2200" dirty="0" err="1">
                 <a:latin typeface="Consolas" panose="020B0609020204030204" pitchFamily="49" charset="0"/>
                 <a:cs typeface="Consolas" panose="020B0609020204030204" pitchFamily="49" charset="0"/>
               </a:rPr>
-              <a:t>open.showOpenDialog</a:t>
-            </a:r>
-            <a:r>
-              <a:rPr lang="it-IT" sz="2000" dirty="0">
+              <a:t>int</a:t>
+            </a:r>
+            <a:r>
+              <a:rPr lang="it-IT" sz="2200" dirty="0">
                 <a:latin typeface="Consolas" panose="020B0609020204030204" pitchFamily="49" charset="0"/>
                 <a:cs typeface="Consolas" panose="020B0609020204030204" pitchFamily="49" charset="0"/>
               </a:rPr>
-              <a:t>(</a:t>
-            </a:r>
-            <a:r>
-              <a:rPr lang="it-IT" sz="2000" dirty="0" err="1">
+              <a:t> option = </a:t>
+            </a:r>
+            <a:r>
+              <a:rPr lang="en-GB" sz="2200" dirty="0">
                 <a:latin typeface="Consolas" panose="020B0609020204030204" pitchFamily="49" charset="0"/>
                 <a:cs typeface="Consolas" panose="020B0609020204030204" pitchFamily="49" charset="0"/>
               </a:rPr>
-              <a:t>this</a:t>
-            </a:r>
-            <a:r>
-              <a:rPr lang="it-IT" sz="2000" dirty="0">
+              <a:t>chooser</a:t>
+            </a:r>
+            <a:r>
+              <a:rPr lang="it-IT" sz="2200" dirty="0">
                 <a:latin typeface="Consolas" panose="020B0609020204030204" pitchFamily="49" charset="0"/>
                 <a:cs typeface="Consolas" panose="020B0609020204030204" pitchFamily="49" charset="0"/>
               </a:rPr>
-              <a:t>); </a:t>
-            </a:r>
-          </a:p>
-          <a:p>
-            <a:pPr marL="0" indent="0">
-              <a:buNone/>
-            </a:pPr>
-            <a:r>
-              <a:rPr lang="it-IT" sz="2000" dirty="0" err="1">
+              <a:t>.</a:t>
+            </a:r>
+            <a:r>
+              <a:rPr lang="it-IT" sz="2200" dirty="0" err="1">
                 <a:latin typeface="Consolas" panose="020B0609020204030204" pitchFamily="49" charset="0"/>
                 <a:cs typeface="Consolas" panose="020B0609020204030204" pitchFamily="49" charset="0"/>
               </a:rPr>
-              <a:t>if</a:t>
-            </a:r>
-            <a:r>
-              <a:rPr lang="it-IT" sz="2000" dirty="0">
+              <a:t>showOpenDialog</a:t>
+            </a:r>
+            <a:r>
+              <a:rPr lang="it-IT" sz="2200" dirty="0">
                 <a:latin typeface="Consolas" panose="020B0609020204030204" pitchFamily="49" charset="0"/>
                 <a:cs typeface="Consolas" panose="020B0609020204030204" pitchFamily="49" charset="0"/>
               </a:rPr>
-              <a:t> (option == </a:t>
-            </a:r>
-            <a:r>
-              <a:rPr lang="it-IT" sz="2000" dirty="0" err="1">
+              <a:t>(</a:t>
+            </a:r>
+            <a:r>
+              <a:rPr lang="it-IT" sz="2200" dirty="0" err="1">
                 <a:latin typeface="Consolas" panose="020B0609020204030204" pitchFamily="49" charset="0"/>
                 <a:cs typeface="Consolas" panose="020B0609020204030204" pitchFamily="49" charset="0"/>
               </a:rPr>
-              <a:t>JFileChooser.</a:t>
-            </a:r>
-            <a:r>
-              <a:rPr lang="it-IT" sz="2000" i="1" dirty="0" err="1">
+              <a:t>this</a:t>
+            </a:r>
+            <a:r>
+              <a:rPr lang="it-IT" sz="2200" dirty="0">
                 <a:latin typeface="Consolas" panose="020B0609020204030204" pitchFamily="49" charset="0"/>
                 <a:cs typeface="Consolas" panose="020B0609020204030204" pitchFamily="49" charset="0"/>
               </a:rPr>
-              <a:t>APPROVE_OPTION</a:t>
-            </a:r>
-            <a:r>
-              <a:rPr lang="it-IT" sz="2000" dirty="0">
+              <a:t>); </a:t>
+            </a:r>
+          </a:p>
+          <a:p>
+            <a:pPr marL="0" indent="0">
+              <a:buNone/>
+            </a:pPr>
+            <a:r>
+              <a:rPr lang="it-IT" sz="2200" dirty="0" err="1">
                 <a:latin typeface="Consolas" panose="020B0609020204030204" pitchFamily="49" charset="0"/>
                 <a:cs typeface="Consolas" panose="020B0609020204030204" pitchFamily="49" charset="0"/>
               </a:rPr>
-              <a:t>) {</a:t>
-            </a:r>
-          </a:p>
-          <a:p>
-            <a:pPr marL="0" indent="0">
-              <a:buNone/>
-            </a:pPr>
-            <a:r>
-              <a:rPr lang="it-IT" sz="2000" dirty="0">
+              <a:t>if</a:t>
+            </a:r>
+            <a:r>
+              <a:rPr lang="it-IT" sz="2200" dirty="0">
                 <a:latin typeface="Consolas" panose="020B0609020204030204" pitchFamily="49" charset="0"/>
                 <a:cs typeface="Consolas" panose="020B0609020204030204" pitchFamily="49" charset="0"/>
               </a:rPr>
-              <a:t>	/* do </a:t>
-            </a:r>
-            <a:r>
-              <a:rPr lang="it-IT" sz="2000" dirty="0" err="1">
+              <a:t> (option == </a:t>
+            </a:r>
+            <a:r>
+              <a:rPr lang="it-IT" sz="2200" dirty="0" err="1">
                 <a:latin typeface="Consolas" panose="020B0609020204030204" pitchFamily="49" charset="0"/>
                 <a:cs typeface="Consolas" panose="020B0609020204030204" pitchFamily="49" charset="0"/>
               </a:rPr>
-              <a:t>stuff</a:t>
-            </a:r>
-            <a:r>
-              <a:rPr lang="it-IT" sz="2000" dirty="0">
+              <a:t>JFileChooser.</a:t>
+            </a:r>
+            <a:r>
+              <a:rPr lang="it-IT" sz="2200" i="1" dirty="0" err="1">
                 <a:latin typeface="Consolas" panose="020B0609020204030204" pitchFamily="49" charset="0"/>
                 <a:cs typeface="Consolas" panose="020B0609020204030204" pitchFamily="49" charset="0"/>
               </a:rPr>
+              <a:t>APPROVE_OPTION</a:t>
+            </a:r>
+            <a:r>
+              <a:rPr lang="it-IT" sz="2200" dirty="0">
+                <a:latin typeface="Consolas" panose="020B0609020204030204" pitchFamily="49" charset="0"/>
+                <a:cs typeface="Consolas" panose="020B0609020204030204" pitchFamily="49" charset="0"/>
+              </a:rPr>
+              <a:t>) {</a:t>
+            </a:r>
+          </a:p>
+          <a:p>
+            <a:pPr marL="0" indent="0">
+              <a:buNone/>
+            </a:pPr>
+            <a:r>
+              <a:rPr lang="it-IT" sz="2200" dirty="0">
+                <a:latin typeface="Consolas" panose="020B0609020204030204" pitchFamily="49" charset="0"/>
+                <a:cs typeface="Consolas" panose="020B0609020204030204" pitchFamily="49" charset="0"/>
+              </a:rPr>
+              <a:t>	/* do </a:t>
+            </a:r>
+            <a:r>
+              <a:rPr lang="it-IT" sz="2200" dirty="0" err="1">
+                <a:latin typeface="Consolas" panose="020B0609020204030204" pitchFamily="49" charset="0"/>
+                <a:cs typeface="Consolas" panose="020B0609020204030204" pitchFamily="49" charset="0"/>
+              </a:rPr>
+              <a:t>stuff</a:t>
+            </a:r>
+            <a:r>
+              <a:rPr lang="it-IT" sz="2200" dirty="0">
+                <a:latin typeface="Consolas" panose="020B0609020204030204" pitchFamily="49" charset="0"/>
+                <a:cs typeface="Consolas" panose="020B0609020204030204" pitchFamily="49" charset="0"/>
+              </a:rPr>
               <a:t> */</a:t>
             </a:r>
           </a:p>
@@ -12408,7 +12366,37 @@
               <a:buNone/>
             </a:pPr>
             <a:r>
-              <a:rPr lang="it-IT" sz="2000" dirty="0">
+              <a:rPr lang="en-GB" sz="2200" dirty="0">
+                <a:latin typeface="Consolas" panose="020B0609020204030204" pitchFamily="49" charset="0"/>
+                <a:cs typeface="Consolas" panose="020B0609020204030204" pitchFamily="49" charset="0"/>
+              </a:rPr>
+              <a:t>	</a:t>
+            </a:r>
+            <a:r>
+              <a:rPr lang="en-GB" sz="2200" dirty="0" err="1">
+                <a:latin typeface="Consolas" panose="020B0609020204030204" pitchFamily="49" charset="0"/>
+                <a:cs typeface="Consolas" panose="020B0609020204030204" pitchFamily="49" charset="0"/>
+              </a:rPr>
+              <a:t>chooser.getSelectedFile</a:t>
+            </a:r>
+            <a:r>
+              <a:rPr lang="en-GB" sz="2200" dirty="0">
+                <a:latin typeface="Consolas" panose="020B0609020204030204" pitchFamily="49" charset="0"/>
+                <a:cs typeface="Consolas" panose="020B0609020204030204" pitchFamily="49" charset="0"/>
+              </a:rPr>
+              <a:t>()</a:t>
+            </a:r>
+            <a:endParaRPr lang="it-IT" sz="2200" dirty="0">
+              <a:latin typeface="Consolas" panose="020B0609020204030204" pitchFamily="49" charset="0"/>
+              <a:cs typeface="Consolas" panose="020B0609020204030204" pitchFamily="49" charset="0"/>
+            </a:endParaRPr>
+          </a:p>
+          <a:p>
+            <a:pPr marL="0" indent="0">
+              <a:buNone/>
+            </a:pPr>
+            <a:r>
+              <a:rPr lang="it-IT" sz="2200" dirty="0">
                 <a:latin typeface="Consolas" panose="020B0609020204030204" pitchFamily="49" charset="0"/>
                 <a:cs typeface="Consolas" panose="020B0609020204030204" pitchFamily="49" charset="0"/>
               </a:rPr>
@@ -12425,7 +12413,13 @@
       </p:sp>
       <p:pic>
         <p:nvPicPr>
-          <p:cNvPr id="4" name="Picture 3" descr="Screen Shot 2014-11-11 at 11.06.24.png"/>
+          <p:cNvPr id="5" name="Picture 4" descr="ColorPicker3.PNG">
+            <a:extLst>
+              <a:ext uri="{FF2B5EF4-FFF2-40B4-BE49-F238E27FC236}">
+                <a16:creationId xmlns:a16="http://schemas.microsoft.com/office/drawing/2014/main" id="{380AF4C7-B93F-9444-8AF0-B79897EB4913}"/>
+              </a:ext>
+            </a:extLst>
+          </p:cNvPr>
           <p:cNvPicPr>
             <a:picLocks noChangeAspect="1"/>
           </p:cNvPicPr>
@@ -12445,8 +12439,38 @@
         </p:blipFill>
         <p:spPr>
           <a:xfrm>
-            <a:off x="5564372" y="3380575"/>
-            <a:ext cx="4646428" cy="3261266"/>
+            <a:off x="7968209" y="1811761"/>
+            <a:ext cx="3456384" cy="2677248"/>
+          </a:xfrm>
+          <a:prstGeom prst="rect">
+            <a:avLst/>
+          </a:prstGeom>
+        </p:spPr>
+      </p:pic>
+      <p:pic>
+        <p:nvPicPr>
+          <p:cNvPr id="4" name="Picture 3" descr="Screen Shot 2014-11-11 at 11.06.24.png"/>
+          <p:cNvPicPr>
+            <a:picLocks noChangeAspect="1"/>
+          </p:cNvPicPr>
+          <p:nvPr/>
+        </p:nvPicPr>
+        <p:blipFill>
+          <a:blip r:embed="rId3">
+            <a:extLst>
+              <a:ext uri="{28A0092B-C50C-407E-A947-70E740481C1C}">
+                <a14:useLocalDpi xmlns:a14="http://schemas.microsoft.com/office/drawing/2010/main"/>
+              </a:ext>
+            </a:extLst>
+          </a:blip>
+          <a:stretch>
+            <a:fillRect/>
+          </a:stretch>
+        </p:blipFill>
+        <p:spPr>
+          <a:xfrm>
+            <a:off x="6456040" y="3766663"/>
+            <a:ext cx="4248937" cy="2982272"/>
           </a:xfrm>
           <a:prstGeom prst="rect">
             <a:avLst/>
@@ -12463,277 +12487,22 @@
   <p:clrMapOvr>
     <a:masterClrMapping/>
   </p:clrMapOvr>
+  <mc:AlternateContent xmlns:mc="http://schemas.openxmlformats.org/markup-compatibility/2006" xmlns:p14="http://schemas.microsoft.com/office/powerpoint/2010/main">
+    <mc:Choice Requires="p14">
+      <p:transition spd="med" p14:dur="700">
+        <p:fade/>
+      </p:transition>
+    </mc:Choice>
+    <mc:Fallback xmlns="">
+      <p:transition spd="med">
+        <p:fade/>
+      </p:transition>
+    </mc:Fallback>
+  </mc:AlternateContent>
 </p:sld>
 </file>
 
-<file path=ppt/slides/slide29.xml><?xml version="1.0" encoding="utf-8"?>
-<p:sld xmlns:a="http://schemas.openxmlformats.org/drawingml/2006/main" xmlns:r="http://schemas.openxmlformats.org/officeDocument/2006/relationships" xmlns:p="http://schemas.openxmlformats.org/presentationml/2006/main">
-  <p:cSld>
-    <p:spTree>
-      <p:nvGrpSpPr>
-        <p:cNvPr id="1" name=""/>
-        <p:cNvGrpSpPr/>
-        <p:nvPr/>
-      </p:nvGrpSpPr>
-      <p:grpSpPr>
-        <a:xfrm>
-          <a:off x="0" y="0"/>
-          <a:ext cx="0" cy="0"/>
-          <a:chOff x="0" y="0"/>
-          <a:chExt cx="0" cy="0"/>
-        </a:xfrm>
-      </p:grpSpPr>
-      <p:sp>
-        <p:nvSpPr>
-          <p:cNvPr id="2" name="Title 1"/>
-          <p:cNvSpPr>
-            <a:spLocks noGrp="1"/>
-          </p:cNvSpPr>
-          <p:nvPr>
-            <p:ph type="title"/>
-          </p:nvPr>
-        </p:nvSpPr>
-        <p:spPr/>
-        <p:txBody>
-          <a:bodyPr/>
-          <a:lstStyle/>
-          <a:p>
-            <a:r>
-              <a:rPr lang="en-US" dirty="0" err="1"/>
-              <a:t>JColorChooser</a:t>
-            </a:r>
-            <a:endParaRPr lang="en-US" dirty="0"/>
-          </a:p>
-        </p:txBody>
-      </p:sp>
-      <p:sp>
-        <p:nvSpPr>
-          <p:cNvPr id="3" name="Content Placeholder 2"/>
-          <p:cNvSpPr>
-            <a:spLocks noGrp="1"/>
-          </p:cNvSpPr>
-          <p:nvPr>
-            <p:ph idx="1"/>
-          </p:nvPr>
-        </p:nvSpPr>
-        <p:spPr/>
-        <p:txBody>
-          <a:bodyPr>
-            <a:normAutofit/>
-          </a:bodyPr>
-          <a:lstStyle/>
-          <a:p>
-            <a:r>
-              <a:rPr lang="en-US" sz="2800" dirty="0"/>
-              <a:t>Provides a GUI for navigating color spaces</a:t>
-            </a:r>
-          </a:p>
-          <a:p>
-            <a:pPr marL="457200" lvl="1" indent="0">
-              <a:buNone/>
-            </a:pPr>
-            <a:r>
-              <a:rPr lang="en-US" sz="2000" dirty="0">
-                <a:latin typeface="Consolas"/>
-                <a:cs typeface="Consolas"/>
-              </a:rPr>
-              <a:t>Color c = </a:t>
-            </a:r>
-            <a:r>
-              <a:rPr lang="en-US" sz="2000" dirty="0" err="1">
-                <a:latin typeface="Consolas"/>
-                <a:cs typeface="Consolas"/>
-              </a:rPr>
-              <a:t>JColorChooser.showDialog</a:t>
-            </a:r>
-            <a:r>
-              <a:rPr lang="en-US" sz="2000" dirty="0">
-                <a:latin typeface="Consolas"/>
-                <a:cs typeface="Consolas"/>
-              </a:rPr>
-              <a:t>(Component parent, String title, Color </a:t>
-            </a:r>
-            <a:r>
-              <a:rPr lang="en-US" sz="2000" dirty="0" err="1">
-                <a:latin typeface="Consolas"/>
-                <a:cs typeface="Consolas"/>
-              </a:rPr>
-              <a:t>initialColor</a:t>
-            </a:r>
-            <a:r>
-              <a:rPr lang="en-US" sz="2000" dirty="0">
-                <a:latin typeface="Consolas"/>
-                <a:cs typeface="Consolas"/>
-              </a:rPr>
-              <a:t>)</a:t>
-            </a:r>
-          </a:p>
-        </p:txBody>
-      </p:sp>
-      <p:pic>
-        <p:nvPicPr>
-          <p:cNvPr id="5" name="Picture 4" descr="ColorPicker3.PNG"/>
-          <p:cNvPicPr>
-            <a:picLocks noChangeAspect="1"/>
-          </p:cNvPicPr>
-          <p:nvPr/>
-        </p:nvPicPr>
-        <p:blipFill>
-          <a:blip r:embed="rId2">
-            <a:extLst>
-              <a:ext uri="{28A0092B-C50C-407E-A947-70E740481C1C}">
-                <a14:useLocalDpi xmlns:a14="http://schemas.microsoft.com/office/drawing/2010/main"/>
-              </a:ext>
-            </a:extLst>
-          </a:blip>
-          <a:stretch>
-            <a:fillRect/>
-          </a:stretch>
-        </p:blipFill>
-        <p:spPr>
-          <a:xfrm>
-            <a:off x="5490650" y="2837095"/>
-            <a:ext cx="4720150" cy="3656136"/>
-          </a:xfrm>
-          <a:prstGeom prst="rect">
-            <a:avLst/>
-          </a:prstGeom>
-        </p:spPr>
-      </p:pic>
-    </p:spTree>
-    <p:extLst>
-      <p:ext uri="{BB962C8B-B14F-4D97-AF65-F5344CB8AC3E}">
-        <p14:creationId xmlns:p14="http://schemas.microsoft.com/office/powerpoint/2010/main" val="295366248"/>
-      </p:ext>
-    </p:extLst>
-  </p:cSld>
-  <p:clrMapOvr>
-    <a:masterClrMapping/>
-  </p:clrMapOvr>
-</p:sld>
-</file>
-
-<file path=ppt/slides/slide3.xml><?xml version="1.0" encoding="utf-8"?>
-<p:sld xmlns:a="http://schemas.openxmlformats.org/drawingml/2006/main" xmlns:r="http://schemas.openxmlformats.org/officeDocument/2006/relationships" xmlns:p="http://schemas.openxmlformats.org/presentationml/2006/main">
-  <p:cSld>
-    <p:spTree>
-      <p:nvGrpSpPr>
-        <p:cNvPr id="1" name=""/>
-        <p:cNvGrpSpPr/>
-        <p:nvPr/>
-      </p:nvGrpSpPr>
-      <p:grpSpPr>
-        <a:xfrm>
-          <a:off x="0" y="0"/>
-          <a:ext cx="0" cy="0"/>
-          <a:chOff x="0" y="0"/>
-          <a:chExt cx="0" cy="0"/>
-        </a:xfrm>
-      </p:grpSpPr>
-      <p:sp>
-        <p:nvSpPr>
-          <p:cNvPr id="2" name="Title 1"/>
-          <p:cNvSpPr>
-            <a:spLocks noGrp="1"/>
-          </p:cNvSpPr>
-          <p:nvPr>
-            <p:ph type="title"/>
-          </p:nvPr>
-        </p:nvSpPr>
-        <p:spPr/>
-        <p:txBody>
-          <a:bodyPr/>
-          <a:lstStyle/>
-          <a:p>
-            <a:r>
-              <a:rPr lang="en-US" dirty="0"/>
-              <a:t>Package </a:t>
-            </a:r>
-            <a:r>
-              <a:rPr lang="en-US" dirty="0" err="1"/>
-              <a:t>java.awt</a:t>
-            </a:r>
-            <a:r>
-              <a:rPr lang="en-US" dirty="0"/>
-              <a:t>.*</a:t>
-            </a:r>
-          </a:p>
-        </p:txBody>
-      </p:sp>
-      <p:sp>
-        <p:nvSpPr>
-          <p:cNvPr id="3" name="Content Placeholder 2"/>
-          <p:cNvSpPr>
-            <a:spLocks noGrp="1"/>
-          </p:cNvSpPr>
-          <p:nvPr>
-            <p:ph idx="1"/>
-          </p:nvPr>
-        </p:nvSpPr>
-        <p:spPr/>
-        <p:txBody>
-          <a:bodyPr>
-            <a:normAutofit/>
-          </a:bodyPr>
-          <a:lstStyle/>
-          <a:p>
-            <a:r>
-              <a:rPr lang="en-US" dirty="0"/>
-              <a:t>Provides:</a:t>
-            </a:r>
-          </a:p>
-          <a:p>
-            <a:pPr lvl="1"/>
-            <a:r>
-              <a:rPr lang="en-US" dirty="0"/>
-              <a:t>Components </a:t>
-            </a:r>
-            <a:r>
-              <a:rPr lang="en-US" i="1" dirty="0"/>
-              <a:t>(button, checkbox, scrollbar, etc.)</a:t>
-            </a:r>
-          </a:p>
-          <a:p>
-            <a:pPr lvl="1"/>
-            <a:r>
-              <a:rPr lang="en-US" dirty="0"/>
-              <a:t>Containers </a:t>
-            </a:r>
-            <a:r>
-              <a:rPr lang="en-US" i="1" dirty="0"/>
-              <a:t>(they are still components)</a:t>
-            </a:r>
-          </a:p>
-          <a:p>
-            <a:pPr lvl="1"/>
-            <a:r>
-              <a:rPr lang="en-US" dirty="0"/>
-              <a:t>Event management</a:t>
-            </a:r>
-          </a:p>
-          <a:p>
-            <a:pPr lvl="1"/>
-            <a:r>
-              <a:rPr lang="en-US" dirty="0"/>
-              <a:t>Layout management</a:t>
-            </a:r>
-          </a:p>
-        </p:txBody>
-      </p:sp>
-    </p:spTree>
-    <p:extLst>
-      <p:ext uri="{BB962C8B-B14F-4D97-AF65-F5344CB8AC3E}">
-        <p14:creationId xmlns:p14="http://schemas.microsoft.com/office/powerpoint/2010/main" val="924841873"/>
-      </p:ext>
-    </p:extLst>
-  </p:cSld>
-  <p:clrMapOvr>
-    <a:masterClrMapping/>
-  </p:clrMapOvr>
-</p:sld>
-</file>
-
-<file path=ppt/slides/slide30.xml><?xml version="1.0" encoding="utf-8"?>
+<file path=ppt/slides/slide28.xml><?xml version="1.0" encoding="utf-8"?>
 <p:sld xmlns:a="http://schemas.openxmlformats.org/drawingml/2006/main" xmlns:r="http://schemas.openxmlformats.org/officeDocument/2006/relationships" xmlns:p="http://schemas.openxmlformats.org/presentationml/2006/main">
   <p:cSld>
     <p:spTree>
@@ -12890,7 +12659,7 @@
 </p:sld>
 </file>
 
-<file path=ppt/slides/slide31.xml><?xml version="1.0" encoding="utf-8"?>
+<file path=ppt/slides/slide29.xml><?xml version="1.0" encoding="utf-8"?>
 <p:sld xmlns:a="http://schemas.openxmlformats.org/drawingml/2006/main" xmlns:r="http://schemas.openxmlformats.org/officeDocument/2006/relationships" xmlns:p="http://schemas.openxmlformats.org/presentationml/2006/main">
   <p:cSld>
     <p:spTree>
@@ -13147,7 +12916,127 @@
 </p:sld>
 </file>
 
-<file path=ppt/slides/slide32.xml><?xml version="1.0" encoding="utf-8"?>
+<file path=ppt/slides/slide3.xml><?xml version="1.0" encoding="utf-8"?>
+<p:sld xmlns:a="http://schemas.openxmlformats.org/drawingml/2006/main" xmlns:r="http://schemas.openxmlformats.org/officeDocument/2006/relationships" xmlns:p="http://schemas.openxmlformats.org/presentationml/2006/main">
+  <p:cSld>
+    <p:spTree>
+      <p:nvGrpSpPr>
+        <p:cNvPr id="1" name=""/>
+        <p:cNvGrpSpPr/>
+        <p:nvPr/>
+      </p:nvGrpSpPr>
+      <p:grpSpPr>
+        <a:xfrm>
+          <a:off x="0" y="0"/>
+          <a:ext cx="0" cy="0"/>
+          <a:chOff x="0" y="0"/>
+          <a:chExt cx="0" cy="0"/>
+        </a:xfrm>
+      </p:grpSpPr>
+      <p:sp>
+        <p:nvSpPr>
+          <p:cNvPr id="2" name="Title 1"/>
+          <p:cNvSpPr>
+            <a:spLocks noGrp="1"/>
+          </p:cNvSpPr>
+          <p:nvPr>
+            <p:ph type="title"/>
+          </p:nvPr>
+        </p:nvSpPr>
+        <p:spPr/>
+        <p:txBody>
+          <a:bodyPr/>
+          <a:lstStyle/>
+          <a:p>
+            <a:r>
+              <a:rPr lang="en-US" dirty="0"/>
+              <a:t>Package </a:t>
+            </a:r>
+            <a:r>
+              <a:rPr lang="en-US" dirty="0" err="1"/>
+              <a:t>java.awt</a:t>
+            </a:r>
+            <a:r>
+              <a:rPr lang="en-US" dirty="0"/>
+              <a:t>.*</a:t>
+            </a:r>
+          </a:p>
+        </p:txBody>
+      </p:sp>
+      <p:sp>
+        <p:nvSpPr>
+          <p:cNvPr id="3" name="Content Placeholder 2"/>
+          <p:cNvSpPr>
+            <a:spLocks noGrp="1"/>
+          </p:cNvSpPr>
+          <p:nvPr>
+            <p:ph idx="1"/>
+          </p:nvPr>
+        </p:nvSpPr>
+        <p:spPr/>
+        <p:txBody>
+          <a:bodyPr>
+            <a:normAutofit/>
+          </a:bodyPr>
+          <a:lstStyle/>
+          <a:p>
+            <a:r>
+              <a:rPr lang="en-US" dirty="0"/>
+              <a:t>Provides:</a:t>
+            </a:r>
+          </a:p>
+          <a:p>
+            <a:pPr lvl="1"/>
+            <a:r>
+              <a:rPr lang="en-US" dirty="0"/>
+              <a:t>Components </a:t>
+            </a:r>
+            <a:r>
+              <a:rPr lang="en-US" i="1" dirty="0"/>
+              <a:t>(button, checkbox, scrollbar, etc.)</a:t>
+            </a:r>
+          </a:p>
+          <a:p>
+            <a:pPr lvl="1"/>
+            <a:r>
+              <a:rPr lang="en-US" dirty="0"/>
+              <a:t>Containers </a:t>
+            </a:r>
+            <a:r>
+              <a:rPr lang="en-US" i="1" dirty="0"/>
+              <a:t>(they are still components)</a:t>
+            </a:r>
+          </a:p>
+          <a:p>
+            <a:pPr lvl="1"/>
+            <a:r>
+              <a:rPr lang="en-US" dirty="0"/>
+              <a:t>Event management</a:t>
+            </a:r>
+          </a:p>
+          <a:p>
+            <a:pPr lvl="1"/>
+            <a:r>
+              <a:rPr lang="en-US" dirty="0"/>
+              <a:t>Layout management</a:t>
+            </a:r>
+          </a:p>
+        </p:txBody>
+      </p:sp>
+    </p:spTree>
+    <p:extLst>
+      <p:ext uri="{BB962C8B-B14F-4D97-AF65-F5344CB8AC3E}">
+        <p14:creationId xmlns:p14="http://schemas.microsoft.com/office/powerpoint/2010/main" val="924841873"/>
+      </p:ext>
+    </p:extLst>
+  </p:cSld>
+  <p:clrMapOvr>
+    <a:masterClrMapping/>
+  </p:clrMapOvr>
+</p:sld>
+</file>
+
+<file path=ppt/slides/slide30.xml><?xml version="1.0" encoding="utf-8"?>
 <p:sld xmlns:a="http://schemas.openxmlformats.org/drawingml/2006/main" xmlns:r="http://schemas.openxmlformats.org/officeDocument/2006/relationships" xmlns:p="http://schemas.openxmlformats.org/presentationml/2006/main">
   <p:cSld>
     <p:spTree>
@@ -13234,7 +13123,7 @@
 </p:sld>
 </file>
 
-<file path=ppt/slides/slide33.xml><?xml version="1.0" encoding="utf-8"?>
+<file path=ppt/slides/slide31.xml><?xml version="1.0" encoding="utf-8"?>
 <p:sld xmlns:a="http://schemas.openxmlformats.org/drawingml/2006/main" xmlns:r="http://schemas.openxmlformats.org/officeDocument/2006/relationships" xmlns:p="http://schemas.openxmlformats.org/presentationml/2006/main">
   <p:cSld>
     <p:spTree>
@@ -13575,7 +13464,7 @@
 </p:sld>
 </file>
 
-<file path=ppt/slides/slide34.xml><?xml version="1.0" encoding="utf-8"?>
+<file path=ppt/slides/slide32.xml><?xml version="1.0" encoding="utf-8"?>
 <p:sld xmlns:a="http://schemas.openxmlformats.org/drawingml/2006/main" xmlns:r="http://schemas.openxmlformats.org/officeDocument/2006/relationships" xmlns:p="http://schemas.openxmlformats.org/presentationml/2006/main">
   <p:cSld>
     <p:spTree>
@@ -13662,7 +13551,7 @@
 </p:sld>
 </file>
 
-<file path=ppt/slides/slide35.xml><?xml version="1.0" encoding="utf-8"?>
+<file path=ppt/slides/slide33.xml><?xml version="1.0" encoding="utf-8"?>
 <p:sld xmlns:a="http://schemas.openxmlformats.org/drawingml/2006/main" xmlns:r="http://schemas.openxmlformats.org/officeDocument/2006/relationships" xmlns:p="http://schemas.openxmlformats.org/presentationml/2006/main">
   <p:cSld>
     <p:spTree>
@@ -14048,7 +13937,7 @@
 </p:sld>
 </file>
 
-<file path=ppt/slides/slide36.xml><?xml version="1.0" encoding="utf-8"?>
+<file path=ppt/slides/slide34.xml><?xml version="1.0" encoding="utf-8"?>
 <p:sld xmlns:a="http://schemas.openxmlformats.org/drawingml/2006/main" xmlns:r="http://schemas.openxmlformats.org/officeDocument/2006/relationships" xmlns:p="http://schemas.openxmlformats.org/presentationml/2006/main">
   <p:cSld>
     <p:spTree>
@@ -14135,7 +14024,7 @@
 </p:sld>
 </file>
 
-<file path=ppt/slides/slide37.xml><?xml version="1.0" encoding="utf-8"?>
+<file path=ppt/slides/slide35.xml><?xml version="1.0" encoding="utf-8"?>
 <p:sld xmlns:a="http://schemas.openxmlformats.org/drawingml/2006/main" xmlns:r="http://schemas.openxmlformats.org/officeDocument/2006/relationships" xmlns:p="http://schemas.openxmlformats.org/presentationml/2006/main">
   <p:cSld>
     <p:spTree>
@@ -14451,7 +14340,7 @@
 </p:sld>
 </file>
 
-<file path=ppt/slides/slide38.xml><?xml version="1.0" encoding="utf-8"?>
+<file path=ppt/slides/slide36.xml><?xml version="1.0" encoding="utf-8"?>
 <p:sld xmlns:a="http://schemas.openxmlformats.org/drawingml/2006/main" xmlns:r="http://schemas.openxmlformats.org/officeDocument/2006/relationships" xmlns:p="http://schemas.openxmlformats.org/presentationml/2006/main">
   <p:cSld>
     <p:spTree>
@@ -14568,7 +14457,7 @@
 </p:sld>
 </file>
 
-<file path=ppt/slides/slide39.xml><?xml version="1.0" encoding="utf-8"?>
+<file path=ppt/slides/slide37.xml><?xml version="1.0" encoding="utf-8"?>
 <p:sld xmlns:a="http://schemas.openxmlformats.org/drawingml/2006/main" xmlns:r="http://schemas.openxmlformats.org/officeDocument/2006/relationships" xmlns:p="http://schemas.openxmlformats.org/presentationml/2006/main">
   <p:cSld>
     <p:spTree>
@@ -14826,6 +14715,362 @@
     <p:extLst>
       <p:ext uri="{BB962C8B-B14F-4D97-AF65-F5344CB8AC3E}">
         <p14:creationId xmlns:p14="http://schemas.microsoft.com/office/powerpoint/2010/main" val="2288914821"/>
+      </p:ext>
+    </p:extLst>
+  </p:cSld>
+  <p:clrMapOvr>
+    <a:masterClrMapping/>
+  </p:clrMapOvr>
+</p:sld>
+</file>
+
+<file path=ppt/slides/slide38.xml><?xml version="1.0" encoding="utf-8"?>
+<p:sld xmlns:a="http://schemas.openxmlformats.org/drawingml/2006/main" xmlns:r="http://schemas.openxmlformats.org/officeDocument/2006/relationships" xmlns:p="http://schemas.openxmlformats.org/presentationml/2006/main">
+  <p:cSld>
+    <p:spTree>
+      <p:nvGrpSpPr>
+        <p:cNvPr id="1" name=""/>
+        <p:cNvGrpSpPr/>
+        <p:nvPr/>
+      </p:nvGrpSpPr>
+      <p:grpSpPr>
+        <a:xfrm>
+          <a:off x="0" y="0"/>
+          <a:ext cx="0" cy="0"/>
+          <a:chOff x="0" y="0"/>
+          <a:chExt cx="0" cy="0"/>
+        </a:xfrm>
+      </p:grpSpPr>
+      <p:sp>
+        <p:nvSpPr>
+          <p:cNvPr id="2" name="Title 1"/>
+          <p:cNvSpPr>
+            <a:spLocks noGrp="1"/>
+          </p:cNvSpPr>
+          <p:nvPr>
+            <p:ph type="title"/>
+          </p:nvPr>
+        </p:nvSpPr>
+        <p:spPr/>
+        <p:txBody>
+          <a:bodyPr/>
+          <a:lstStyle/>
+          <a:p>
+            <a:r>
+              <a:rPr lang="en-US" dirty="0"/>
+              <a:t>Layout Manager - </a:t>
+            </a:r>
+            <a:r>
+              <a:rPr lang="en-US" dirty="0" err="1"/>
+              <a:t>CardLayout</a:t>
+            </a:r>
+            <a:endParaRPr lang="en-US" dirty="0"/>
+          </a:p>
+        </p:txBody>
+      </p:sp>
+      <p:sp>
+        <p:nvSpPr>
+          <p:cNvPr id="5" name="Content Placeholder 4">
+            <a:extLst>
+              <a:ext uri="{FF2B5EF4-FFF2-40B4-BE49-F238E27FC236}">
+                <a16:creationId xmlns:a16="http://schemas.microsoft.com/office/drawing/2014/main" id="{20CBE03E-DAC6-A14F-A7E3-EC9DC4BB69A0}"/>
+              </a:ext>
+            </a:extLst>
+          </p:cNvPr>
+          <p:cNvSpPr>
+            <a:spLocks noGrp="1"/>
+          </p:cNvSpPr>
+          <p:nvPr>
+            <p:ph idx="1"/>
+          </p:nvPr>
+        </p:nvSpPr>
+        <p:spPr/>
+        <p:txBody>
+          <a:bodyPr>
+            <a:normAutofit/>
+          </a:bodyPr>
+          <a:lstStyle/>
+          <a:p>
+            <a:r>
+              <a:rPr lang="en-GB" dirty="0" err="1"/>
+              <a:t>CardLayout</a:t>
+            </a:r>
+            <a:r>
+              <a:rPr lang="en-GB" dirty="0"/>
+              <a:t> allows to have different panels in one frame, but only one showed at time. Panels are called cards.</a:t>
+            </a:r>
+          </a:p>
+          <a:p>
+            <a:pPr marL="0" indent="0">
+              <a:buNone/>
+            </a:pPr>
+            <a:endParaRPr lang="en-GB" dirty="0"/>
+          </a:p>
+          <a:p>
+            <a:pPr marL="0" indent="0">
+              <a:buNone/>
+            </a:pPr>
+            <a:r>
+              <a:rPr lang="en-GB" sz="2400" dirty="0" err="1">
+                <a:latin typeface="Consolas" panose="020B0609020204030204" pitchFamily="49" charset="0"/>
+                <a:cs typeface="Consolas" panose="020B0609020204030204" pitchFamily="49" charset="0"/>
+              </a:rPr>
+              <a:t>JPanel</a:t>
+            </a:r>
+            <a:r>
+              <a:rPr lang="en-GB" sz="2400" dirty="0">
+                <a:latin typeface="Consolas" panose="020B0609020204030204" pitchFamily="49" charset="0"/>
+                <a:cs typeface="Consolas" panose="020B0609020204030204" pitchFamily="49" charset="0"/>
+              </a:rPr>
+              <a:t> p = new </a:t>
+            </a:r>
+            <a:r>
+              <a:rPr lang="en-GB" sz="2400" dirty="0" err="1">
+                <a:latin typeface="Consolas" panose="020B0609020204030204" pitchFamily="49" charset="0"/>
+                <a:cs typeface="Consolas" panose="020B0609020204030204" pitchFamily="49" charset="0"/>
+              </a:rPr>
+              <a:t>JPanel</a:t>
+            </a:r>
+            <a:r>
+              <a:rPr lang="en-GB" sz="2400" dirty="0">
+                <a:latin typeface="Consolas" panose="020B0609020204030204" pitchFamily="49" charset="0"/>
+                <a:cs typeface="Consolas" panose="020B0609020204030204" pitchFamily="49" charset="0"/>
+              </a:rPr>
+              <a:t>(new </a:t>
+            </a:r>
+            <a:r>
+              <a:rPr lang="en-GB" sz="2400" dirty="0" err="1">
+                <a:latin typeface="Consolas" panose="020B0609020204030204" pitchFamily="49" charset="0"/>
+                <a:cs typeface="Consolas" panose="020B0609020204030204" pitchFamily="49" charset="0"/>
+              </a:rPr>
+              <a:t>CardLayout</a:t>
+            </a:r>
+            <a:r>
+              <a:rPr lang="en-GB" sz="2400" dirty="0">
+                <a:latin typeface="Consolas" panose="020B0609020204030204" pitchFamily="49" charset="0"/>
+                <a:cs typeface="Consolas" panose="020B0609020204030204" pitchFamily="49" charset="0"/>
+              </a:rPr>
+              <a:t>());</a:t>
+            </a:r>
+          </a:p>
+          <a:p>
+            <a:pPr marL="0" indent="0">
+              <a:buNone/>
+            </a:pPr>
+            <a:r>
+              <a:rPr lang="en-GB" sz="2400" dirty="0" err="1">
+                <a:latin typeface="Consolas" panose="020B0609020204030204" pitchFamily="49" charset="0"/>
+                <a:cs typeface="Consolas" panose="020B0609020204030204" pitchFamily="49" charset="0"/>
+              </a:rPr>
+              <a:t>p.add</a:t>
+            </a:r>
+            <a:r>
+              <a:rPr lang="en-GB" sz="2400" dirty="0">
+                <a:latin typeface="Consolas" panose="020B0609020204030204" pitchFamily="49" charset="0"/>
+                <a:cs typeface="Consolas" panose="020B0609020204030204" pitchFamily="49" charset="0"/>
+              </a:rPr>
+              <a:t>(“Panel1”, new </a:t>
+            </a:r>
+            <a:r>
+              <a:rPr lang="en-GB" sz="2400" dirty="0" err="1">
+                <a:latin typeface="Consolas" panose="020B0609020204030204" pitchFamily="49" charset="0"/>
+                <a:cs typeface="Consolas" panose="020B0609020204030204" pitchFamily="49" charset="0"/>
+              </a:rPr>
+              <a:t>JPanel</a:t>
+            </a:r>
+            <a:r>
+              <a:rPr lang="en-GB" sz="2400" dirty="0">
+                <a:latin typeface="Consolas" panose="020B0609020204030204" pitchFamily="49" charset="0"/>
+                <a:cs typeface="Consolas" panose="020B0609020204030204" pitchFamily="49" charset="0"/>
+              </a:rPr>
+              <a:t>());</a:t>
+            </a:r>
+          </a:p>
+          <a:p>
+            <a:pPr marL="0" indent="0">
+              <a:buNone/>
+            </a:pPr>
+            <a:r>
+              <a:rPr lang="en-GB" sz="2400" dirty="0" err="1">
+                <a:latin typeface="Consolas" panose="020B0609020204030204" pitchFamily="49" charset="0"/>
+                <a:cs typeface="Consolas" panose="020B0609020204030204" pitchFamily="49" charset="0"/>
+              </a:rPr>
+              <a:t>p.add</a:t>
+            </a:r>
+            <a:r>
+              <a:rPr lang="en-GB" sz="2400" dirty="0">
+                <a:latin typeface="Consolas" panose="020B0609020204030204" pitchFamily="49" charset="0"/>
+                <a:cs typeface="Consolas" panose="020B0609020204030204" pitchFamily="49" charset="0"/>
+              </a:rPr>
+              <a:t>(“Panel2”, new </a:t>
+            </a:r>
+            <a:r>
+              <a:rPr lang="en-GB" sz="2400" dirty="0" err="1">
+                <a:latin typeface="Consolas" panose="020B0609020204030204" pitchFamily="49" charset="0"/>
+                <a:cs typeface="Consolas" panose="020B0609020204030204" pitchFamily="49" charset="0"/>
+              </a:rPr>
+              <a:t>JPanel</a:t>
+            </a:r>
+            <a:r>
+              <a:rPr lang="en-GB" sz="2400" dirty="0">
+                <a:latin typeface="Consolas" panose="020B0609020204030204" pitchFamily="49" charset="0"/>
+                <a:cs typeface="Consolas" panose="020B0609020204030204" pitchFamily="49" charset="0"/>
+              </a:rPr>
+              <a:t>());</a:t>
+            </a:r>
+          </a:p>
+          <a:p>
+            <a:endParaRPr lang="en-GB" dirty="0"/>
+          </a:p>
+          <a:p>
+            <a:endParaRPr lang="en-IT" dirty="0"/>
+          </a:p>
+        </p:txBody>
+      </p:sp>
+      <p:pic>
+        <p:nvPicPr>
+          <p:cNvPr id="4" name="Picture 3" descr="Screen Shot 2014-11-11 at 13.15.42.png"/>
+          <p:cNvPicPr>
+            <a:picLocks noChangeAspect="1"/>
+          </p:cNvPicPr>
+          <p:nvPr/>
+        </p:nvPicPr>
+        <p:blipFill>
+          <a:blip r:embed="rId2">
+            <a:extLst>
+              <a:ext uri="{28A0092B-C50C-407E-A947-70E740481C1C}">
+                <a14:useLocalDpi xmlns:a14="http://schemas.microsoft.com/office/drawing/2010/main"/>
+              </a:ext>
+            </a:extLst>
+          </a:blip>
+          <a:stretch>
+            <a:fillRect/>
+          </a:stretch>
+        </p:blipFill>
+        <p:spPr>
+          <a:xfrm>
+            <a:off x="3266189" y="4770217"/>
+            <a:ext cx="7200900" cy="1562100"/>
+          </a:xfrm>
+          <a:prstGeom prst="rect">
+            <a:avLst/>
+          </a:prstGeom>
+        </p:spPr>
+      </p:pic>
+    </p:spTree>
+    <p:extLst>
+      <p:ext uri="{BB962C8B-B14F-4D97-AF65-F5344CB8AC3E}">
+        <p14:creationId xmlns:p14="http://schemas.microsoft.com/office/powerpoint/2010/main" val="1218010461"/>
+      </p:ext>
+    </p:extLst>
+  </p:cSld>
+  <p:clrMapOvr>
+    <a:masterClrMapping/>
+  </p:clrMapOvr>
+</p:sld>
+</file>
+
+<file path=ppt/slides/slide39.xml><?xml version="1.0" encoding="utf-8"?>
+<p:sld xmlns:a="http://schemas.openxmlformats.org/drawingml/2006/main" xmlns:r="http://schemas.openxmlformats.org/officeDocument/2006/relationships" xmlns:p="http://schemas.openxmlformats.org/presentationml/2006/main">
+  <p:cSld>
+    <p:spTree>
+      <p:nvGrpSpPr>
+        <p:cNvPr id="1" name=""/>
+        <p:cNvGrpSpPr/>
+        <p:nvPr/>
+      </p:nvGrpSpPr>
+      <p:grpSpPr>
+        <a:xfrm>
+          <a:off x="0" y="0"/>
+          <a:ext cx="0" cy="0"/>
+          <a:chOff x="0" y="0"/>
+          <a:chExt cx="0" cy="0"/>
+        </a:xfrm>
+      </p:grpSpPr>
+      <p:sp>
+        <p:nvSpPr>
+          <p:cNvPr id="2" name="Title 1"/>
+          <p:cNvSpPr>
+            <a:spLocks noGrp="1"/>
+          </p:cNvSpPr>
+          <p:nvPr>
+            <p:ph type="ctrTitle"/>
+          </p:nvPr>
+        </p:nvSpPr>
+        <p:spPr/>
+        <p:txBody>
+          <a:bodyPr/>
+          <a:lstStyle/>
+          <a:p>
+            <a:pPr algn="l"/>
+            <a:r>
+              <a:rPr lang="en-US" dirty="0"/>
+              <a:t>Java Swing Events</a:t>
+            </a:r>
+          </a:p>
+        </p:txBody>
+      </p:sp>
+      <p:sp>
+        <p:nvSpPr>
+          <p:cNvPr id="5" name="Sottotitolo 2"/>
+          <p:cNvSpPr>
+            <a:spLocks noGrp="1"/>
+          </p:cNvSpPr>
+          <p:nvPr>
+            <p:ph type="subTitle" idx="1"/>
+          </p:nvPr>
+        </p:nvSpPr>
+        <p:spPr>
+          <a:xfrm>
+            <a:off x="2895600" y="3886200"/>
+            <a:ext cx="6400800" cy="1752600"/>
+          </a:xfrm>
+        </p:spPr>
+        <p:txBody>
+          <a:bodyPr>
+            <a:normAutofit/>
+          </a:bodyPr>
+          <a:lstStyle/>
+          <a:p>
+            <a:pPr algn="r"/>
+            <a:r>
+              <a:rPr lang="en-US" sz="1800" dirty="0" err="1"/>
+              <a:t>Università</a:t>
+            </a:r>
+            <a:r>
+              <a:rPr lang="en-US" sz="1800" dirty="0"/>
+              <a:t> di Modena e Reggio Emilia</a:t>
+            </a:r>
+          </a:p>
+          <a:p>
+            <a:pPr algn="r"/>
+            <a:r>
+              <a:rPr lang="en-US" sz="1800" i="1" dirty="0"/>
+              <a:t>Prof. Nicola Bicocchi (</a:t>
+            </a:r>
+            <a:r>
+              <a:rPr lang="en-US" sz="1800" i="1" dirty="0" err="1"/>
+              <a:t>nicola.bicocchi@unimore.it</a:t>
+            </a:r>
+            <a:r>
+              <a:rPr lang="en-US" sz="1800" i="1" dirty="0"/>
+              <a:t>)</a:t>
+            </a:r>
+          </a:p>
+          <a:p>
+            <a:pPr algn="r"/>
+            <a:endParaRPr lang="en-US" sz="1800" dirty="0"/>
+          </a:p>
+          <a:p>
+            <a:pPr algn="r"/>
+            <a:endParaRPr lang="it-IT" sz="1800" dirty="0"/>
+          </a:p>
+        </p:txBody>
+      </p:sp>
+    </p:spTree>
+    <p:extLst>
+      <p:ext uri="{BB962C8B-B14F-4D97-AF65-F5344CB8AC3E}">
+        <p14:creationId xmlns:p14="http://schemas.microsoft.com/office/powerpoint/2010/main" val="3544701161"/>
       </p:ext>
     </p:extLst>
   </p:cSld>
@@ -15019,362 +15264,6 @@
           <a:lstStyle/>
           <a:p>
             <a:r>
-              <a:rPr lang="en-US" dirty="0"/>
-              <a:t>Layout Manager - </a:t>
-            </a:r>
-            <a:r>
-              <a:rPr lang="en-US" dirty="0" err="1"/>
-              <a:t>CardLayout</a:t>
-            </a:r>
-            <a:endParaRPr lang="en-US" dirty="0"/>
-          </a:p>
-        </p:txBody>
-      </p:sp>
-      <p:sp>
-        <p:nvSpPr>
-          <p:cNvPr id="5" name="Content Placeholder 4">
-            <a:extLst>
-              <a:ext uri="{FF2B5EF4-FFF2-40B4-BE49-F238E27FC236}">
-                <a16:creationId xmlns:a16="http://schemas.microsoft.com/office/drawing/2014/main" id="{20CBE03E-DAC6-A14F-A7E3-EC9DC4BB69A0}"/>
-              </a:ext>
-            </a:extLst>
-          </p:cNvPr>
-          <p:cNvSpPr>
-            <a:spLocks noGrp="1"/>
-          </p:cNvSpPr>
-          <p:nvPr>
-            <p:ph idx="1"/>
-          </p:nvPr>
-        </p:nvSpPr>
-        <p:spPr/>
-        <p:txBody>
-          <a:bodyPr>
-            <a:normAutofit/>
-          </a:bodyPr>
-          <a:lstStyle/>
-          <a:p>
-            <a:r>
-              <a:rPr lang="en-GB" dirty="0" err="1"/>
-              <a:t>CardLayout</a:t>
-            </a:r>
-            <a:r>
-              <a:rPr lang="en-GB" dirty="0"/>
-              <a:t> allows to have different panels in one frame, but only one showed at time. Panels are called cards.</a:t>
-            </a:r>
-          </a:p>
-          <a:p>
-            <a:pPr marL="0" indent="0">
-              <a:buNone/>
-            </a:pPr>
-            <a:endParaRPr lang="en-GB" dirty="0"/>
-          </a:p>
-          <a:p>
-            <a:pPr marL="0" indent="0">
-              <a:buNone/>
-            </a:pPr>
-            <a:r>
-              <a:rPr lang="en-GB" sz="2400" dirty="0" err="1">
-                <a:latin typeface="Consolas" panose="020B0609020204030204" pitchFamily="49" charset="0"/>
-                <a:cs typeface="Consolas" panose="020B0609020204030204" pitchFamily="49" charset="0"/>
-              </a:rPr>
-              <a:t>JPanel</a:t>
-            </a:r>
-            <a:r>
-              <a:rPr lang="en-GB" sz="2400" dirty="0">
-                <a:latin typeface="Consolas" panose="020B0609020204030204" pitchFamily="49" charset="0"/>
-                <a:cs typeface="Consolas" panose="020B0609020204030204" pitchFamily="49" charset="0"/>
-              </a:rPr>
-              <a:t> p = new </a:t>
-            </a:r>
-            <a:r>
-              <a:rPr lang="en-GB" sz="2400" dirty="0" err="1">
-                <a:latin typeface="Consolas" panose="020B0609020204030204" pitchFamily="49" charset="0"/>
-                <a:cs typeface="Consolas" panose="020B0609020204030204" pitchFamily="49" charset="0"/>
-              </a:rPr>
-              <a:t>JPanel</a:t>
-            </a:r>
-            <a:r>
-              <a:rPr lang="en-GB" sz="2400" dirty="0">
-                <a:latin typeface="Consolas" panose="020B0609020204030204" pitchFamily="49" charset="0"/>
-                <a:cs typeface="Consolas" panose="020B0609020204030204" pitchFamily="49" charset="0"/>
-              </a:rPr>
-              <a:t>(new </a:t>
-            </a:r>
-            <a:r>
-              <a:rPr lang="en-GB" sz="2400" dirty="0" err="1">
-                <a:latin typeface="Consolas" panose="020B0609020204030204" pitchFamily="49" charset="0"/>
-                <a:cs typeface="Consolas" panose="020B0609020204030204" pitchFamily="49" charset="0"/>
-              </a:rPr>
-              <a:t>CardLayout</a:t>
-            </a:r>
-            <a:r>
-              <a:rPr lang="en-GB" sz="2400" dirty="0">
-                <a:latin typeface="Consolas" panose="020B0609020204030204" pitchFamily="49" charset="0"/>
-                <a:cs typeface="Consolas" panose="020B0609020204030204" pitchFamily="49" charset="0"/>
-              </a:rPr>
-              <a:t>());</a:t>
-            </a:r>
-          </a:p>
-          <a:p>
-            <a:pPr marL="0" indent="0">
-              <a:buNone/>
-            </a:pPr>
-            <a:r>
-              <a:rPr lang="en-GB" sz="2400" dirty="0" err="1">
-                <a:latin typeface="Consolas" panose="020B0609020204030204" pitchFamily="49" charset="0"/>
-                <a:cs typeface="Consolas" panose="020B0609020204030204" pitchFamily="49" charset="0"/>
-              </a:rPr>
-              <a:t>p.add</a:t>
-            </a:r>
-            <a:r>
-              <a:rPr lang="en-GB" sz="2400" dirty="0">
-                <a:latin typeface="Consolas" panose="020B0609020204030204" pitchFamily="49" charset="0"/>
-                <a:cs typeface="Consolas" panose="020B0609020204030204" pitchFamily="49" charset="0"/>
-              </a:rPr>
-              <a:t>(“Panel1”, new </a:t>
-            </a:r>
-            <a:r>
-              <a:rPr lang="en-GB" sz="2400" dirty="0" err="1">
-                <a:latin typeface="Consolas" panose="020B0609020204030204" pitchFamily="49" charset="0"/>
-                <a:cs typeface="Consolas" panose="020B0609020204030204" pitchFamily="49" charset="0"/>
-              </a:rPr>
-              <a:t>JPanel</a:t>
-            </a:r>
-            <a:r>
-              <a:rPr lang="en-GB" sz="2400" dirty="0">
-                <a:latin typeface="Consolas" panose="020B0609020204030204" pitchFamily="49" charset="0"/>
-                <a:cs typeface="Consolas" panose="020B0609020204030204" pitchFamily="49" charset="0"/>
-              </a:rPr>
-              <a:t>());</a:t>
-            </a:r>
-          </a:p>
-          <a:p>
-            <a:pPr marL="0" indent="0">
-              <a:buNone/>
-            </a:pPr>
-            <a:r>
-              <a:rPr lang="en-GB" sz="2400" dirty="0" err="1">
-                <a:latin typeface="Consolas" panose="020B0609020204030204" pitchFamily="49" charset="0"/>
-                <a:cs typeface="Consolas" panose="020B0609020204030204" pitchFamily="49" charset="0"/>
-              </a:rPr>
-              <a:t>p.add</a:t>
-            </a:r>
-            <a:r>
-              <a:rPr lang="en-GB" sz="2400" dirty="0">
-                <a:latin typeface="Consolas" panose="020B0609020204030204" pitchFamily="49" charset="0"/>
-                <a:cs typeface="Consolas" panose="020B0609020204030204" pitchFamily="49" charset="0"/>
-              </a:rPr>
-              <a:t>(“Panel2”, new </a:t>
-            </a:r>
-            <a:r>
-              <a:rPr lang="en-GB" sz="2400" dirty="0" err="1">
-                <a:latin typeface="Consolas" panose="020B0609020204030204" pitchFamily="49" charset="0"/>
-                <a:cs typeface="Consolas" panose="020B0609020204030204" pitchFamily="49" charset="0"/>
-              </a:rPr>
-              <a:t>JPanel</a:t>
-            </a:r>
-            <a:r>
-              <a:rPr lang="en-GB" sz="2400" dirty="0">
-                <a:latin typeface="Consolas" panose="020B0609020204030204" pitchFamily="49" charset="0"/>
-                <a:cs typeface="Consolas" panose="020B0609020204030204" pitchFamily="49" charset="0"/>
-              </a:rPr>
-              <a:t>());</a:t>
-            </a:r>
-          </a:p>
-          <a:p>
-            <a:endParaRPr lang="en-GB" dirty="0"/>
-          </a:p>
-          <a:p>
-            <a:endParaRPr lang="en-IT" dirty="0"/>
-          </a:p>
-        </p:txBody>
-      </p:sp>
-      <p:pic>
-        <p:nvPicPr>
-          <p:cNvPr id="4" name="Picture 3" descr="Screen Shot 2014-11-11 at 13.15.42.png"/>
-          <p:cNvPicPr>
-            <a:picLocks noChangeAspect="1"/>
-          </p:cNvPicPr>
-          <p:nvPr/>
-        </p:nvPicPr>
-        <p:blipFill>
-          <a:blip r:embed="rId2">
-            <a:extLst>
-              <a:ext uri="{28A0092B-C50C-407E-A947-70E740481C1C}">
-                <a14:useLocalDpi xmlns:a14="http://schemas.microsoft.com/office/drawing/2010/main"/>
-              </a:ext>
-            </a:extLst>
-          </a:blip>
-          <a:stretch>
-            <a:fillRect/>
-          </a:stretch>
-        </p:blipFill>
-        <p:spPr>
-          <a:xfrm>
-            <a:off x="3266189" y="4770217"/>
-            <a:ext cx="7200900" cy="1562100"/>
-          </a:xfrm>
-          <a:prstGeom prst="rect">
-            <a:avLst/>
-          </a:prstGeom>
-        </p:spPr>
-      </p:pic>
-    </p:spTree>
-    <p:extLst>
-      <p:ext uri="{BB962C8B-B14F-4D97-AF65-F5344CB8AC3E}">
-        <p14:creationId xmlns:p14="http://schemas.microsoft.com/office/powerpoint/2010/main" val="1218010461"/>
-      </p:ext>
-    </p:extLst>
-  </p:cSld>
-  <p:clrMapOvr>
-    <a:masterClrMapping/>
-  </p:clrMapOvr>
-</p:sld>
-</file>
-
-<file path=ppt/slides/slide41.xml><?xml version="1.0" encoding="utf-8"?>
-<p:sld xmlns:a="http://schemas.openxmlformats.org/drawingml/2006/main" xmlns:r="http://schemas.openxmlformats.org/officeDocument/2006/relationships" xmlns:p="http://schemas.openxmlformats.org/presentationml/2006/main">
-  <p:cSld>
-    <p:spTree>
-      <p:nvGrpSpPr>
-        <p:cNvPr id="1" name=""/>
-        <p:cNvGrpSpPr/>
-        <p:nvPr/>
-      </p:nvGrpSpPr>
-      <p:grpSpPr>
-        <a:xfrm>
-          <a:off x="0" y="0"/>
-          <a:ext cx="0" cy="0"/>
-          <a:chOff x="0" y="0"/>
-          <a:chExt cx="0" cy="0"/>
-        </a:xfrm>
-      </p:grpSpPr>
-      <p:sp>
-        <p:nvSpPr>
-          <p:cNvPr id="2" name="Title 1"/>
-          <p:cNvSpPr>
-            <a:spLocks noGrp="1"/>
-          </p:cNvSpPr>
-          <p:nvPr>
-            <p:ph type="ctrTitle"/>
-          </p:nvPr>
-        </p:nvSpPr>
-        <p:spPr/>
-        <p:txBody>
-          <a:bodyPr/>
-          <a:lstStyle/>
-          <a:p>
-            <a:pPr algn="l"/>
-            <a:r>
-              <a:rPr lang="en-US" dirty="0"/>
-              <a:t>Java Swing Events</a:t>
-            </a:r>
-          </a:p>
-        </p:txBody>
-      </p:sp>
-      <p:sp>
-        <p:nvSpPr>
-          <p:cNvPr id="5" name="Sottotitolo 2"/>
-          <p:cNvSpPr>
-            <a:spLocks noGrp="1"/>
-          </p:cNvSpPr>
-          <p:nvPr>
-            <p:ph type="subTitle" idx="1"/>
-          </p:nvPr>
-        </p:nvSpPr>
-        <p:spPr>
-          <a:xfrm>
-            <a:off x="2895600" y="3886200"/>
-            <a:ext cx="6400800" cy="1752600"/>
-          </a:xfrm>
-        </p:spPr>
-        <p:txBody>
-          <a:bodyPr>
-            <a:normAutofit/>
-          </a:bodyPr>
-          <a:lstStyle/>
-          <a:p>
-            <a:pPr algn="r"/>
-            <a:r>
-              <a:rPr lang="en-US" sz="1800" dirty="0" err="1"/>
-              <a:t>Università</a:t>
-            </a:r>
-            <a:r>
-              <a:rPr lang="en-US" sz="1800" dirty="0"/>
-              <a:t> di Modena e Reggio Emilia</a:t>
-            </a:r>
-          </a:p>
-          <a:p>
-            <a:pPr algn="r"/>
-            <a:r>
-              <a:rPr lang="en-US" sz="1800" i="1" dirty="0"/>
-              <a:t>Prof. Nicola Bicocchi (</a:t>
-            </a:r>
-            <a:r>
-              <a:rPr lang="en-US" sz="1800" i="1" dirty="0" err="1"/>
-              <a:t>nicola.bicocchi@unimore.it</a:t>
-            </a:r>
-            <a:r>
-              <a:rPr lang="en-US" sz="1800" i="1" dirty="0"/>
-              <a:t>)</a:t>
-            </a:r>
-          </a:p>
-          <a:p>
-            <a:pPr algn="r"/>
-            <a:endParaRPr lang="en-US" sz="1800" dirty="0"/>
-          </a:p>
-          <a:p>
-            <a:pPr algn="r"/>
-            <a:endParaRPr lang="it-IT" sz="1800" dirty="0"/>
-          </a:p>
-        </p:txBody>
-      </p:sp>
-    </p:spTree>
-    <p:extLst>
-      <p:ext uri="{BB962C8B-B14F-4D97-AF65-F5344CB8AC3E}">
-        <p14:creationId xmlns:p14="http://schemas.microsoft.com/office/powerpoint/2010/main" val="3544701161"/>
-      </p:ext>
-    </p:extLst>
-  </p:cSld>
-  <p:clrMapOvr>
-    <a:masterClrMapping/>
-  </p:clrMapOvr>
-</p:sld>
-</file>
-
-<file path=ppt/slides/slide42.xml><?xml version="1.0" encoding="utf-8"?>
-<p:sld xmlns:a="http://schemas.openxmlformats.org/drawingml/2006/main" xmlns:r="http://schemas.openxmlformats.org/officeDocument/2006/relationships" xmlns:p="http://schemas.openxmlformats.org/presentationml/2006/main">
-  <p:cSld>
-    <p:spTree>
-      <p:nvGrpSpPr>
-        <p:cNvPr id="1" name=""/>
-        <p:cNvGrpSpPr/>
-        <p:nvPr/>
-      </p:nvGrpSpPr>
-      <p:grpSpPr>
-        <a:xfrm>
-          <a:off x="0" y="0"/>
-          <a:ext cx="0" cy="0"/>
-          <a:chOff x="0" y="0"/>
-          <a:chExt cx="0" cy="0"/>
-        </a:xfrm>
-      </p:grpSpPr>
-      <p:sp>
-        <p:nvSpPr>
-          <p:cNvPr id="2" name="Title 1"/>
-          <p:cNvSpPr>
-            <a:spLocks noGrp="1"/>
-          </p:cNvSpPr>
-          <p:nvPr>
-            <p:ph type="title"/>
-          </p:nvPr>
-        </p:nvSpPr>
-        <p:spPr/>
-        <p:txBody>
-          <a:bodyPr/>
-          <a:lstStyle/>
-          <a:p>
-            <a:r>
               <a:rPr lang="en-US" dirty="0" err="1"/>
               <a:t>EventObject</a:t>
             </a:r>
@@ -15425,7 +15314,7 @@
 </p:sld>
 </file>
 
-<file path=ppt/slides/slide43.xml><?xml version="1.0" encoding="utf-8"?>
+<file path=ppt/slides/slide41.xml><?xml version="1.0" encoding="utf-8"?>
 <p:sld xmlns:a="http://schemas.openxmlformats.org/drawingml/2006/main" xmlns:r="http://schemas.openxmlformats.org/officeDocument/2006/relationships" xmlns:p="http://schemas.openxmlformats.org/presentationml/2006/main">
   <p:cSld>
     <p:spTree>
@@ -15639,7 +15528,7 @@
 </p:sld>
 </file>
 
-<file path=ppt/slides/slide44.xml><?xml version="1.0" encoding="utf-8"?>
+<file path=ppt/slides/slide42.xml><?xml version="1.0" encoding="utf-8"?>
 <p:sld xmlns:a="http://schemas.openxmlformats.org/drawingml/2006/main" xmlns:r="http://schemas.openxmlformats.org/officeDocument/2006/relationships" xmlns:p="http://schemas.openxmlformats.org/presentationml/2006/main">
   <p:cSld>
     <p:spTree>
@@ -15757,7 +15646,7 @@
 </p:sld>
 </file>
 
-<file path=ppt/slides/slide45.xml><?xml version="1.0" encoding="utf-8"?>
+<file path=ppt/slides/slide43.xml><?xml version="1.0" encoding="utf-8"?>
 <p:sld xmlns:a="http://schemas.openxmlformats.org/drawingml/2006/main" xmlns:r="http://schemas.openxmlformats.org/officeDocument/2006/relationships" xmlns:p="http://schemas.openxmlformats.org/presentationml/2006/main">
   <p:cSld>
     <p:spTree>
@@ -15870,7 +15759,7 @@
 </p:sld>
 </file>
 
-<file path=ppt/slides/slide46.xml><?xml version="1.0" encoding="utf-8"?>
+<file path=ppt/slides/slide44.xml><?xml version="1.0" encoding="utf-8"?>
 <p:sld xmlns:a="http://schemas.openxmlformats.org/drawingml/2006/main" xmlns:r="http://schemas.openxmlformats.org/officeDocument/2006/relationships" xmlns:p="http://schemas.openxmlformats.org/presentationml/2006/main">
   <p:cSld>
     <p:spTree>
@@ -16978,7 +16867,7 @@
 </p:sld>
 </file>
 
-<file path=ppt/slides/slide47.xml><?xml version="1.0" encoding="utf-8"?>
+<file path=ppt/slides/slide45.xml><?xml version="1.0" encoding="utf-8"?>
 <p:sld xmlns:a="http://schemas.openxmlformats.org/drawingml/2006/main" xmlns:r="http://schemas.openxmlformats.org/officeDocument/2006/relationships" xmlns:p="http://schemas.openxmlformats.org/presentationml/2006/main">
   <p:cSld>
     <p:spTree>
@@ -18018,7 +17907,7 @@
 </p:sld>
 </file>
 
-<file path=ppt/slides/slide48.xml><?xml version="1.0" encoding="utf-8"?>
+<file path=ppt/slides/slide46.xml><?xml version="1.0" encoding="utf-8"?>
 <p:sld xmlns:a="http://schemas.openxmlformats.org/drawingml/2006/main" xmlns:r="http://schemas.openxmlformats.org/officeDocument/2006/relationships" xmlns:p="http://schemas.openxmlformats.org/presentationml/2006/main">
   <p:cSld>
     <p:spTree>
@@ -18183,6 +18072,356 @@
     <p:extLst>
       <p:ext uri="{BB962C8B-B14F-4D97-AF65-F5344CB8AC3E}">
         <p14:creationId xmlns:p14="http://schemas.microsoft.com/office/powerpoint/2010/main" val="1502001609"/>
+      </p:ext>
+    </p:extLst>
+  </p:cSld>
+  <p:clrMapOvr>
+    <a:masterClrMapping/>
+  </p:clrMapOvr>
+</p:sld>
+</file>
+
+<file path=ppt/slides/slide47.xml><?xml version="1.0" encoding="utf-8"?>
+<p:sld xmlns:a="http://schemas.openxmlformats.org/drawingml/2006/main" xmlns:r="http://schemas.openxmlformats.org/officeDocument/2006/relationships" xmlns:p="http://schemas.openxmlformats.org/presentationml/2006/main">
+  <p:cSld>
+    <p:spTree>
+      <p:nvGrpSpPr>
+        <p:cNvPr id="1" name=""/>
+        <p:cNvGrpSpPr/>
+        <p:nvPr/>
+      </p:nvGrpSpPr>
+      <p:grpSpPr>
+        <a:xfrm>
+          <a:off x="0" y="0"/>
+          <a:ext cx="0" cy="0"/>
+          <a:chOff x="0" y="0"/>
+          <a:chExt cx="0" cy="0"/>
+        </a:xfrm>
+      </p:grpSpPr>
+      <p:sp>
+        <p:nvSpPr>
+          <p:cNvPr id="2" name="Title 1"/>
+          <p:cNvSpPr>
+            <a:spLocks noGrp="1"/>
+          </p:cNvSpPr>
+          <p:nvPr>
+            <p:ph type="title"/>
+          </p:nvPr>
+        </p:nvSpPr>
+        <p:spPr/>
+        <p:txBody>
+          <a:bodyPr/>
+          <a:lstStyle/>
+          <a:p>
+            <a:r>
+              <a:rPr lang="en-US" dirty="0"/>
+              <a:t>How to manage events in Java</a:t>
+            </a:r>
+          </a:p>
+        </p:txBody>
+      </p:sp>
+      <p:sp>
+        <p:nvSpPr>
+          <p:cNvPr id="3" name="Content Placeholder 2"/>
+          <p:cNvSpPr>
+            <a:spLocks noGrp="1"/>
+          </p:cNvSpPr>
+          <p:nvPr>
+            <p:ph idx="1"/>
+          </p:nvPr>
+        </p:nvSpPr>
+        <p:spPr/>
+        <p:txBody>
+          <a:bodyPr/>
+          <a:lstStyle/>
+          <a:p>
+            <a:r>
+              <a:rPr lang="en-US" dirty="0"/>
+              <a:t>Generally, </a:t>
+            </a:r>
+            <a:r>
+              <a:rPr lang="en-US" dirty="0" err="1"/>
+              <a:t>JComponents</a:t>
+            </a:r>
+            <a:r>
+              <a:rPr lang="en-US" dirty="0"/>
+              <a:t> can:</a:t>
+            </a:r>
+          </a:p>
+          <a:p>
+            <a:pPr marL="914400" lvl="1" indent="-514350">
+              <a:buFont typeface="+mj-lt"/>
+              <a:buAutoNum type="arabicPeriod"/>
+            </a:pPr>
+            <a:r>
+              <a:rPr lang="en-US" dirty="0"/>
+              <a:t>Handle events on their own</a:t>
+            </a:r>
+          </a:p>
+          <a:p>
+            <a:pPr lvl="2" indent="-342900"/>
+            <a:r>
+              <a:rPr lang="en-US" i="1" dirty="0"/>
+              <a:t>In case of large number of components</a:t>
+            </a:r>
+          </a:p>
+          <a:p>
+            <a:pPr marL="914400" lvl="1" indent="-514350">
+              <a:buFont typeface="+mj-lt"/>
+              <a:buAutoNum type="arabicPeriod"/>
+            </a:pPr>
+            <a:r>
+              <a:rPr lang="en-US" dirty="0"/>
+              <a:t>Delegate events to their container</a:t>
+            </a:r>
+          </a:p>
+          <a:p>
+            <a:pPr lvl="2" indent="-342900"/>
+            <a:r>
+              <a:rPr lang="en-US" i="1" dirty="0"/>
+              <a:t>In case of small/medium number of components</a:t>
+            </a:r>
+            <a:endParaRPr lang="en-US" dirty="0"/>
+          </a:p>
+          <a:p>
+            <a:pPr marL="914400" lvl="1" indent="-514350">
+              <a:buFont typeface="+mj-lt"/>
+              <a:buAutoNum type="arabicPeriod"/>
+            </a:pPr>
+            <a:r>
+              <a:rPr lang="en-US" dirty="0"/>
+              <a:t>Delegate events to external classes</a:t>
+            </a:r>
+          </a:p>
+          <a:p>
+            <a:pPr lvl="2" indent="-342900"/>
+            <a:r>
+              <a:rPr lang="en-US" i="1" dirty="0"/>
+              <a:t>Rarely used (produces unneeded classes)</a:t>
+            </a:r>
+          </a:p>
+          <a:p>
+            <a:pPr marL="1314450" lvl="2" indent="-514350"/>
+            <a:endParaRPr lang="en-US" dirty="0"/>
+          </a:p>
+        </p:txBody>
+      </p:sp>
+    </p:spTree>
+    <p:extLst>
+      <p:ext uri="{BB962C8B-B14F-4D97-AF65-F5344CB8AC3E}">
+        <p14:creationId xmlns:p14="http://schemas.microsoft.com/office/powerpoint/2010/main" val="3509767285"/>
+      </p:ext>
+    </p:extLst>
+  </p:cSld>
+  <p:clrMapOvr>
+    <a:masterClrMapping/>
+  </p:clrMapOvr>
+</p:sld>
+</file>
+
+<file path=ppt/slides/slide48.xml><?xml version="1.0" encoding="utf-8"?>
+<p:sld xmlns:a="http://schemas.openxmlformats.org/drawingml/2006/main" xmlns:r="http://schemas.openxmlformats.org/officeDocument/2006/relationships" xmlns:p="http://schemas.openxmlformats.org/presentationml/2006/main">
+  <p:cSld>
+    <p:spTree>
+      <p:nvGrpSpPr>
+        <p:cNvPr id="1" name=""/>
+        <p:cNvGrpSpPr/>
+        <p:nvPr/>
+      </p:nvGrpSpPr>
+      <p:grpSpPr>
+        <a:xfrm>
+          <a:off x="0" y="0"/>
+          <a:ext cx="0" cy="0"/>
+          <a:chOff x="0" y="0"/>
+          <a:chExt cx="0" cy="0"/>
+        </a:xfrm>
+      </p:grpSpPr>
+      <p:sp>
+        <p:nvSpPr>
+          <p:cNvPr id="2" name="Title 1"/>
+          <p:cNvSpPr>
+            <a:spLocks noGrp="1"/>
+          </p:cNvSpPr>
+          <p:nvPr>
+            <p:ph type="title"/>
+          </p:nvPr>
+        </p:nvSpPr>
+        <p:spPr/>
+        <p:txBody>
+          <a:bodyPr/>
+          <a:lstStyle/>
+          <a:p>
+            <a:r>
+              <a:rPr lang="en-US" dirty="0"/>
+              <a:t>Handle events on their own</a:t>
+            </a:r>
+          </a:p>
+        </p:txBody>
+      </p:sp>
+      <p:sp>
+        <p:nvSpPr>
+          <p:cNvPr id="3" name="Content Placeholder 2"/>
+          <p:cNvSpPr>
+            <a:spLocks noGrp="1"/>
+          </p:cNvSpPr>
+          <p:nvPr>
+            <p:ph idx="1"/>
+          </p:nvPr>
+        </p:nvSpPr>
+        <p:spPr/>
+        <p:txBody>
+          <a:bodyPr>
+            <a:noAutofit/>
+          </a:bodyPr>
+          <a:lstStyle/>
+          <a:p>
+            <a:pPr marL="0" indent="0">
+              <a:buNone/>
+            </a:pPr>
+            <a:r>
+              <a:rPr lang="en-US" sz="1600" dirty="0" err="1">
+                <a:latin typeface="Consolas"/>
+                <a:cs typeface="Consolas"/>
+              </a:rPr>
+              <a:t>JComponent</a:t>
+            </a:r>
+            <a:r>
+              <a:rPr lang="en-US" sz="1600" dirty="0">
+                <a:latin typeface="Consolas"/>
+                <a:cs typeface="Consolas"/>
+              </a:rPr>
+              <a:t> </a:t>
+            </a:r>
+            <a:r>
+              <a:rPr lang="en-US" sz="1600" dirty="0" err="1">
+                <a:latin typeface="Consolas"/>
+                <a:cs typeface="Consolas"/>
+              </a:rPr>
+              <a:t>sourceofEvents</a:t>
+            </a:r>
+            <a:r>
+              <a:rPr lang="en-US" sz="1600" dirty="0">
+                <a:latin typeface="Consolas"/>
+                <a:cs typeface="Consolas"/>
+              </a:rPr>
+              <a:t> = new </a:t>
+            </a:r>
+            <a:r>
+              <a:rPr lang="en-US" sz="1600" dirty="0" err="1">
+                <a:latin typeface="Consolas"/>
+                <a:cs typeface="Consolas"/>
+              </a:rPr>
+              <a:t>JComponent</a:t>
+            </a:r>
+            <a:r>
+              <a:rPr lang="en-US" sz="1600" dirty="0">
+                <a:latin typeface="Consolas"/>
+                <a:cs typeface="Consolas"/>
+              </a:rPr>
+              <a:t>(); </a:t>
+            </a:r>
+          </a:p>
+          <a:p>
+            <a:pPr marL="0" indent="0">
+              <a:buNone/>
+            </a:pPr>
+            <a:r>
+              <a:rPr lang="en-US" sz="1600" dirty="0" err="1">
+                <a:latin typeface="Consolas"/>
+                <a:cs typeface="Consolas"/>
+              </a:rPr>
+              <a:t>sourceofEvents.addActionListener</a:t>
+            </a:r>
+            <a:r>
+              <a:rPr lang="en-US" sz="1600" dirty="0">
+                <a:latin typeface="Consolas"/>
+                <a:cs typeface="Consolas"/>
+              </a:rPr>
+              <a:t>(new ActionListener() {</a:t>
+            </a:r>
+          </a:p>
+          <a:p>
+            <a:pPr marL="0" indent="0">
+              <a:buNone/>
+            </a:pPr>
+            <a:r>
+              <a:rPr lang="en-US" sz="1600" dirty="0">
+                <a:latin typeface="Consolas"/>
+                <a:cs typeface="Consolas"/>
+              </a:rPr>
+              <a:t>	@Override</a:t>
+            </a:r>
+          </a:p>
+          <a:p>
+            <a:pPr marL="0" indent="0">
+              <a:buNone/>
+            </a:pPr>
+            <a:r>
+              <a:rPr lang="en-US" sz="1600" dirty="0">
+                <a:latin typeface="Consolas"/>
+                <a:cs typeface="Consolas"/>
+              </a:rPr>
+              <a:t>	public void </a:t>
+            </a:r>
+            <a:r>
+              <a:rPr lang="en-US" sz="1600" dirty="0" err="1">
+                <a:latin typeface="Consolas"/>
+                <a:cs typeface="Consolas"/>
+              </a:rPr>
+              <a:t>actionPerformed</a:t>
+            </a:r>
+            <a:r>
+              <a:rPr lang="en-US" sz="1600" dirty="0">
+                <a:latin typeface="Consolas"/>
+                <a:cs typeface="Consolas"/>
+              </a:rPr>
+              <a:t>(</a:t>
+            </a:r>
+            <a:r>
+              <a:rPr lang="en-US" sz="1600" dirty="0" err="1">
+                <a:latin typeface="Consolas"/>
+                <a:cs typeface="Consolas"/>
+              </a:rPr>
+              <a:t>ActionEvent</a:t>
+            </a:r>
+            <a:r>
+              <a:rPr lang="en-US" sz="1600" dirty="0">
+                <a:latin typeface="Consolas"/>
+                <a:cs typeface="Consolas"/>
+              </a:rPr>
+              <a:t> e) {</a:t>
+            </a:r>
+          </a:p>
+          <a:p>
+            <a:pPr marL="0" indent="0">
+              <a:buNone/>
+            </a:pPr>
+            <a:r>
+              <a:rPr lang="en-US" sz="1600" dirty="0">
+                <a:latin typeface="Consolas"/>
+                <a:cs typeface="Consolas"/>
+              </a:rPr>
+              <a:t>	// do something</a:t>
+            </a:r>
+          </a:p>
+          <a:p>
+            <a:pPr marL="0" indent="0">
+              <a:buNone/>
+            </a:pPr>
+            <a:r>
+              <a:rPr lang="en-US" sz="1600" dirty="0">
+                <a:latin typeface="Consolas"/>
+                <a:cs typeface="Consolas"/>
+              </a:rPr>
+              <a:t>}});</a:t>
+            </a:r>
+          </a:p>
+        </p:txBody>
+      </p:sp>
+    </p:spTree>
+    <p:extLst>
+      <p:ext uri="{BB962C8B-B14F-4D97-AF65-F5344CB8AC3E}">
+        <p14:creationId xmlns:p14="http://schemas.microsoft.com/office/powerpoint/2010/main" val="3331571600"/>
       </p:ext>
     </p:extLst>
   </p:cSld>
@@ -18221,12 +18460,14 @@
         </p:nvSpPr>
         <p:spPr/>
         <p:txBody>
-          <a:bodyPr/>
+          <a:bodyPr>
+            <a:normAutofit/>
+          </a:bodyPr>
           <a:lstStyle/>
           <a:p>
             <a:r>
               <a:rPr lang="en-US" dirty="0"/>
-              <a:t>How to manage events in Java</a:t>
+              <a:t>Delegate events to their container</a:t>
             </a:r>
           </a:p>
         </p:txBody>
@@ -18243,84 +18484,224 @@
         </p:nvSpPr>
         <p:spPr/>
         <p:txBody>
-          <a:bodyPr/>
+          <a:bodyPr>
+            <a:normAutofit/>
+          </a:bodyPr>
           <a:lstStyle/>
           <a:p>
-            <a:r>
-              <a:rPr lang="en-US" dirty="0"/>
-              <a:t>Generally, </a:t>
-            </a:r>
-            <a:r>
-              <a:rPr lang="en-US" dirty="0" err="1"/>
-              <a:t>JComponents</a:t>
-            </a:r>
-            <a:r>
-              <a:rPr lang="en-US" dirty="0"/>
-              <a:t> can:</a:t>
-            </a:r>
-          </a:p>
-          <a:p>
-            <a:pPr marL="914400" lvl="1" indent="-514350">
-              <a:buFont typeface="+mj-lt"/>
-              <a:buAutoNum type="arabicPeriod"/>
+            <a:pPr marL="0" indent="0">
+              <a:buNone/>
             </a:pPr>
             <a:r>
-              <a:rPr lang="en-US" dirty="0"/>
-              <a:t>Handle events on their own</a:t>
-            </a:r>
-          </a:p>
-          <a:p>
-            <a:pPr lvl="2" indent="-342900"/>
-            <a:r>
-              <a:rPr lang="en-US" i="1" dirty="0"/>
-              <a:t>In case of large number of components</a:t>
-            </a:r>
-          </a:p>
-          <a:p>
-            <a:pPr marL="914400" lvl="1" indent="-514350">
-              <a:buFont typeface="+mj-lt"/>
-              <a:buAutoNum type="arabicPeriod"/>
+              <a:rPr lang="en-US" sz="1600" dirty="0">
+                <a:latin typeface="Consolas"/>
+                <a:cs typeface="Consolas"/>
+              </a:rPr>
+              <a:t>class </a:t>
+            </a:r>
+            <a:r>
+              <a:rPr lang="en-US" sz="1600" dirty="0" err="1">
+                <a:latin typeface="Consolas"/>
+                <a:cs typeface="Consolas"/>
+              </a:rPr>
+              <a:t>FrameWithEvents</a:t>
+            </a:r>
+            <a:r>
+              <a:rPr lang="en-US" sz="1600" dirty="0">
+                <a:latin typeface="Consolas"/>
+                <a:cs typeface="Consolas"/>
+              </a:rPr>
+              <a:t> extends </a:t>
+            </a:r>
+            <a:r>
+              <a:rPr lang="en-US" sz="1600" dirty="0" err="1">
+                <a:latin typeface="Consolas"/>
+                <a:cs typeface="Consolas"/>
+              </a:rPr>
+              <a:t>JFrame</a:t>
+            </a:r>
+            <a:r>
+              <a:rPr lang="en-US" sz="1600" dirty="0">
+                <a:latin typeface="Consolas"/>
+                <a:cs typeface="Consolas"/>
+              </a:rPr>
+              <a:t> implements </a:t>
+            </a:r>
+            <a:r>
+              <a:rPr lang="en-US" sz="1600" dirty="0" err="1">
+                <a:latin typeface="Consolas"/>
+                <a:cs typeface="Consolas"/>
+              </a:rPr>
+              <a:t>InterfaceWithEvents</a:t>
+            </a:r>
+            <a:r>
+              <a:rPr lang="en-US" sz="1600" dirty="0">
+                <a:latin typeface="Consolas"/>
+                <a:cs typeface="Consolas"/>
+              </a:rPr>
+              <a:t> {</a:t>
+            </a:r>
+          </a:p>
+          <a:p>
+            <a:pPr marL="0" indent="0">
+              <a:buNone/>
             </a:pPr>
             <a:r>
-              <a:rPr lang="en-US" dirty="0"/>
-              <a:t>Delegate events to their container</a:t>
-            </a:r>
-          </a:p>
-          <a:p>
-            <a:pPr lvl="2" indent="-342900"/>
-            <a:r>
-              <a:rPr lang="en-US" i="1" dirty="0"/>
-              <a:t>In case of small/medium number of components</a:t>
-            </a:r>
-            <a:endParaRPr lang="en-US" dirty="0"/>
-          </a:p>
-          <a:p>
-            <a:pPr marL="914400" lvl="1" indent="-514350">
-              <a:buFont typeface="+mj-lt"/>
-              <a:buAutoNum type="arabicPeriod"/>
+              <a:rPr lang="en-US" sz="1600" dirty="0">
+                <a:latin typeface="Consolas"/>
+                <a:cs typeface="Consolas"/>
+              </a:rPr>
+              <a:t>	</a:t>
+            </a:r>
+            <a:r>
+              <a:rPr lang="en-US" sz="1600" dirty="0" err="1">
+                <a:latin typeface="Consolas"/>
+                <a:cs typeface="Consolas"/>
+              </a:rPr>
+              <a:t>JComponent</a:t>
+            </a:r>
+            <a:r>
+              <a:rPr lang="en-US" sz="1600" dirty="0">
+                <a:latin typeface="Consolas"/>
+                <a:cs typeface="Consolas"/>
+              </a:rPr>
+              <a:t> </a:t>
+            </a:r>
+            <a:r>
+              <a:rPr lang="en-US" sz="1600" dirty="0" err="1">
+                <a:latin typeface="Consolas"/>
+                <a:cs typeface="Consolas"/>
+              </a:rPr>
+              <a:t>sourceofEvents</a:t>
+            </a:r>
+            <a:r>
+              <a:rPr lang="en-US" sz="1600" dirty="0">
+                <a:latin typeface="Consolas"/>
+                <a:cs typeface="Consolas"/>
+              </a:rPr>
+              <a:t> = new </a:t>
+            </a:r>
+            <a:r>
+              <a:rPr lang="en-US" sz="1600" dirty="0" err="1">
+                <a:latin typeface="Consolas"/>
+                <a:cs typeface="Consolas"/>
+              </a:rPr>
+              <a:t>JComponent</a:t>
+            </a:r>
+            <a:r>
+              <a:rPr lang="en-US" sz="1600" dirty="0">
+                <a:latin typeface="Consolas"/>
+                <a:cs typeface="Consolas"/>
+              </a:rPr>
+              <a:t>();</a:t>
+            </a:r>
+          </a:p>
+          <a:p>
+            <a:pPr marL="0" indent="0">
+              <a:buNone/>
             </a:pPr>
             <a:r>
-              <a:rPr lang="en-US" dirty="0"/>
-              <a:t>Delegate events to external classes</a:t>
-            </a:r>
-          </a:p>
-          <a:p>
-            <a:pPr lvl="2" indent="-342900"/>
-            <a:r>
-              <a:rPr lang="en-US" i="1" dirty="0"/>
-              <a:t>Rarely used (produces unneeded classes)</a:t>
-            </a:r>
-          </a:p>
-          <a:p>
-            <a:pPr marL="1314450" lvl="2" indent="-514350"/>
-            <a:endParaRPr lang="en-US" dirty="0"/>
+              <a:rPr lang="en-US" sz="1600" dirty="0">
+                <a:latin typeface="Consolas"/>
+                <a:cs typeface="Consolas"/>
+              </a:rPr>
+              <a:t>	</a:t>
+            </a:r>
+            <a:r>
+              <a:rPr lang="en-US" sz="1600" dirty="0" err="1">
+                <a:latin typeface="Consolas"/>
+                <a:cs typeface="Consolas"/>
+              </a:rPr>
+              <a:t>sourceOfEvents.addListener</a:t>
+            </a:r>
+            <a:r>
+              <a:rPr lang="en-US" sz="1600" dirty="0">
+                <a:latin typeface="Consolas"/>
+                <a:cs typeface="Consolas"/>
+              </a:rPr>
+              <a:t>(this);</a:t>
+            </a:r>
+          </a:p>
+          <a:p>
+            <a:pPr marL="0" indent="0">
+              <a:buNone/>
+            </a:pPr>
+            <a:r>
+              <a:rPr lang="en-US" sz="1600" dirty="0">
+                <a:latin typeface="Consolas"/>
+                <a:cs typeface="Consolas"/>
+              </a:rPr>
+              <a:t>	</a:t>
+            </a:r>
+          </a:p>
+          <a:p>
+            <a:pPr marL="0" indent="0">
+              <a:buNone/>
+            </a:pPr>
+            <a:r>
+              <a:rPr lang="en-US" sz="1600" dirty="0">
+                <a:latin typeface="Consolas"/>
+                <a:cs typeface="Consolas"/>
+              </a:rPr>
+              <a:t>	void method1OfTheInterfaceWithEvents() {...}</a:t>
+            </a:r>
+          </a:p>
+          <a:p>
+            <a:pPr marL="0" indent="0">
+              <a:buNone/>
+            </a:pPr>
+            <a:r>
+              <a:rPr lang="en-US" sz="1600" dirty="0">
+                <a:latin typeface="Consolas"/>
+                <a:cs typeface="Consolas"/>
+              </a:rPr>
+              <a:t>	void method2OfTheInterfaceWithEvents() {...}</a:t>
+            </a:r>
+          </a:p>
+          <a:p>
+            <a:pPr marL="0" indent="0">
+              <a:buNone/>
+            </a:pPr>
+            <a:r>
+              <a:rPr lang="en-US" sz="1600" dirty="0">
+                <a:latin typeface="Consolas"/>
+                <a:cs typeface="Consolas"/>
+              </a:rPr>
+              <a:t>	void </a:t>
+            </a:r>
+            <a:r>
+              <a:rPr lang="en-US" sz="1600" dirty="0" err="1">
+                <a:latin typeface="Consolas"/>
+                <a:cs typeface="Consolas"/>
+              </a:rPr>
+              <a:t>methodnOfTheInterfaceWithEvents</a:t>
+            </a:r>
+            <a:r>
+              <a:rPr lang="en-US" sz="1600" dirty="0">
+                <a:latin typeface="Consolas"/>
+                <a:cs typeface="Consolas"/>
+              </a:rPr>
+              <a:t>() {...}</a:t>
+            </a:r>
+          </a:p>
+          <a:p>
+            <a:pPr marL="0" indent="0">
+              <a:buNone/>
+            </a:pPr>
+            <a:r>
+              <a:rPr lang="en-US" sz="1600" dirty="0">
+                <a:latin typeface="Consolas"/>
+                <a:cs typeface="Consolas"/>
+              </a:rPr>
+              <a:t>}</a:t>
+            </a:r>
           </a:p>
         </p:txBody>
       </p:sp>
     </p:spTree>
     <p:extLst>
       <p:ext uri="{BB962C8B-B14F-4D97-AF65-F5344CB8AC3E}">
-        <p14:creationId xmlns:p14="http://schemas.microsoft.com/office/powerpoint/2010/main" val="3509767285"/>
+        <p14:creationId xmlns:p14="http://schemas.microsoft.com/office/powerpoint/2010/main" val="2031253369"/>
       </p:ext>
     </p:extLst>
   </p:cSld>
@@ -18441,12 +18822,14 @@
         </p:nvSpPr>
         <p:spPr/>
         <p:txBody>
-          <a:bodyPr/>
+          <a:bodyPr>
+            <a:normAutofit/>
+          </a:bodyPr>
           <a:lstStyle/>
           <a:p>
             <a:r>
               <a:rPr lang="en-US" dirty="0"/>
-              <a:t>Handle events on their own</a:t>
+              <a:t>Delegate events to external classes</a:t>
             </a:r>
           </a:p>
         </p:txBody>
@@ -18468,50 +18851,177 @@
           </a:bodyPr>
           <a:lstStyle/>
           <a:p>
+            <a:pPr marL="0" lvl="1" indent="0">
+              <a:buNone/>
+            </a:pPr>
+            <a:r>
+              <a:rPr lang="en-US" sz="1800" dirty="0">
+                <a:latin typeface="Consolas"/>
+                <a:cs typeface="Consolas"/>
+              </a:rPr>
+              <a:t>class </a:t>
+            </a:r>
+            <a:r>
+              <a:rPr lang="en-US" sz="1800" dirty="0" err="1">
+                <a:latin typeface="Consolas"/>
+                <a:cs typeface="Consolas"/>
+              </a:rPr>
+              <a:t>MyListener</a:t>
+            </a:r>
+            <a:r>
+              <a:rPr lang="en-US" sz="1800" dirty="0">
+                <a:latin typeface="Consolas"/>
+                <a:cs typeface="Consolas"/>
+              </a:rPr>
+              <a:t> implements </a:t>
+            </a:r>
+            <a:r>
+              <a:rPr lang="en-US" sz="1800" dirty="0" err="1">
+                <a:latin typeface="Consolas"/>
+                <a:cs typeface="Consolas"/>
+              </a:rPr>
+              <a:t>InterfaceWithEvents</a:t>
+            </a:r>
+            <a:r>
+              <a:rPr lang="en-US" sz="1800" dirty="0">
+                <a:latin typeface="Consolas"/>
+                <a:cs typeface="Consolas"/>
+              </a:rPr>
+              <a:t> {</a:t>
+            </a:r>
+          </a:p>
+          <a:p>
             <a:pPr marL="0" indent="0">
               <a:buNone/>
             </a:pPr>
             <a:r>
-              <a:rPr lang="en-US" sz="1600" dirty="0" err="1">
+              <a:rPr lang="en-US" sz="1800" dirty="0">
+                <a:latin typeface="Consolas"/>
+                <a:cs typeface="Consolas"/>
+              </a:rPr>
+              <a:t>	void method1OfTheInterfaceWithEvents() {...}</a:t>
+            </a:r>
+          </a:p>
+          <a:p>
+            <a:pPr marL="0" indent="0">
+              <a:buNone/>
+            </a:pPr>
+            <a:r>
+              <a:rPr lang="en-US" sz="1800" dirty="0">
+                <a:latin typeface="Consolas"/>
+                <a:cs typeface="Consolas"/>
+              </a:rPr>
+              <a:t>	void method2OfTheInterfaceWithEvents() {...}</a:t>
+            </a:r>
+          </a:p>
+          <a:p>
+            <a:pPr marL="0" indent="0">
+              <a:buNone/>
+            </a:pPr>
+            <a:r>
+              <a:rPr lang="en-US" sz="1800" dirty="0">
+                <a:latin typeface="Consolas"/>
+                <a:cs typeface="Consolas"/>
+              </a:rPr>
+              <a:t>} //end class</a:t>
+            </a:r>
+          </a:p>
+          <a:p>
+            <a:pPr marL="0" lvl="1" indent="0">
+              <a:buNone/>
+            </a:pPr>
+            <a:endParaRPr lang="en-US" sz="1800" dirty="0">
+              <a:latin typeface="Consolas"/>
+              <a:cs typeface="Consolas"/>
+            </a:endParaRPr>
+          </a:p>
+          <a:p>
+            <a:pPr marL="0" lvl="1" indent="0">
+              <a:buNone/>
+            </a:pPr>
+            <a:endParaRPr lang="en-US" sz="1800" dirty="0">
+              <a:latin typeface="Consolas"/>
+              <a:cs typeface="Consolas"/>
+            </a:endParaRPr>
+          </a:p>
+          <a:p>
+            <a:pPr marL="0" indent="0">
+              <a:buNone/>
+            </a:pPr>
+            <a:r>
+              <a:rPr lang="en-US" sz="1800" dirty="0">
+                <a:latin typeface="Consolas"/>
+                <a:cs typeface="Consolas"/>
+              </a:rPr>
+              <a:t>class Frame extends </a:t>
+            </a:r>
+            <a:r>
+              <a:rPr lang="en-US" sz="1800" dirty="0" err="1">
+                <a:latin typeface="Consolas"/>
+                <a:cs typeface="Consolas"/>
+              </a:rPr>
+              <a:t>JFrame</a:t>
+            </a:r>
+            <a:r>
+              <a:rPr lang="en-US" sz="1800" dirty="0">
+                <a:latin typeface="Consolas"/>
+                <a:cs typeface="Consolas"/>
+              </a:rPr>
+              <a:t> {</a:t>
+            </a:r>
+          </a:p>
+          <a:p>
+            <a:pPr marL="0" indent="0">
+              <a:buNone/>
+            </a:pPr>
+            <a:r>
+              <a:rPr lang="en-US" sz="1800" dirty="0">
+                <a:latin typeface="Consolas"/>
+                <a:cs typeface="Consolas"/>
+              </a:rPr>
+              <a:t>	</a:t>
+            </a:r>
+            <a:r>
+              <a:rPr lang="en-US" sz="1800" dirty="0" err="1">
                 <a:latin typeface="Consolas"/>
                 <a:cs typeface="Consolas"/>
               </a:rPr>
               <a:t>JComponent</a:t>
             </a:r>
             <a:r>
-              <a:rPr lang="en-US" sz="1600" dirty="0">
+              <a:rPr lang="en-US" sz="1800" dirty="0">
                 <a:latin typeface="Consolas"/>
                 <a:cs typeface="Consolas"/>
               </a:rPr>
               <a:t> </a:t>
             </a:r>
             <a:r>
-              <a:rPr lang="en-US" sz="1600" dirty="0" err="1">
+              <a:rPr lang="en-US" sz="1800" dirty="0" err="1">
                 <a:latin typeface="Consolas"/>
                 <a:cs typeface="Consolas"/>
               </a:rPr>
               <a:t>sourceofEvents</a:t>
             </a:r>
             <a:r>
-              <a:rPr lang="en-US" sz="1600" dirty="0">
+              <a:rPr lang="en-US" sz="1800" dirty="0">
                 <a:latin typeface="Consolas"/>
                 <a:cs typeface="Consolas"/>
               </a:rPr>
               <a:t> = new </a:t>
             </a:r>
             <a:r>
-              <a:rPr lang="en-US" sz="1600" dirty="0" err="1">
+              <a:rPr lang="en-US" sz="1800" dirty="0" err="1">
                 <a:latin typeface="Consolas"/>
                 <a:cs typeface="Consolas"/>
               </a:rPr>
               <a:t>JComponent</a:t>
             </a:r>
             <a:r>
-              <a:rPr lang="en-US" sz="1600" dirty="0">
-                <a:latin typeface="Consolas"/>
-                <a:cs typeface="Consolas"/>
-              </a:rPr>
-              <a:t>(); </a:t>
+              <a:rPr lang="en-US" sz="1800" dirty="0">
+                <a:latin typeface="Consolas"/>
+                <a:cs typeface="Consolas"/>
+              </a:rPr>
+              <a:t>();</a:t>
             </a:r>
           </a:p>
           <a:p>
@@ -18519,18 +19029,39 @@
               <a:buNone/>
             </a:pPr>
             <a:r>
-              <a:rPr lang="en-US" sz="1600" dirty="0" err="1">
-                <a:latin typeface="Consolas"/>
-                <a:cs typeface="Consolas"/>
-              </a:rPr>
-              <a:t>sourceofEvents.addActionListener</a:t>
-            </a:r>
-            <a:r>
-              <a:rPr lang="en-US" sz="1600" dirty="0">
-                <a:latin typeface="Consolas"/>
-                <a:cs typeface="Consolas"/>
-              </a:rPr>
-              <a:t>(new ActionListener() {</a:t>
+              <a:rPr lang="en-US" sz="1800" dirty="0">
+                <a:latin typeface="Consolas"/>
+                <a:cs typeface="Consolas"/>
+              </a:rPr>
+              <a:t>	</a:t>
+            </a:r>
+            <a:r>
+              <a:rPr lang="en-US" sz="1800" dirty="0" err="1">
+                <a:latin typeface="Consolas"/>
+                <a:cs typeface="Consolas"/>
+              </a:rPr>
+              <a:t>sourceOfEvents.addListener</a:t>
+            </a:r>
+            <a:r>
+              <a:rPr lang="en-US" sz="1800" dirty="0">
+                <a:latin typeface="Consolas"/>
+                <a:cs typeface="Consolas"/>
+              </a:rPr>
+              <a:t>(new </a:t>
+            </a:r>
+            <a:r>
+              <a:rPr lang="en-US" sz="1800" dirty="0" err="1">
+                <a:latin typeface="Consolas"/>
+                <a:cs typeface="Consolas"/>
+              </a:rPr>
+              <a:t>MyListener</a:t>
+            </a:r>
+            <a:r>
+              <a:rPr lang="en-US" sz="1800" dirty="0">
+                <a:latin typeface="Consolas"/>
+                <a:cs typeface="Consolas"/>
+              </a:rPr>
+              <a:t>());</a:t>
             </a:r>
           </a:p>
           <a:p>
@@ -18538,75 +19069,11 @@
               <a:buNone/>
             </a:pPr>
             <a:r>
-              <a:rPr lang="en-US" sz="1600" dirty="0">
-                <a:latin typeface="Consolas"/>
-                <a:cs typeface="Consolas"/>
-              </a:rPr>
-              <a:t>	@Override</a:t>
-            </a:r>
-          </a:p>
-          <a:p>
-            <a:pPr marL="0" indent="0">
-              <a:buNone/>
-            </a:pPr>
-            <a:r>
-              <a:rPr lang="en-US" sz="1600" dirty="0">
-                <a:latin typeface="Consolas"/>
-                <a:cs typeface="Consolas"/>
-              </a:rPr>
-              <a:t>	public void </a:t>
-            </a:r>
-            <a:r>
-              <a:rPr lang="en-US" sz="1600" dirty="0" err="1">
-                <a:latin typeface="Consolas"/>
-                <a:cs typeface="Consolas"/>
-              </a:rPr>
-              <a:t>actionPerformed</a:t>
-            </a:r>
-            <a:r>
-              <a:rPr lang="en-US" sz="1600" dirty="0">
-                <a:latin typeface="Consolas"/>
-                <a:cs typeface="Consolas"/>
-              </a:rPr>
-              <a:t>(</a:t>
-            </a:r>
-            <a:r>
-              <a:rPr lang="en-US" sz="1600" dirty="0" err="1">
-                <a:latin typeface="Consolas"/>
-                <a:cs typeface="Consolas"/>
-              </a:rPr>
-              <a:t>ActionEvent</a:t>
-            </a:r>
-            <a:r>
-              <a:rPr lang="en-US" sz="1600" dirty="0">
-                <a:latin typeface="Consolas"/>
-                <a:cs typeface="Consolas"/>
-              </a:rPr>
-              <a:t> e) {</a:t>
-            </a:r>
-          </a:p>
-          <a:p>
-            <a:pPr marL="0" indent="0">
-              <a:buNone/>
-            </a:pPr>
-            <a:r>
-              <a:rPr lang="en-US" sz="1600" dirty="0">
-                <a:latin typeface="Consolas"/>
-                <a:cs typeface="Consolas"/>
-              </a:rPr>
-              <a:t>	// do something</a:t>
-            </a:r>
-          </a:p>
-          <a:p>
-            <a:pPr marL="0" indent="0">
-              <a:buNone/>
-            </a:pPr>
-            <a:r>
-              <a:rPr lang="en-US" sz="1600" dirty="0">
-                <a:latin typeface="Consolas"/>
-                <a:cs typeface="Consolas"/>
-              </a:rPr>
-              <a:t>}});</a:t>
+              <a:rPr lang="en-US" sz="1800" dirty="0">
+                <a:latin typeface="Consolas"/>
+                <a:cs typeface="Consolas"/>
+              </a:rPr>
+              <a:t>} //end class</a:t>
             </a:r>
           </a:p>
         </p:txBody>
@@ -18614,7 +19081,7 @@
     </p:spTree>
     <p:extLst>
       <p:ext uri="{BB962C8B-B14F-4D97-AF65-F5344CB8AC3E}">
-        <p14:creationId xmlns:p14="http://schemas.microsoft.com/office/powerpoint/2010/main" val="3331571600"/>
+        <p14:creationId xmlns:p14="http://schemas.microsoft.com/office/powerpoint/2010/main" val="1741930064"/>
       </p:ext>
     </p:extLst>
   </p:cSld>
@@ -18653,14 +19120,12 @@
         </p:nvSpPr>
         <p:spPr/>
         <p:txBody>
-          <a:bodyPr>
-            <a:normAutofit/>
-          </a:bodyPr>
+          <a:bodyPr/>
           <a:lstStyle/>
           <a:p>
             <a:r>
               <a:rPr lang="en-US" dirty="0"/>
-              <a:t>Delegate events to their container</a:t>
+              <a:t>Dealing with multiple sources</a:t>
             </a:r>
           </a:p>
         </p:txBody>
@@ -18682,211 +19147,162 @@
           </a:bodyPr>
           <a:lstStyle/>
           <a:p>
-            <a:pPr marL="0" indent="0">
-              <a:buNone/>
-            </a:pPr>
-            <a:r>
-              <a:rPr lang="en-US" sz="1600" dirty="0">
-                <a:latin typeface="Consolas"/>
-                <a:cs typeface="Consolas"/>
-              </a:rPr>
-              <a:t>class </a:t>
-            </a:r>
-            <a:r>
-              <a:rPr lang="en-US" sz="1600" dirty="0" err="1">
-                <a:latin typeface="Consolas"/>
-                <a:cs typeface="Consolas"/>
-              </a:rPr>
-              <a:t>FrameWithEvents</a:t>
-            </a:r>
-            <a:r>
-              <a:rPr lang="en-US" sz="1600" dirty="0">
-                <a:latin typeface="Consolas"/>
-                <a:cs typeface="Consolas"/>
-              </a:rPr>
-              <a:t> extends </a:t>
-            </a:r>
-            <a:r>
-              <a:rPr lang="en-US" sz="1600" dirty="0" err="1">
-                <a:latin typeface="Consolas"/>
-                <a:cs typeface="Consolas"/>
-              </a:rPr>
-              <a:t>JFrame</a:t>
-            </a:r>
-            <a:r>
-              <a:rPr lang="en-US" sz="1600" dirty="0">
-                <a:latin typeface="Consolas"/>
-                <a:cs typeface="Consolas"/>
-              </a:rPr>
-              <a:t> implements </a:t>
-            </a:r>
-            <a:r>
-              <a:rPr lang="en-US" sz="1600" dirty="0" err="1">
-                <a:latin typeface="Consolas"/>
-                <a:cs typeface="Consolas"/>
-              </a:rPr>
-              <a:t>InterfaceWithEvents</a:t>
-            </a:r>
-            <a:r>
-              <a:rPr lang="en-US" sz="1600" dirty="0">
-                <a:latin typeface="Consolas"/>
-                <a:cs typeface="Consolas"/>
-              </a:rPr>
-              <a:t> {</a:t>
-            </a:r>
-          </a:p>
-          <a:p>
-            <a:pPr marL="0" indent="0">
-              <a:buNone/>
-            </a:pPr>
-            <a:r>
-              <a:rPr lang="en-US" sz="1600" dirty="0">
-                <a:latin typeface="Consolas"/>
-                <a:cs typeface="Consolas"/>
-              </a:rPr>
-              <a:t>	</a:t>
-            </a:r>
-            <a:r>
-              <a:rPr lang="en-US" sz="1600" dirty="0" err="1">
-                <a:latin typeface="Consolas"/>
-                <a:cs typeface="Consolas"/>
-              </a:rPr>
-              <a:t>JComponent</a:t>
-            </a:r>
-            <a:r>
-              <a:rPr lang="en-US" sz="1600" dirty="0">
-                <a:latin typeface="Consolas"/>
-                <a:cs typeface="Consolas"/>
-              </a:rPr>
-              <a:t> </a:t>
-            </a:r>
-            <a:r>
-              <a:rPr lang="en-US" sz="1600" dirty="0" err="1">
-                <a:latin typeface="Consolas"/>
-                <a:cs typeface="Consolas"/>
-              </a:rPr>
-              <a:t>sourceofEvents</a:t>
-            </a:r>
-            <a:r>
-              <a:rPr lang="en-US" sz="1600" dirty="0">
-                <a:latin typeface="Consolas"/>
-                <a:cs typeface="Consolas"/>
-              </a:rPr>
-              <a:t> = new </a:t>
-            </a:r>
-            <a:r>
-              <a:rPr lang="en-US" sz="1600" dirty="0" err="1">
-                <a:latin typeface="Consolas"/>
-                <a:cs typeface="Consolas"/>
-              </a:rPr>
-              <a:t>JComponent</a:t>
-            </a:r>
-            <a:r>
-              <a:rPr lang="en-US" sz="1600" dirty="0">
-                <a:latin typeface="Consolas"/>
-                <a:cs typeface="Consolas"/>
-              </a:rPr>
-              <a:t>();</a:t>
-            </a:r>
-          </a:p>
-          <a:p>
-            <a:pPr marL="0" indent="0">
-              <a:buNone/>
-            </a:pPr>
-            <a:r>
-              <a:rPr lang="en-US" sz="1600" dirty="0">
-                <a:latin typeface="Consolas"/>
-                <a:cs typeface="Consolas"/>
-              </a:rPr>
-              <a:t>	</a:t>
-            </a:r>
-            <a:r>
-              <a:rPr lang="en-US" sz="1600" dirty="0" err="1">
-                <a:latin typeface="Consolas"/>
-                <a:cs typeface="Consolas"/>
-              </a:rPr>
-              <a:t>sourceOfEvents.addListener</a:t>
-            </a:r>
-            <a:r>
-              <a:rPr lang="en-US" sz="1600" dirty="0">
-                <a:latin typeface="Consolas"/>
-                <a:cs typeface="Consolas"/>
-              </a:rPr>
-              <a:t>(this);</a:t>
-            </a:r>
-          </a:p>
-          <a:p>
-            <a:pPr marL="0" indent="0">
-              <a:buNone/>
-            </a:pPr>
-            <a:r>
-              <a:rPr lang="en-US" sz="1600" dirty="0">
-                <a:latin typeface="Consolas"/>
-                <a:cs typeface="Consolas"/>
-              </a:rPr>
-              <a:t>	</a:t>
-            </a:r>
-          </a:p>
-          <a:p>
-            <a:pPr marL="0" indent="0">
-              <a:buNone/>
-            </a:pPr>
-            <a:r>
-              <a:rPr lang="en-US" sz="1600" dirty="0">
-                <a:latin typeface="Consolas"/>
-                <a:cs typeface="Consolas"/>
-              </a:rPr>
-              <a:t>	void method1OfTheInterfaceWithEvents() {...}</a:t>
-            </a:r>
-          </a:p>
-          <a:p>
-            <a:pPr marL="0" indent="0">
-              <a:buNone/>
-            </a:pPr>
-            <a:r>
-              <a:rPr lang="en-US" sz="1600" dirty="0">
-                <a:latin typeface="Consolas"/>
-                <a:cs typeface="Consolas"/>
-              </a:rPr>
-              <a:t>	void method2OfTheInterfaceWithEvents() {...}</a:t>
-            </a:r>
-          </a:p>
-          <a:p>
-            <a:pPr marL="0" indent="0">
-              <a:buNone/>
-            </a:pPr>
-            <a:r>
-              <a:rPr lang="en-US" sz="1600" dirty="0">
-                <a:latin typeface="Consolas"/>
-                <a:cs typeface="Consolas"/>
-              </a:rPr>
-              <a:t>	void </a:t>
-            </a:r>
-            <a:r>
-              <a:rPr lang="en-US" sz="1600" dirty="0" err="1">
-                <a:latin typeface="Consolas"/>
-                <a:cs typeface="Consolas"/>
-              </a:rPr>
-              <a:t>methodnOfTheInterfaceWithEvents</a:t>
-            </a:r>
-            <a:r>
-              <a:rPr lang="en-US" sz="1600" dirty="0">
-                <a:latin typeface="Consolas"/>
-                <a:cs typeface="Consolas"/>
-              </a:rPr>
-              <a:t>() {...}</a:t>
-            </a:r>
-          </a:p>
-          <a:p>
-            <a:pPr marL="0" indent="0">
-              <a:buNone/>
-            </a:pPr>
-            <a:r>
-              <a:rPr lang="en-US" sz="1600" dirty="0">
-                <a:latin typeface="Consolas"/>
-                <a:cs typeface="Consolas"/>
-              </a:rPr>
-              <a:t>}</a:t>
+            <a:r>
+              <a:rPr lang="en-US" sz="2400" dirty="0"/>
+              <a:t>Whenever </a:t>
+            </a:r>
+            <a:r>
+              <a:rPr lang="en-US" sz="2400" dirty="0">
+                <a:solidFill>
+                  <a:schemeClr val="accent6">
+                    <a:lumMod val="75000"/>
+                  </a:schemeClr>
+                </a:solidFill>
+              </a:rPr>
+              <a:t>multiple components register to the same listener </a:t>
+            </a:r>
+            <a:r>
+              <a:rPr lang="en-US" sz="2400" dirty="0"/>
+              <a:t>(e.g., a group of buttons send events to the same </a:t>
+            </a:r>
+            <a:r>
+              <a:rPr lang="en-US" sz="2400" dirty="0" err="1"/>
+              <a:t>Jframe</a:t>
+            </a:r>
+            <a:r>
+              <a:rPr lang="en-US" sz="2400" dirty="0"/>
+              <a:t>), a mechanism for recognizing the actual source of each event is needed.</a:t>
+            </a:r>
+          </a:p>
+          <a:p>
+            <a:r>
+              <a:rPr lang="en-US" sz="2400" dirty="0" err="1">
+                <a:solidFill>
+                  <a:schemeClr val="accent6">
+                    <a:lumMod val="75000"/>
+                  </a:schemeClr>
+                </a:solidFill>
+              </a:rPr>
+              <a:t>getSource</a:t>
+            </a:r>
+            <a:r>
+              <a:rPr lang="en-US" sz="2400" dirty="0">
+                <a:solidFill>
+                  <a:schemeClr val="accent6">
+                    <a:lumMod val="75000"/>
+                  </a:schemeClr>
+                </a:solidFill>
+              </a:rPr>
+              <a:t>() </a:t>
+            </a:r>
+            <a:r>
+              <a:rPr lang="en-US" sz="2400" dirty="0"/>
+              <a:t>and object references</a:t>
+            </a:r>
+          </a:p>
+          <a:p>
+            <a:pPr lvl="1"/>
+            <a:r>
+              <a:rPr lang="en-US" sz="2000" dirty="0"/>
+              <a:t>if (</a:t>
+            </a:r>
+            <a:r>
+              <a:rPr lang="en-US" sz="2000" dirty="0" err="1"/>
+              <a:t>e.getSource</a:t>
+            </a:r>
+            <a:r>
+              <a:rPr lang="en-US" sz="2000" dirty="0"/>
+              <a:t>() == </a:t>
+            </a:r>
+            <a:r>
+              <a:rPr lang="en-US" sz="2000" dirty="0" err="1"/>
+              <a:t>buttonSelfDestruction</a:t>
+            </a:r>
+            <a:r>
+              <a:rPr lang="en-US" sz="2000" dirty="0"/>
+              <a:t> ) {}</a:t>
+            </a:r>
+          </a:p>
+          <a:p>
+            <a:endParaRPr lang="en-US" sz="2400" dirty="0"/>
+          </a:p>
+          <a:p>
+            <a:r>
+              <a:rPr lang="en-US" sz="2400" dirty="0" err="1">
+                <a:solidFill>
+                  <a:schemeClr val="accent6">
+                    <a:lumMod val="75000"/>
+                  </a:schemeClr>
+                </a:solidFill>
+              </a:rPr>
+              <a:t>getActionCommand</a:t>
+            </a:r>
+            <a:r>
+              <a:rPr lang="en-US" sz="2400" dirty="0">
+                <a:solidFill>
+                  <a:schemeClr val="accent6">
+                    <a:lumMod val="75000"/>
+                  </a:schemeClr>
+                </a:solidFill>
+              </a:rPr>
+              <a:t>() </a:t>
+            </a:r>
+            <a:r>
+              <a:rPr lang="en-US" sz="2400" dirty="0"/>
+              <a:t>and strings</a:t>
+            </a:r>
+          </a:p>
+          <a:p>
+            <a:pPr lvl="1"/>
+            <a:r>
+              <a:rPr lang="en-US" sz="2000" dirty="0"/>
+              <a:t>If (</a:t>
+            </a:r>
+            <a:r>
+              <a:rPr lang="en-US" sz="2000" dirty="0" err="1"/>
+              <a:t>e.getActionCommand</a:t>
+            </a:r>
+            <a:r>
+              <a:rPr lang="en-US" sz="2000" dirty="0"/>
+              <a:t>() == “destroy”) {}</a:t>
+            </a:r>
+          </a:p>
+          <a:p>
+            <a:endParaRPr lang="en-US" sz="2400" dirty="0"/>
+          </a:p>
+          <a:p>
+            <a:r>
+              <a:rPr lang="en-US" sz="2400" dirty="0">
+                <a:solidFill>
+                  <a:schemeClr val="accent6">
+                    <a:lumMod val="75000"/>
+                  </a:schemeClr>
+                </a:solidFill>
+              </a:rPr>
+              <a:t>Event classes</a:t>
+            </a:r>
+          </a:p>
+          <a:p>
+            <a:pPr lvl="1"/>
+            <a:r>
+              <a:rPr lang="en-US" sz="2000" dirty="0"/>
+              <a:t>If (e </a:t>
+            </a:r>
+            <a:r>
+              <a:rPr lang="en-US" sz="2000" dirty="0" err="1"/>
+              <a:t>instanceof</a:t>
+            </a:r>
+            <a:r>
+              <a:rPr lang="en-US" sz="2000" dirty="0"/>
+              <a:t>(</a:t>
+            </a:r>
+            <a:r>
+              <a:rPr lang="en-US" sz="2000" dirty="0" err="1"/>
+              <a:t>KeyEvent</a:t>
+            </a:r>
+            <a:r>
+              <a:rPr lang="en-US" sz="2000" dirty="0"/>
+              <a:t>)) {}</a:t>
             </a:r>
           </a:p>
         </p:txBody>
@@ -18894,7 +19310,7 @@
     </p:spTree>
     <p:extLst>
       <p:ext uri="{BB962C8B-B14F-4D97-AF65-F5344CB8AC3E}">
-        <p14:creationId xmlns:p14="http://schemas.microsoft.com/office/powerpoint/2010/main" val="2031253369"/>
+        <p14:creationId xmlns:p14="http://schemas.microsoft.com/office/powerpoint/2010/main" val="2684022002"/>
       </p:ext>
     </p:extLst>
   </p:cSld>
@@ -18933,14 +19349,12 @@
         </p:nvSpPr>
         <p:spPr/>
         <p:txBody>
-          <a:bodyPr>
-            <a:normAutofit/>
-          </a:bodyPr>
+          <a:bodyPr/>
           <a:lstStyle/>
           <a:p>
             <a:r>
               <a:rPr lang="en-US" dirty="0"/>
-              <a:t>Delegate events to external classes</a:t>
+              <a:t>Event Interfaces</a:t>
             </a:r>
           </a:p>
         </p:txBody>
@@ -18958,233 +19372,179 @@
         <p:spPr/>
         <p:txBody>
           <a:bodyPr>
-            <a:noAutofit/>
+            <a:normAutofit/>
           </a:bodyPr>
           <a:lstStyle/>
           <a:p>
-            <a:pPr marL="0" lvl="1" indent="0">
-              <a:buNone/>
-            </a:pPr>
-            <a:r>
-              <a:rPr lang="en-US" sz="1800" dirty="0">
-                <a:latin typeface="Consolas"/>
-                <a:cs typeface="Consolas"/>
-              </a:rPr>
-              <a:t>class </a:t>
-            </a:r>
-            <a:r>
-              <a:rPr lang="en-US" sz="1800" dirty="0" err="1">
-                <a:latin typeface="Consolas"/>
-                <a:cs typeface="Consolas"/>
-              </a:rPr>
-              <a:t>MyListener</a:t>
-            </a:r>
-            <a:r>
-              <a:rPr lang="en-US" sz="1800" dirty="0">
-                <a:latin typeface="Consolas"/>
-                <a:cs typeface="Consolas"/>
-              </a:rPr>
-              <a:t> implements </a:t>
-            </a:r>
-            <a:r>
-              <a:rPr lang="en-US" sz="1800" dirty="0" err="1">
-                <a:latin typeface="Consolas"/>
-                <a:cs typeface="Consolas"/>
-              </a:rPr>
-              <a:t>InterfaceWithEvents</a:t>
-            </a:r>
-            <a:r>
-              <a:rPr lang="en-US" sz="1800" dirty="0">
-                <a:latin typeface="Consolas"/>
-                <a:cs typeface="Consolas"/>
-              </a:rPr>
-              <a:t> {</a:t>
-            </a:r>
-          </a:p>
-          <a:p>
-            <a:pPr marL="0" indent="0">
-              <a:buNone/>
-            </a:pPr>
-            <a:r>
-              <a:rPr lang="en-US" sz="1800" dirty="0">
-                <a:latin typeface="Consolas"/>
-                <a:cs typeface="Consolas"/>
-              </a:rPr>
-              <a:t>	void method1OfTheInterfaceWithEvents() {...}</a:t>
-            </a:r>
-          </a:p>
-          <a:p>
-            <a:pPr marL="0" indent="0">
-              <a:buNone/>
-            </a:pPr>
-            <a:r>
-              <a:rPr lang="en-US" sz="1800" dirty="0">
-                <a:latin typeface="Consolas"/>
-                <a:cs typeface="Consolas"/>
-              </a:rPr>
-              <a:t>	void method2OfTheInterfaceWithEvents() {...}</a:t>
-            </a:r>
-          </a:p>
-          <a:p>
-            <a:pPr marL="0" indent="0">
-              <a:buNone/>
-            </a:pPr>
-            <a:r>
-              <a:rPr lang="en-US" sz="1800" dirty="0">
-                <a:latin typeface="Consolas"/>
-                <a:cs typeface="Consolas"/>
-              </a:rPr>
-              <a:t>} //end class</a:t>
-            </a:r>
-          </a:p>
-          <a:p>
-            <a:pPr marL="0" lvl="1" indent="0">
-              <a:buNone/>
-            </a:pPr>
-            <a:endParaRPr lang="en-US" sz="1800" dirty="0">
-              <a:latin typeface="Consolas"/>
-              <a:cs typeface="Consolas"/>
+            <a:r>
+              <a:rPr lang="en-US" dirty="0" err="1">
+                <a:solidFill>
+                  <a:srgbClr val="E46C0A"/>
+                </a:solidFill>
+              </a:rPr>
+              <a:t>ActionListener</a:t>
+            </a:r>
+            <a:r>
+              <a:rPr lang="en-US" dirty="0">
+                <a:solidFill>
+                  <a:srgbClr val="E46C0A"/>
+                </a:solidFill>
+              </a:rPr>
+              <a:t> </a:t>
+            </a:r>
+          </a:p>
+          <a:p>
+            <a:pPr lvl="1"/>
+            <a:r>
+              <a:rPr lang="en-US" dirty="0"/>
+              <a:t>void </a:t>
+            </a:r>
+            <a:r>
+              <a:rPr lang="en-US" dirty="0" err="1"/>
+              <a:t>actionPerformed</a:t>
+            </a:r>
+            <a:r>
+              <a:rPr lang="en-US" dirty="0"/>
+              <a:t> (</a:t>
+            </a:r>
+            <a:r>
+              <a:rPr lang="en-US" dirty="0" err="1"/>
+              <a:t>ActionEvent</a:t>
+            </a:r>
+            <a:r>
+              <a:rPr lang="en-US" dirty="0"/>
+              <a:t> </a:t>
+            </a:r>
+            <a:r>
+              <a:rPr lang="en-US" dirty="0" err="1"/>
+              <a:t>evt</a:t>
+            </a:r>
+            <a:r>
+              <a:rPr lang="en-US" dirty="0"/>
+              <a:t>)</a:t>
+            </a:r>
+          </a:p>
+          <a:p>
+            <a:r>
+              <a:rPr lang="en-US" dirty="0" err="1">
+                <a:solidFill>
+                  <a:srgbClr val="E46C0A"/>
+                </a:solidFill>
+              </a:rPr>
+              <a:t>FocusListener</a:t>
+            </a:r>
+            <a:endParaRPr lang="en-US" dirty="0">
+              <a:solidFill>
+                <a:srgbClr val="E46C0A"/>
+              </a:solidFill>
             </a:endParaRPr>
           </a:p>
           <a:p>
-            <a:pPr marL="0" lvl="1" indent="0">
-              <a:buNone/>
-            </a:pPr>
-            <a:endParaRPr lang="en-US" sz="1800" dirty="0">
-              <a:latin typeface="Consolas"/>
-              <a:cs typeface="Consolas"/>
+            <a:pPr lvl="1"/>
+            <a:r>
+              <a:rPr lang="en-US" dirty="0"/>
+              <a:t>void </a:t>
+            </a:r>
+            <a:r>
+              <a:rPr lang="en-US" dirty="0" err="1"/>
+              <a:t>focusGained</a:t>
+            </a:r>
+            <a:r>
+              <a:rPr lang="en-US" dirty="0"/>
+              <a:t> (</a:t>
+            </a:r>
+            <a:r>
+              <a:rPr lang="en-US" dirty="0" err="1"/>
+              <a:t>FocusEvent</a:t>
+            </a:r>
+            <a:r>
+              <a:rPr lang="en-US" dirty="0"/>
+              <a:t> </a:t>
+            </a:r>
+            <a:r>
+              <a:rPr lang="en-US" dirty="0" err="1"/>
+              <a:t>evt</a:t>
+            </a:r>
+            <a:r>
+              <a:rPr lang="en-US" dirty="0"/>
+              <a:t>)</a:t>
+            </a:r>
+          </a:p>
+          <a:p>
+            <a:pPr lvl="1"/>
+            <a:r>
+              <a:rPr lang="en-US" dirty="0"/>
+              <a:t>void </a:t>
+            </a:r>
+            <a:r>
+              <a:rPr lang="en-US" dirty="0" err="1"/>
+              <a:t>focusLost</a:t>
+            </a:r>
+            <a:r>
+              <a:rPr lang="en-US" dirty="0"/>
+              <a:t> (</a:t>
+            </a:r>
+            <a:r>
+              <a:rPr lang="en-US" dirty="0" err="1"/>
+              <a:t>FocusEvent</a:t>
+            </a:r>
+            <a:r>
+              <a:rPr lang="en-US" dirty="0"/>
+              <a:t> </a:t>
+            </a:r>
+            <a:r>
+              <a:rPr lang="en-US" dirty="0" err="1"/>
+              <a:t>evt</a:t>
+            </a:r>
+            <a:r>
+              <a:rPr lang="en-US" dirty="0"/>
+              <a:t>)</a:t>
+            </a:r>
+          </a:p>
+          <a:p>
+            <a:r>
+              <a:rPr lang="en-US" dirty="0" err="1">
+                <a:solidFill>
+                  <a:srgbClr val="E46C0A"/>
+                </a:solidFill>
+              </a:rPr>
+              <a:t>ItemListener</a:t>
+            </a:r>
+            <a:endParaRPr lang="en-US" dirty="0">
+              <a:solidFill>
+                <a:srgbClr val="E46C0A"/>
+              </a:solidFill>
             </a:endParaRPr>
           </a:p>
           <a:p>
-            <a:pPr marL="0" indent="0">
-              <a:buNone/>
-            </a:pPr>
-            <a:r>
-              <a:rPr lang="en-US" sz="1800" dirty="0">
-                <a:latin typeface="Consolas"/>
-                <a:cs typeface="Consolas"/>
-              </a:rPr>
-              <a:t>class Frame extends </a:t>
-            </a:r>
-            <a:r>
-              <a:rPr lang="en-US" sz="1800" dirty="0" err="1">
-                <a:latin typeface="Consolas"/>
-                <a:cs typeface="Consolas"/>
-              </a:rPr>
-              <a:t>JFrame</a:t>
-            </a:r>
-            <a:r>
-              <a:rPr lang="en-US" sz="1800" dirty="0">
-                <a:latin typeface="Consolas"/>
-                <a:cs typeface="Consolas"/>
-              </a:rPr>
-              <a:t> {</a:t>
-            </a:r>
-          </a:p>
-          <a:p>
-            <a:pPr marL="0" indent="0">
-              <a:buNone/>
-            </a:pPr>
-            <a:r>
-              <a:rPr lang="en-US" sz="1800" dirty="0">
-                <a:latin typeface="Consolas"/>
-                <a:cs typeface="Consolas"/>
-              </a:rPr>
-              <a:t>	</a:t>
-            </a:r>
-            <a:r>
-              <a:rPr lang="en-US" sz="1800" dirty="0" err="1">
-                <a:latin typeface="Consolas"/>
-                <a:cs typeface="Consolas"/>
-              </a:rPr>
-              <a:t>JComponent</a:t>
-            </a:r>
-            <a:r>
-              <a:rPr lang="en-US" sz="1800" dirty="0">
-                <a:latin typeface="Consolas"/>
-                <a:cs typeface="Consolas"/>
-              </a:rPr>
+            <a:pPr lvl="1"/>
+            <a:r>
+              <a:rPr lang="en-US" dirty="0"/>
+              <a:t>void </a:t>
+            </a:r>
+            <a:r>
+              <a:rPr lang="en-US" dirty="0" err="1"/>
+              <a:t>itemStateChanged</a:t>
+            </a:r>
+            <a:r>
+              <a:rPr lang="en-US" dirty="0"/>
+              <a:t> (</a:t>
+            </a:r>
+            <a:r>
+              <a:rPr lang="en-US" dirty="0" err="1"/>
+              <a:t>ItemEvent</a:t>
+            </a:r>
+            <a:r>
+              <a:rPr lang="en-US" dirty="0"/>
               <a:t> </a:t>
             </a:r>
             <a:r>
-              <a:rPr lang="en-US" sz="1800" dirty="0" err="1">
-                <a:latin typeface="Consolas"/>
-                <a:cs typeface="Consolas"/>
-              </a:rPr>
-              <a:t>sourceofEvents</a:t>
-            </a:r>
-            <a:r>
-              <a:rPr lang="en-US" sz="1800" dirty="0">
-                <a:latin typeface="Consolas"/>
-                <a:cs typeface="Consolas"/>
-              </a:rPr>
-              <a:t> = new </a:t>
-            </a:r>
-            <a:r>
-              <a:rPr lang="en-US" sz="1800" dirty="0" err="1">
-                <a:latin typeface="Consolas"/>
-                <a:cs typeface="Consolas"/>
-              </a:rPr>
-              <a:t>JComponent</a:t>
-            </a:r>
-            <a:r>
-              <a:rPr lang="en-US" sz="1800" dirty="0">
-                <a:latin typeface="Consolas"/>
-                <a:cs typeface="Consolas"/>
-              </a:rPr>
-              <a:t>();</a:t>
-            </a:r>
-          </a:p>
-          <a:p>
-            <a:pPr marL="0" indent="0">
-              <a:buNone/>
-            </a:pPr>
-            <a:r>
-              <a:rPr lang="en-US" sz="1800" dirty="0">
-                <a:latin typeface="Consolas"/>
-                <a:cs typeface="Consolas"/>
-              </a:rPr>
-              <a:t>	</a:t>
-            </a:r>
-            <a:r>
-              <a:rPr lang="en-US" sz="1800" dirty="0" err="1">
-                <a:latin typeface="Consolas"/>
-                <a:cs typeface="Consolas"/>
-              </a:rPr>
-              <a:t>sourceOfEvents.addListener</a:t>
-            </a:r>
-            <a:r>
-              <a:rPr lang="en-US" sz="1800" dirty="0">
-                <a:latin typeface="Consolas"/>
-                <a:cs typeface="Consolas"/>
-              </a:rPr>
-              <a:t>(new </a:t>
-            </a:r>
-            <a:r>
-              <a:rPr lang="en-US" sz="1800" dirty="0" err="1">
-                <a:latin typeface="Consolas"/>
-                <a:cs typeface="Consolas"/>
-              </a:rPr>
-              <a:t>MyListener</a:t>
-            </a:r>
-            <a:r>
-              <a:rPr lang="en-US" sz="1800" dirty="0">
-                <a:latin typeface="Consolas"/>
-                <a:cs typeface="Consolas"/>
-              </a:rPr>
-              <a:t>());</a:t>
-            </a:r>
-          </a:p>
-          <a:p>
-            <a:pPr marL="0" indent="0">
-              <a:buNone/>
-            </a:pPr>
-            <a:r>
-              <a:rPr lang="en-US" sz="1800" dirty="0">
-                <a:latin typeface="Consolas"/>
-                <a:cs typeface="Consolas"/>
-              </a:rPr>
-              <a:t>} //end class</a:t>
+              <a:rPr lang="en-US" dirty="0" err="1"/>
+              <a:t>evt</a:t>
+            </a:r>
+            <a:r>
+              <a:rPr lang="en-US" dirty="0"/>
+              <a:t>)</a:t>
             </a:r>
           </a:p>
         </p:txBody>
@@ -19192,7 +19552,7 @@
     </p:spTree>
     <p:extLst>
       <p:ext uri="{BB962C8B-B14F-4D97-AF65-F5344CB8AC3E}">
-        <p14:creationId xmlns:p14="http://schemas.microsoft.com/office/powerpoint/2010/main" val="1741930064"/>
+        <p14:creationId xmlns:p14="http://schemas.microsoft.com/office/powerpoint/2010/main" val="314957595"/>
       </p:ext>
     </p:extLst>
   </p:cSld>
@@ -19236,477 +19596,6 @@
           <a:p>
             <a:r>
               <a:rPr lang="en-US" dirty="0"/>
-              <a:t>Dealing with multiple sources</a:t>
-            </a:r>
-          </a:p>
-        </p:txBody>
-      </p:sp>
-      <p:sp>
-        <p:nvSpPr>
-          <p:cNvPr id="3" name="Content Placeholder 2"/>
-          <p:cNvSpPr>
-            <a:spLocks noGrp="1"/>
-          </p:cNvSpPr>
-          <p:nvPr>
-            <p:ph idx="1"/>
-          </p:nvPr>
-        </p:nvSpPr>
-        <p:spPr/>
-        <p:txBody>
-          <a:bodyPr>
-            <a:normAutofit/>
-          </a:bodyPr>
-          <a:lstStyle/>
-          <a:p>
-            <a:r>
-              <a:rPr lang="en-US" sz="2400" dirty="0"/>
-              <a:t>Whenever </a:t>
-            </a:r>
-            <a:r>
-              <a:rPr lang="en-US" sz="2400" dirty="0">
-                <a:solidFill>
-                  <a:schemeClr val="accent6">
-                    <a:lumMod val="75000"/>
-                  </a:schemeClr>
-                </a:solidFill>
-              </a:rPr>
-              <a:t>multiple components register to the same listener </a:t>
-            </a:r>
-            <a:r>
-              <a:rPr lang="en-US" sz="2400" dirty="0"/>
-              <a:t>(e.g., a group of buttons send events to the same </a:t>
-            </a:r>
-            <a:r>
-              <a:rPr lang="en-US" sz="2400" dirty="0" err="1"/>
-              <a:t>Jframe</a:t>
-            </a:r>
-            <a:r>
-              <a:rPr lang="en-US" sz="2400" dirty="0"/>
-              <a:t>), a mechanism for recognizing the actual source of each event is needed.</a:t>
-            </a:r>
-          </a:p>
-          <a:p>
-            <a:r>
-              <a:rPr lang="en-US" sz="2400" dirty="0" err="1">
-                <a:solidFill>
-                  <a:schemeClr val="accent6">
-                    <a:lumMod val="75000"/>
-                  </a:schemeClr>
-                </a:solidFill>
-              </a:rPr>
-              <a:t>getSource</a:t>
-            </a:r>
-            <a:r>
-              <a:rPr lang="en-US" sz="2400" dirty="0">
-                <a:solidFill>
-                  <a:schemeClr val="accent6">
-                    <a:lumMod val="75000"/>
-                  </a:schemeClr>
-                </a:solidFill>
-              </a:rPr>
-              <a:t>() </a:t>
-            </a:r>
-            <a:r>
-              <a:rPr lang="en-US" sz="2400" dirty="0"/>
-              <a:t>and object references</a:t>
-            </a:r>
-          </a:p>
-          <a:p>
-            <a:pPr lvl="1"/>
-            <a:r>
-              <a:rPr lang="en-US" sz="2000" dirty="0"/>
-              <a:t>if (</a:t>
-            </a:r>
-            <a:r>
-              <a:rPr lang="en-US" sz="2000" dirty="0" err="1"/>
-              <a:t>e.getSource</a:t>
-            </a:r>
-            <a:r>
-              <a:rPr lang="en-US" sz="2000" dirty="0"/>
-              <a:t>() == </a:t>
-            </a:r>
-            <a:r>
-              <a:rPr lang="en-US" sz="2000" dirty="0" err="1"/>
-              <a:t>buttonSelfDestruction</a:t>
-            </a:r>
-            <a:r>
-              <a:rPr lang="en-US" sz="2000" dirty="0"/>
-              <a:t> ) {}</a:t>
-            </a:r>
-          </a:p>
-          <a:p>
-            <a:endParaRPr lang="en-US" sz="2400" dirty="0"/>
-          </a:p>
-          <a:p>
-            <a:r>
-              <a:rPr lang="en-US" sz="2400" dirty="0" err="1">
-                <a:solidFill>
-                  <a:schemeClr val="accent6">
-                    <a:lumMod val="75000"/>
-                  </a:schemeClr>
-                </a:solidFill>
-              </a:rPr>
-              <a:t>getActionCommand</a:t>
-            </a:r>
-            <a:r>
-              <a:rPr lang="en-US" sz="2400" dirty="0">
-                <a:solidFill>
-                  <a:schemeClr val="accent6">
-                    <a:lumMod val="75000"/>
-                  </a:schemeClr>
-                </a:solidFill>
-              </a:rPr>
-              <a:t>() </a:t>
-            </a:r>
-            <a:r>
-              <a:rPr lang="en-US" sz="2400" dirty="0"/>
-              <a:t>and strings</a:t>
-            </a:r>
-          </a:p>
-          <a:p>
-            <a:pPr lvl="1"/>
-            <a:r>
-              <a:rPr lang="en-US" sz="2000" dirty="0"/>
-              <a:t>If (</a:t>
-            </a:r>
-            <a:r>
-              <a:rPr lang="en-US" sz="2000" dirty="0" err="1"/>
-              <a:t>e.getActionCommand</a:t>
-            </a:r>
-            <a:r>
-              <a:rPr lang="en-US" sz="2000" dirty="0"/>
-              <a:t>() == “destroy”) {}</a:t>
-            </a:r>
-          </a:p>
-          <a:p>
-            <a:endParaRPr lang="en-US" sz="2400" dirty="0"/>
-          </a:p>
-          <a:p>
-            <a:r>
-              <a:rPr lang="en-US" sz="2400" dirty="0">
-                <a:solidFill>
-                  <a:schemeClr val="accent6">
-                    <a:lumMod val="75000"/>
-                  </a:schemeClr>
-                </a:solidFill>
-              </a:rPr>
-              <a:t>Event classes</a:t>
-            </a:r>
-          </a:p>
-          <a:p>
-            <a:pPr lvl="1"/>
-            <a:r>
-              <a:rPr lang="en-US" sz="2000" dirty="0"/>
-              <a:t>If (e </a:t>
-            </a:r>
-            <a:r>
-              <a:rPr lang="en-US" sz="2000" dirty="0" err="1"/>
-              <a:t>instanceof</a:t>
-            </a:r>
-            <a:r>
-              <a:rPr lang="en-US" sz="2000" dirty="0"/>
-              <a:t>(</a:t>
-            </a:r>
-            <a:r>
-              <a:rPr lang="en-US" sz="2000" dirty="0" err="1"/>
-              <a:t>KeyEvent</a:t>
-            </a:r>
-            <a:r>
-              <a:rPr lang="en-US" sz="2000" dirty="0"/>
-              <a:t>)) {}</a:t>
-            </a:r>
-          </a:p>
-        </p:txBody>
-      </p:sp>
-    </p:spTree>
-    <p:extLst>
-      <p:ext uri="{BB962C8B-B14F-4D97-AF65-F5344CB8AC3E}">
-        <p14:creationId xmlns:p14="http://schemas.microsoft.com/office/powerpoint/2010/main" val="2684022002"/>
-      </p:ext>
-    </p:extLst>
-  </p:cSld>
-  <p:clrMapOvr>
-    <a:masterClrMapping/>
-  </p:clrMapOvr>
-</p:sld>
-</file>
-
-<file path=ppt/slides/slide54.xml><?xml version="1.0" encoding="utf-8"?>
-<p:sld xmlns:a="http://schemas.openxmlformats.org/drawingml/2006/main" xmlns:r="http://schemas.openxmlformats.org/officeDocument/2006/relationships" xmlns:p="http://schemas.openxmlformats.org/presentationml/2006/main">
-  <p:cSld>
-    <p:spTree>
-      <p:nvGrpSpPr>
-        <p:cNvPr id="1" name=""/>
-        <p:cNvGrpSpPr/>
-        <p:nvPr/>
-      </p:nvGrpSpPr>
-      <p:grpSpPr>
-        <a:xfrm>
-          <a:off x="0" y="0"/>
-          <a:ext cx="0" cy="0"/>
-          <a:chOff x="0" y="0"/>
-          <a:chExt cx="0" cy="0"/>
-        </a:xfrm>
-      </p:grpSpPr>
-      <p:sp>
-        <p:nvSpPr>
-          <p:cNvPr id="2" name="Title 1"/>
-          <p:cNvSpPr>
-            <a:spLocks noGrp="1"/>
-          </p:cNvSpPr>
-          <p:nvPr>
-            <p:ph type="title"/>
-          </p:nvPr>
-        </p:nvSpPr>
-        <p:spPr/>
-        <p:txBody>
-          <a:bodyPr/>
-          <a:lstStyle/>
-          <a:p>
-            <a:r>
-              <a:rPr lang="en-US" dirty="0"/>
-              <a:t>Event Interfaces</a:t>
-            </a:r>
-          </a:p>
-        </p:txBody>
-      </p:sp>
-      <p:sp>
-        <p:nvSpPr>
-          <p:cNvPr id="3" name="Content Placeholder 2"/>
-          <p:cNvSpPr>
-            <a:spLocks noGrp="1"/>
-          </p:cNvSpPr>
-          <p:nvPr>
-            <p:ph idx="1"/>
-          </p:nvPr>
-        </p:nvSpPr>
-        <p:spPr/>
-        <p:txBody>
-          <a:bodyPr>
-            <a:normAutofit/>
-          </a:bodyPr>
-          <a:lstStyle/>
-          <a:p>
-            <a:r>
-              <a:rPr lang="en-US" dirty="0" err="1">
-                <a:solidFill>
-                  <a:srgbClr val="E46C0A"/>
-                </a:solidFill>
-              </a:rPr>
-              <a:t>ActionListener</a:t>
-            </a:r>
-            <a:r>
-              <a:rPr lang="en-US" dirty="0">
-                <a:solidFill>
-                  <a:srgbClr val="E46C0A"/>
-                </a:solidFill>
-              </a:rPr>
-              <a:t> </a:t>
-            </a:r>
-          </a:p>
-          <a:p>
-            <a:pPr lvl="1"/>
-            <a:r>
-              <a:rPr lang="en-US" dirty="0"/>
-              <a:t>void </a:t>
-            </a:r>
-            <a:r>
-              <a:rPr lang="en-US" dirty="0" err="1"/>
-              <a:t>actionPerformed</a:t>
-            </a:r>
-            <a:r>
-              <a:rPr lang="en-US" dirty="0"/>
-              <a:t> (</a:t>
-            </a:r>
-            <a:r>
-              <a:rPr lang="en-US" dirty="0" err="1"/>
-              <a:t>ActionEvent</a:t>
-            </a:r>
-            <a:r>
-              <a:rPr lang="en-US" dirty="0"/>
-              <a:t> </a:t>
-            </a:r>
-            <a:r>
-              <a:rPr lang="en-US" dirty="0" err="1"/>
-              <a:t>evt</a:t>
-            </a:r>
-            <a:r>
-              <a:rPr lang="en-US" dirty="0"/>
-              <a:t>)</a:t>
-            </a:r>
-          </a:p>
-          <a:p>
-            <a:r>
-              <a:rPr lang="en-US" dirty="0" err="1">
-                <a:solidFill>
-                  <a:srgbClr val="E46C0A"/>
-                </a:solidFill>
-              </a:rPr>
-              <a:t>FocusListener</a:t>
-            </a:r>
-            <a:endParaRPr lang="en-US" dirty="0">
-              <a:solidFill>
-                <a:srgbClr val="E46C0A"/>
-              </a:solidFill>
-            </a:endParaRPr>
-          </a:p>
-          <a:p>
-            <a:pPr lvl="1"/>
-            <a:r>
-              <a:rPr lang="en-US" dirty="0"/>
-              <a:t>void </a:t>
-            </a:r>
-            <a:r>
-              <a:rPr lang="en-US" dirty="0" err="1"/>
-              <a:t>focusGained</a:t>
-            </a:r>
-            <a:r>
-              <a:rPr lang="en-US" dirty="0"/>
-              <a:t> (</a:t>
-            </a:r>
-            <a:r>
-              <a:rPr lang="en-US" dirty="0" err="1"/>
-              <a:t>FocusEvent</a:t>
-            </a:r>
-            <a:r>
-              <a:rPr lang="en-US" dirty="0"/>
-              <a:t> </a:t>
-            </a:r>
-            <a:r>
-              <a:rPr lang="en-US" dirty="0" err="1"/>
-              <a:t>evt</a:t>
-            </a:r>
-            <a:r>
-              <a:rPr lang="en-US" dirty="0"/>
-              <a:t>)</a:t>
-            </a:r>
-          </a:p>
-          <a:p>
-            <a:pPr lvl="1"/>
-            <a:r>
-              <a:rPr lang="en-US" dirty="0"/>
-              <a:t>void </a:t>
-            </a:r>
-            <a:r>
-              <a:rPr lang="en-US" dirty="0" err="1"/>
-              <a:t>focusLost</a:t>
-            </a:r>
-            <a:r>
-              <a:rPr lang="en-US" dirty="0"/>
-              <a:t> (</a:t>
-            </a:r>
-            <a:r>
-              <a:rPr lang="en-US" dirty="0" err="1"/>
-              <a:t>FocusEvent</a:t>
-            </a:r>
-            <a:r>
-              <a:rPr lang="en-US" dirty="0"/>
-              <a:t> </a:t>
-            </a:r>
-            <a:r>
-              <a:rPr lang="en-US" dirty="0" err="1"/>
-              <a:t>evt</a:t>
-            </a:r>
-            <a:r>
-              <a:rPr lang="en-US" dirty="0"/>
-              <a:t>)</a:t>
-            </a:r>
-          </a:p>
-          <a:p>
-            <a:r>
-              <a:rPr lang="en-US" dirty="0" err="1">
-                <a:solidFill>
-                  <a:srgbClr val="E46C0A"/>
-                </a:solidFill>
-              </a:rPr>
-              <a:t>ItemListener</a:t>
-            </a:r>
-            <a:endParaRPr lang="en-US" dirty="0">
-              <a:solidFill>
-                <a:srgbClr val="E46C0A"/>
-              </a:solidFill>
-            </a:endParaRPr>
-          </a:p>
-          <a:p>
-            <a:pPr lvl="1"/>
-            <a:r>
-              <a:rPr lang="en-US" dirty="0"/>
-              <a:t>void </a:t>
-            </a:r>
-            <a:r>
-              <a:rPr lang="en-US" dirty="0" err="1"/>
-              <a:t>itemStateChanged</a:t>
-            </a:r>
-            <a:r>
-              <a:rPr lang="en-US" dirty="0"/>
-              <a:t> (</a:t>
-            </a:r>
-            <a:r>
-              <a:rPr lang="en-US" dirty="0" err="1"/>
-              <a:t>ItemEvent</a:t>
-            </a:r>
-            <a:r>
-              <a:rPr lang="en-US" dirty="0"/>
-              <a:t> </a:t>
-            </a:r>
-            <a:r>
-              <a:rPr lang="en-US" dirty="0" err="1"/>
-              <a:t>evt</a:t>
-            </a:r>
-            <a:r>
-              <a:rPr lang="en-US" dirty="0"/>
-              <a:t>)</a:t>
-            </a:r>
-          </a:p>
-        </p:txBody>
-      </p:sp>
-    </p:spTree>
-    <p:extLst>
-      <p:ext uri="{BB962C8B-B14F-4D97-AF65-F5344CB8AC3E}">
-        <p14:creationId xmlns:p14="http://schemas.microsoft.com/office/powerpoint/2010/main" val="314957595"/>
-      </p:ext>
-    </p:extLst>
-  </p:cSld>
-  <p:clrMapOvr>
-    <a:masterClrMapping/>
-  </p:clrMapOvr>
-</p:sld>
-</file>
-
-<file path=ppt/slides/slide55.xml><?xml version="1.0" encoding="utf-8"?>
-<p:sld xmlns:a="http://schemas.openxmlformats.org/drawingml/2006/main" xmlns:r="http://schemas.openxmlformats.org/officeDocument/2006/relationships" xmlns:p="http://schemas.openxmlformats.org/presentationml/2006/main">
-  <p:cSld>
-    <p:spTree>
-      <p:nvGrpSpPr>
-        <p:cNvPr id="1" name=""/>
-        <p:cNvGrpSpPr/>
-        <p:nvPr/>
-      </p:nvGrpSpPr>
-      <p:grpSpPr>
-        <a:xfrm>
-          <a:off x="0" y="0"/>
-          <a:ext cx="0" cy="0"/>
-          <a:chOff x="0" y="0"/>
-          <a:chExt cx="0" cy="0"/>
-        </a:xfrm>
-      </p:grpSpPr>
-      <p:sp>
-        <p:nvSpPr>
-          <p:cNvPr id="2" name="Title 1"/>
-          <p:cNvSpPr>
-            <a:spLocks noGrp="1"/>
-          </p:cNvSpPr>
-          <p:nvPr>
-            <p:ph type="title"/>
-          </p:nvPr>
-        </p:nvSpPr>
-        <p:spPr/>
-        <p:txBody>
-          <a:bodyPr/>
-          <a:lstStyle/>
-          <a:p>
-            <a:r>
-              <a:rPr lang="en-US" dirty="0"/>
               <a:t>Event Interfaces</a:t>
             </a:r>
           </a:p>
@@ -19996,7 +19885,7 @@
 </p:sld>
 </file>
 
-<file path=ppt/slides/slide56.xml><?xml version="1.0" encoding="utf-8"?>
+<file path=ppt/slides/slide54.xml><?xml version="1.0" encoding="utf-8"?>
 <p:sld xmlns:a="http://schemas.openxmlformats.org/drawingml/2006/main" xmlns:r="http://schemas.openxmlformats.org/officeDocument/2006/relationships" xmlns:p="http://schemas.openxmlformats.org/presentationml/2006/main">
   <p:cSld>
     <p:spTree>
